--- a/week12_text_clustering/Text Clustering.pptx
+++ b/week12_text_clustering/Text Clustering.pptx
@@ -6,6 +6,24 @@
   </p:sldMasterIdLst>
   <p:sldIdLst>
     <p:sldId id="256" r:id="rId2"/>
+    <p:sldId id="257" r:id="rId3"/>
+    <p:sldId id="258" r:id="rId4"/>
+    <p:sldId id="260" r:id="rId5"/>
+    <p:sldId id="259" r:id="rId6"/>
+    <p:sldId id="261" r:id="rId7"/>
+    <p:sldId id="262" r:id="rId8"/>
+    <p:sldId id="264" r:id="rId9"/>
+    <p:sldId id="265" r:id="rId10"/>
+    <p:sldId id="266" r:id="rId11"/>
+    <p:sldId id="267" r:id="rId12"/>
+    <p:sldId id="268" r:id="rId13"/>
+    <p:sldId id="272" r:id="rId14"/>
+    <p:sldId id="273" r:id="rId15"/>
+    <p:sldId id="274" r:id="rId16"/>
+    <p:sldId id="275" r:id="rId17"/>
+    <p:sldId id="271" r:id="rId18"/>
+    <p:sldId id="277" r:id="rId19"/>
+    <p:sldId id="263" r:id="rId20"/>
   </p:sldIdLst>
   <p:sldSz cx="12192000" cy="6858000"/>
   <p:notesSz cx="6858000" cy="9144000"/>
@@ -2975,6 +2993,87 @@
       </p:grpSpPr>
       <p:sp>
         <p:nvSpPr>
+          <p:cNvPr id="3" name="標題 2"/>
+          <p:cNvSpPr>
+            <a:spLocks noGrp="1"/>
+          </p:cNvSpPr>
+          <p:nvPr>
+            <p:ph type="ctrTitle"/>
+          </p:nvPr>
+        </p:nvSpPr>
+        <p:spPr/>
+        <p:txBody>
+          <a:bodyPr/>
+          <a:lstStyle/>
+          <a:p>
+            <a:r>
+              <a:rPr lang="en-US" altLang="zh-TW" dirty="0" smtClean="0"/>
+              <a:t>Text Clustering In R</a:t>
+            </a:r>
+            <a:endParaRPr lang="zh-TW" altLang="en-US" dirty="0"/>
+          </a:p>
+        </p:txBody>
+      </p:sp>
+      <p:sp>
+        <p:nvSpPr>
+          <p:cNvPr id="6" name="副標題 5"/>
+          <p:cNvSpPr>
+            <a:spLocks noGrp="1"/>
+          </p:cNvSpPr>
+          <p:nvPr>
+            <p:ph type="subTitle" idx="1"/>
+          </p:nvPr>
+        </p:nvSpPr>
+        <p:spPr>
+          <a:xfrm>
+            <a:off x="1524000" y="3842238"/>
+            <a:ext cx="9144000" cy="1415562"/>
+          </a:xfrm>
+        </p:spPr>
+        <p:txBody>
+          <a:bodyPr/>
+          <a:lstStyle/>
+          <a:p>
+            <a:r>
+              <a:rPr lang="en-US" altLang="zh-TW" dirty="0" smtClean="0"/>
+              <a:t>Lecturer: WU CHENG-LIN</a:t>
+            </a:r>
+            <a:endParaRPr lang="zh-TW" altLang="en-US" dirty="0"/>
+          </a:p>
+        </p:txBody>
+      </p:sp>
+    </p:spTree>
+    <p:extLst>
+      <p:ext uri="{BB962C8B-B14F-4D97-AF65-F5344CB8AC3E}">
+        <p14:creationId xmlns:p14="http://schemas.microsoft.com/office/powerpoint/2010/main" val="4219652209"/>
+      </p:ext>
+    </p:extLst>
+  </p:cSld>
+  <p:clrMapOvr>
+    <a:masterClrMapping/>
+  </p:clrMapOvr>
+</p:sld>
+</file>
+
+<file path=ppt/slides/slide10.xml><?xml version="1.0" encoding="utf-8"?>
+<p:sld xmlns:a="http://schemas.openxmlformats.org/drawingml/2006/main" xmlns:r="http://schemas.openxmlformats.org/officeDocument/2006/relationships" xmlns:p="http://schemas.openxmlformats.org/presentationml/2006/main">
+  <p:cSld>
+    <p:spTree>
+      <p:nvGrpSpPr>
+        <p:cNvPr id="1" name=""/>
+        <p:cNvGrpSpPr/>
+        <p:nvPr/>
+      </p:nvGrpSpPr>
+      <p:grpSpPr>
+        <a:xfrm>
+          <a:off x="0" y="0"/>
+          <a:ext cx="0" cy="0"/>
+          <a:chOff x="0" y="0"/>
+          <a:chExt cx="0" cy="0"/>
+        </a:xfrm>
+      </p:grpSpPr>
+      <p:sp>
+        <p:nvSpPr>
           <p:cNvPr id="4" name="標題 3"/>
           <p:cNvSpPr>
             <a:spLocks noGrp="1"/>
@@ -2988,7 +3087,104 @@
           <a:bodyPr/>
           <a:lstStyle/>
           <a:p>
-            <a:endParaRPr lang="zh-TW" altLang="en-US"/>
+            <a:r>
+              <a:rPr lang="en-US" altLang="zh-TW" dirty="0" smtClean="0"/>
+              <a:t>Programming Flow</a:t>
+            </a:r>
+            <a:endParaRPr lang="zh-TW" altLang="en-US" dirty="0"/>
+          </a:p>
+        </p:txBody>
+      </p:sp>
+      <p:sp>
+        <p:nvSpPr>
+          <p:cNvPr id="5" name="文字版面配置區 4"/>
+          <p:cNvSpPr>
+            <a:spLocks noGrp="1"/>
+          </p:cNvSpPr>
+          <p:nvPr>
+            <p:ph type="body" idx="1"/>
+          </p:nvPr>
+        </p:nvSpPr>
+        <p:spPr>
+          <a:xfrm>
+            <a:off x="902189" y="4562475"/>
+            <a:ext cx="10515600" cy="1500187"/>
+          </a:xfrm>
+        </p:spPr>
+        <p:txBody>
+          <a:bodyPr/>
+          <a:lstStyle/>
+          <a:p>
+            <a:r>
+              <a:rPr lang="en-US" altLang="zh-TW" dirty="0" smtClean="0"/>
+              <a:t>Be prepared to write some code</a:t>
+            </a:r>
+            <a:endParaRPr lang="zh-TW" altLang="en-US" dirty="0"/>
+          </a:p>
+        </p:txBody>
+      </p:sp>
+    </p:spTree>
+    <p:extLst>
+      <p:ext uri="{BB962C8B-B14F-4D97-AF65-F5344CB8AC3E}">
+        <p14:creationId xmlns:p14="http://schemas.microsoft.com/office/powerpoint/2010/main" val="3621935939"/>
+      </p:ext>
+    </p:extLst>
+  </p:cSld>
+  <p:clrMapOvr>
+    <a:masterClrMapping/>
+  </p:clrMapOvr>
+  <p:timing>
+    <p:tnLst>
+      <p:par>
+        <p:cTn id="1" dur="indefinite" restart="never" nodeType="tmRoot"/>
+      </p:par>
+    </p:tnLst>
+  </p:timing>
+</p:sld>
+</file>
+
+<file path=ppt/slides/slide11.xml><?xml version="1.0" encoding="utf-8"?>
+<p:sld xmlns:a="http://schemas.openxmlformats.org/drawingml/2006/main" xmlns:r="http://schemas.openxmlformats.org/officeDocument/2006/relationships" xmlns:p="http://schemas.openxmlformats.org/presentationml/2006/main">
+  <p:cSld>
+    <p:spTree>
+      <p:nvGrpSpPr>
+        <p:cNvPr id="1" name=""/>
+        <p:cNvGrpSpPr/>
+        <p:nvPr/>
+      </p:nvGrpSpPr>
+      <p:grpSpPr>
+        <a:xfrm>
+          <a:off x="0" y="0"/>
+          <a:ext cx="0" cy="0"/>
+          <a:chOff x="0" y="0"/>
+          <a:chExt cx="0" cy="0"/>
+        </a:xfrm>
+      </p:grpSpPr>
+      <p:sp>
+        <p:nvSpPr>
+          <p:cNvPr id="4" name="標題 3"/>
+          <p:cNvSpPr>
+            <a:spLocks noGrp="1"/>
+          </p:cNvSpPr>
+          <p:nvPr>
+            <p:ph type="title"/>
+          </p:nvPr>
+        </p:nvSpPr>
+        <p:spPr>
+          <a:xfrm>
+            <a:off x="530470" y="162902"/>
+            <a:ext cx="10515600" cy="1325563"/>
+          </a:xfrm>
+        </p:spPr>
+        <p:txBody>
+          <a:bodyPr/>
+          <a:lstStyle/>
+          <a:p>
+            <a:r>
+              <a:rPr lang="en-US" altLang="zh-TW" dirty="0" smtClean="0"/>
+              <a:t>Dataset</a:t>
+            </a:r>
+            <a:endParaRPr lang="zh-TW" altLang="en-US" dirty="0"/>
           </a:p>
         </p:txBody>
       </p:sp>
@@ -3002,107 +3198,9085 @@
             <p:ph idx="1"/>
           </p:nvPr>
         </p:nvSpPr>
+        <p:spPr>
+          <a:xfrm>
+            <a:off x="530470" y="1553063"/>
+            <a:ext cx="5122985" cy="715352"/>
+          </a:xfrm>
+        </p:spPr>
+        <p:txBody>
+          <a:bodyPr/>
+          <a:lstStyle/>
+          <a:p>
+            <a:pPr marL="0" indent="0">
+              <a:buNone/>
+            </a:pPr>
+            <a:r>
+              <a:rPr lang="en-US" altLang="zh-TW" dirty="0" smtClean="0">
+                <a:solidFill>
+                  <a:srgbClr val="FFC000"/>
+                </a:solidFill>
+              </a:rPr>
+              <a:t>Product Description (.CSV)</a:t>
+            </a:r>
+            <a:endParaRPr lang="zh-TW" altLang="en-US" dirty="0">
+              <a:solidFill>
+                <a:srgbClr val="FFC000"/>
+              </a:solidFill>
+            </a:endParaRPr>
+          </a:p>
+        </p:txBody>
+      </p:sp>
+      <p:sp>
+        <p:nvSpPr>
+          <p:cNvPr id="6" name="矩形 5"/>
+          <p:cNvSpPr/>
+          <p:nvPr/>
+        </p:nvSpPr>
+        <p:spPr>
+          <a:xfrm>
+            <a:off x="530677" y="2333013"/>
+            <a:ext cx="5257593" cy="2554545"/>
+          </a:xfrm>
+          <a:prstGeom prst="rect">
+            <a:avLst/>
+          </a:prstGeom>
+        </p:spPr>
+        <p:txBody>
+          <a:bodyPr wrap="none">
+            <a:spAutoFit/>
+          </a:bodyPr>
+          <a:lstStyle/>
+          <a:p>
+            <a:r>
+              <a:rPr lang="en-US" altLang="zh-TW" sz="2000" dirty="0" smtClean="0"/>
+              <a:t>There’re </a:t>
+            </a:r>
+            <a:r>
+              <a:rPr lang="en-US" altLang="zh-TW" sz="2000" dirty="0" smtClean="0">
+                <a:solidFill>
+                  <a:srgbClr val="FFC000"/>
+                </a:solidFill>
+              </a:rPr>
+              <a:t>12</a:t>
+            </a:r>
+            <a:r>
+              <a:rPr lang="en-US" altLang="zh-TW" sz="2000" dirty="0" smtClean="0"/>
+              <a:t> items in total. </a:t>
+            </a:r>
+          </a:p>
+          <a:p>
+            <a:r>
+              <a:rPr lang="en-US" altLang="zh-TW" sz="2000" dirty="0" smtClean="0"/>
+              <a:t>Each product belongs to one of these categories:</a:t>
+            </a:r>
+          </a:p>
+          <a:p>
+            <a:pPr marL="285750" indent="-285750">
+              <a:lnSpc>
+                <a:spcPct val="200000"/>
+              </a:lnSpc>
+              <a:buFont typeface="Arial" panose="020B0604020202020204" pitchFamily="34" charset="0"/>
+              <a:buChar char="•"/>
+            </a:pPr>
+            <a:r>
+              <a:rPr lang="en-US" altLang="zh-TW" sz="2000" dirty="0" smtClean="0"/>
+              <a:t>Drone</a:t>
+            </a:r>
+          </a:p>
+          <a:p>
+            <a:pPr marL="285750" indent="-285750">
+              <a:lnSpc>
+                <a:spcPct val="200000"/>
+              </a:lnSpc>
+              <a:buFont typeface="Arial" panose="020B0604020202020204" pitchFamily="34" charset="0"/>
+              <a:buChar char="•"/>
+            </a:pPr>
+            <a:r>
+              <a:rPr lang="en-US" altLang="zh-TW" sz="2000" dirty="0" smtClean="0"/>
+              <a:t>Jacket</a:t>
+            </a:r>
+          </a:p>
+          <a:p>
+            <a:pPr marL="285750" indent="-285750">
+              <a:lnSpc>
+                <a:spcPct val="200000"/>
+              </a:lnSpc>
+              <a:buFont typeface="Arial" panose="020B0604020202020204" pitchFamily="34" charset="0"/>
+              <a:buChar char="•"/>
+            </a:pPr>
+            <a:r>
+              <a:rPr lang="en-US" altLang="zh-TW" sz="2000" dirty="0" smtClean="0"/>
+              <a:t>Knife</a:t>
+            </a:r>
+            <a:endParaRPr lang="zh-TW" altLang="en-US" sz="2000" dirty="0"/>
+          </a:p>
+        </p:txBody>
+      </p:sp>
+      <p:pic>
+        <p:nvPicPr>
+          <p:cNvPr id="7172" name="Picture 4" descr="Men's Black Full Sleeve Jacket, Rs 500 /piece Mehak Garments | ID:  15879905962"/>
+          <p:cNvPicPr>
+            <a:picLocks noChangeAspect="1" noChangeArrowheads="1"/>
+          </p:cNvPicPr>
+          <p:nvPr/>
+        </p:nvPicPr>
+        <p:blipFill rotWithShape="1">
+          <a:blip r:embed="rId2" cstate="print">
+            <a:extLst>
+              <a:ext uri="{28A0092B-C50C-407E-A947-70E740481C1C}">
+                <a14:useLocalDpi xmlns:a14="http://schemas.microsoft.com/office/drawing/2010/main" val="0"/>
+              </a:ext>
+            </a:extLst>
+          </a:blip>
+          <a:srcRect l="9103" r="6897" b="1046"/>
+          <a:stretch/>
+        </p:blipFill>
+        <p:spPr bwMode="auto">
+          <a:xfrm>
+            <a:off x="2373380" y="5048868"/>
+            <a:ext cx="1081996" cy="1274615"/>
+          </a:xfrm>
+          <a:prstGeom prst="rect">
+            <a:avLst/>
+          </a:prstGeom>
+          <a:noFill/>
+          <a:extLst>
+            <a:ext uri="{909E8E84-426E-40DD-AFC4-6F175D3DCCD1}">
+              <a14:hiddenFill xmlns:a14="http://schemas.microsoft.com/office/drawing/2010/main">
+                <a:solidFill>
+                  <a:srgbClr val="FFFFFF"/>
+                </a:solidFill>
+              </a14:hiddenFill>
+            </a:ext>
+          </a:extLst>
+        </p:spPr>
+      </p:pic>
+      <p:pic>
+        <p:nvPicPr>
+          <p:cNvPr id="7174" name="Picture 6" descr="FREEFLY Alta X Drone 950-00100 B&amp;H Photo Video"/>
+          <p:cNvPicPr>
+            <a:picLocks noChangeAspect="1" noChangeArrowheads="1"/>
+          </p:cNvPicPr>
+          <p:nvPr/>
+        </p:nvPicPr>
+        <p:blipFill rotWithShape="1">
+          <a:blip r:embed="rId3" cstate="print">
+            <a:extLst>
+              <a:ext uri="{28A0092B-C50C-407E-A947-70E740481C1C}">
+                <a14:useLocalDpi xmlns:a14="http://schemas.microsoft.com/office/drawing/2010/main" val="0"/>
+              </a:ext>
+            </a:extLst>
+          </a:blip>
+          <a:srcRect b="16808"/>
+          <a:stretch/>
+        </p:blipFill>
+        <p:spPr bwMode="auto">
+          <a:xfrm>
+            <a:off x="618393" y="5048868"/>
+            <a:ext cx="1532151" cy="1274615"/>
+          </a:xfrm>
+          <a:prstGeom prst="rect">
+            <a:avLst/>
+          </a:prstGeom>
+          <a:noFill/>
+          <a:extLst>
+            <a:ext uri="{909E8E84-426E-40DD-AFC4-6F175D3DCCD1}">
+              <a14:hiddenFill xmlns:a14="http://schemas.microsoft.com/office/drawing/2010/main">
+                <a:solidFill>
+                  <a:srgbClr val="FFFFFF"/>
+                </a:solidFill>
+              </a14:hiddenFill>
+            </a:ext>
+          </a:extLst>
+        </p:spPr>
+      </p:pic>
+      <p:pic>
+        <p:nvPicPr>
+          <p:cNvPr id="7176" name="Picture 8" descr="ZWILLING Professional S, Chef's Knife, 20 cm: Amazon.co.uk: Kitchen &amp; Home"/>
+          <p:cNvPicPr>
+            <a:picLocks noChangeAspect="1" noChangeArrowheads="1"/>
+          </p:cNvPicPr>
+          <p:nvPr/>
+        </p:nvPicPr>
+        <p:blipFill>
+          <a:blip r:embed="rId4" cstate="print">
+            <a:extLst>
+              <a:ext uri="{28A0092B-C50C-407E-A947-70E740481C1C}">
+                <a14:useLocalDpi xmlns:a14="http://schemas.microsoft.com/office/drawing/2010/main" val="0"/>
+              </a:ext>
+            </a:extLst>
+          </a:blip>
+          <a:srcRect/>
+          <a:stretch>
+            <a:fillRect/>
+          </a:stretch>
+        </p:blipFill>
+        <p:spPr bwMode="auto">
+          <a:xfrm>
+            <a:off x="3678213" y="5048868"/>
+            <a:ext cx="1261084" cy="1274615"/>
+          </a:xfrm>
+          <a:prstGeom prst="rect">
+            <a:avLst/>
+          </a:prstGeom>
+          <a:noFill/>
+          <a:extLst>
+            <a:ext uri="{909E8E84-426E-40DD-AFC4-6F175D3DCCD1}">
+              <a14:hiddenFill xmlns:a14="http://schemas.microsoft.com/office/drawing/2010/main">
+                <a:solidFill>
+                  <a:srgbClr val="FFFFFF"/>
+                </a:solidFill>
+              </a14:hiddenFill>
+            </a:ext>
+          </a:extLst>
+        </p:spPr>
+      </p:pic>
+      <p:sp>
+        <p:nvSpPr>
+          <p:cNvPr id="7" name="矩形 6"/>
+          <p:cNvSpPr/>
+          <p:nvPr/>
+        </p:nvSpPr>
+        <p:spPr>
+          <a:xfrm>
+            <a:off x="6520834" y="2412151"/>
+            <a:ext cx="1872629" cy="400110"/>
+          </a:xfrm>
+          <a:prstGeom prst="rect">
+            <a:avLst/>
+          </a:prstGeom>
+        </p:spPr>
+        <p:txBody>
+          <a:bodyPr wrap="none">
+            <a:spAutoFit/>
+          </a:bodyPr>
+          <a:lstStyle/>
+          <a:p>
+            <a:r>
+              <a:rPr lang="en-US" altLang="zh-TW" sz="2000" dirty="0" smtClean="0">
+                <a:solidFill>
+                  <a:srgbClr val="FFC000"/>
+                </a:solidFill>
+              </a:rPr>
+              <a:t>Dataset Preview</a:t>
+            </a:r>
+            <a:endParaRPr lang="zh-TW" altLang="en-US" sz="2000" dirty="0">
+              <a:solidFill>
+                <a:srgbClr val="FFC000"/>
+              </a:solidFill>
+            </a:endParaRPr>
+          </a:p>
+        </p:txBody>
+      </p:sp>
+      <p:sp>
+        <p:nvSpPr>
+          <p:cNvPr id="8" name="矩形 7"/>
+          <p:cNvSpPr/>
+          <p:nvPr/>
+        </p:nvSpPr>
+        <p:spPr>
+          <a:xfrm>
+            <a:off x="6520834" y="3470402"/>
+            <a:ext cx="1134926" cy="276999"/>
+          </a:xfrm>
+          <a:prstGeom prst="rect">
+            <a:avLst/>
+          </a:prstGeom>
+        </p:spPr>
+        <p:txBody>
+          <a:bodyPr wrap="none">
+            <a:spAutoFit/>
+          </a:bodyPr>
+          <a:lstStyle/>
+          <a:p>
+            <a:r>
+              <a:rPr lang="zh-TW" altLang="en-US" sz="1200" dirty="0"/>
+              <a:t>DJI Mavic 2 Pro</a:t>
+            </a:r>
+          </a:p>
+        </p:txBody>
+      </p:sp>
+      <p:sp>
+        <p:nvSpPr>
+          <p:cNvPr id="9" name="矩形 8"/>
+          <p:cNvSpPr/>
+          <p:nvPr/>
+        </p:nvSpPr>
+        <p:spPr>
+          <a:xfrm>
+            <a:off x="7852365" y="3470401"/>
+            <a:ext cx="3523080" cy="276999"/>
+          </a:xfrm>
+          <a:prstGeom prst="rect">
+            <a:avLst/>
+          </a:prstGeom>
+        </p:spPr>
+        <p:txBody>
+          <a:bodyPr wrap="none">
+            <a:spAutoFit/>
+          </a:bodyPr>
+          <a:lstStyle/>
+          <a:p>
+            <a:r>
+              <a:rPr lang="zh-TW" altLang="en-US" sz="1200" dirty="0"/>
+              <a:t>The Mavic 2 Pro is a compact, foldable drone </a:t>
+            </a:r>
+            <a:r>
+              <a:rPr lang="zh-TW" altLang="en-US" sz="1200" dirty="0" smtClean="0"/>
+              <a:t>that's </a:t>
+            </a:r>
+            <a:r>
+              <a:rPr lang="en-US" altLang="zh-TW" sz="1200" dirty="0" smtClean="0"/>
+              <a:t>…</a:t>
+            </a:r>
+            <a:endParaRPr lang="zh-TW" altLang="en-US" sz="1200" dirty="0"/>
+          </a:p>
+        </p:txBody>
+      </p:sp>
+      <p:sp>
+        <p:nvSpPr>
+          <p:cNvPr id="10" name="矩形 9"/>
+          <p:cNvSpPr/>
+          <p:nvPr/>
+        </p:nvSpPr>
+        <p:spPr>
+          <a:xfrm>
+            <a:off x="6520834" y="3862627"/>
+            <a:ext cx="1161536" cy="276999"/>
+          </a:xfrm>
+          <a:prstGeom prst="rect">
+            <a:avLst/>
+          </a:prstGeom>
+        </p:spPr>
+        <p:txBody>
+          <a:bodyPr wrap="none">
+            <a:spAutoFit/>
+          </a:bodyPr>
+          <a:lstStyle/>
+          <a:p>
+            <a:r>
+              <a:rPr lang="zh-TW" altLang="en-US" sz="1200" dirty="0"/>
+              <a:t>Bomber Jackets</a:t>
+            </a:r>
+          </a:p>
+        </p:txBody>
+      </p:sp>
+      <p:sp>
+        <p:nvSpPr>
+          <p:cNvPr id="11" name="矩形 10"/>
+          <p:cNvSpPr/>
+          <p:nvPr/>
+        </p:nvSpPr>
+        <p:spPr>
+          <a:xfrm>
+            <a:off x="7852365" y="3862627"/>
+            <a:ext cx="3784306" cy="276999"/>
+          </a:xfrm>
+          <a:prstGeom prst="rect">
+            <a:avLst/>
+          </a:prstGeom>
+        </p:spPr>
+        <p:txBody>
+          <a:bodyPr wrap="none">
+            <a:spAutoFit/>
+          </a:bodyPr>
+          <a:lstStyle/>
+          <a:p>
+            <a:r>
+              <a:rPr lang="zh-TW" altLang="en-US" sz="1200" dirty="0"/>
+              <a:t>Also known as a flight jacket, a bomber jacket is a </a:t>
+            </a:r>
+            <a:r>
+              <a:rPr lang="zh-TW" altLang="en-US" sz="1200" dirty="0" smtClean="0"/>
+              <a:t>short </a:t>
+            </a:r>
+            <a:r>
+              <a:rPr lang="en-US" altLang="zh-TW" sz="1200" dirty="0" smtClean="0"/>
+              <a:t>…</a:t>
+            </a:r>
+            <a:endParaRPr lang="zh-TW" altLang="en-US" sz="1200" dirty="0"/>
+          </a:p>
+        </p:txBody>
+      </p:sp>
+      <p:sp>
+        <p:nvSpPr>
+          <p:cNvPr id="12" name="矩形 11"/>
+          <p:cNvSpPr/>
+          <p:nvPr/>
+        </p:nvSpPr>
+        <p:spPr>
+          <a:xfrm>
+            <a:off x="6520834" y="4298807"/>
+            <a:ext cx="907684" cy="276999"/>
+          </a:xfrm>
+          <a:prstGeom prst="rect">
+            <a:avLst/>
+          </a:prstGeom>
+        </p:spPr>
+        <p:txBody>
+          <a:bodyPr wrap="none">
+            <a:spAutoFit/>
+          </a:bodyPr>
+          <a:lstStyle/>
+          <a:p>
+            <a:r>
+              <a:rPr lang="zh-TW" altLang="en-US" sz="1200" dirty="0" smtClean="0"/>
+              <a:t>Chef</a:t>
+            </a:r>
+            <a:r>
+              <a:rPr lang="en-US" altLang="zh-TW" sz="1200" dirty="0" smtClean="0"/>
+              <a:t>’</a:t>
+            </a:r>
+            <a:r>
+              <a:rPr lang="zh-TW" altLang="en-US" sz="1200" dirty="0" smtClean="0"/>
+              <a:t>s </a:t>
+            </a:r>
+            <a:r>
+              <a:rPr lang="zh-TW" altLang="en-US" sz="1200" dirty="0"/>
+              <a:t>knife</a:t>
+            </a:r>
+          </a:p>
+        </p:txBody>
+      </p:sp>
+      <p:sp>
+        <p:nvSpPr>
+          <p:cNvPr id="13" name="矩形 12"/>
+          <p:cNvSpPr/>
+          <p:nvPr/>
+        </p:nvSpPr>
+        <p:spPr>
+          <a:xfrm>
+            <a:off x="7852365" y="4298806"/>
+            <a:ext cx="3237746" cy="276999"/>
+          </a:xfrm>
+          <a:prstGeom prst="rect">
+            <a:avLst/>
+          </a:prstGeom>
+        </p:spPr>
+        <p:txBody>
+          <a:bodyPr wrap="none">
+            <a:spAutoFit/>
+          </a:bodyPr>
+          <a:lstStyle/>
+          <a:p>
+            <a:r>
+              <a:rPr lang="zh-TW" altLang="en-US" sz="1200" dirty="0"/>
+              <a:t>A </a:t>
+            </a:r>
+            <a:r>
+              <a:rPr lang="zh-TW" altLang="en-US" sz="1200" dirty="0" smtClean="0"/>
+              <a:t>chef</a:t>
+            </a:r>
+            <a:r>
+              <a:rPr lang="en-US" altLang="zh-TW" sz="1200" dirty="0" smtClean="0"/>
+              <a:t>’</a:t>
+            </a:r>
+            <a:r>
+              <a:rPr lang="zh-TW" altLang="en-US" sz="1200" dirty="0" smtClean="0"/>
+              <a:t>s </a:t>
+            </a:r>
+            <a:r>
+              <a:rPr lang="zh-TW" altLang="en-US" sz="1200" dirty="0"/>
+              <a:t>knife is one of the most versatile </a:t>
+            </a:r>
+            <a:r>
+              <a:rPr lang="zh-TW" altLang="en-US" sz="1200" dirty="0" smtClean="0"/>
+              <a:t>tools </a:t>
+            </a:r>
+            <a:r>
+              <a:rPr lang="en-US" altLang="zh-TW" sz="1200" dirty="0" smtClean="0"/>
+              <a:t>…</a:t>
+            </a:r>
+            <a:endParaRPr lang="zh-TW" altLang="en-US" sz="1200" dirty="0"/>
+          </a:p>
+        </p:txBody>
+      </p:sp>
+      <p:sp>
+        <p:nvSpPr>
+          <p:cNvPr id="14" name="矩形 13"/>
+          <p:cNvSpPr/>
+          <p:nvPr/>
+        </p:nvSpPr>
+        <p:spPr>
+          <a:xfrm>
+            <a:off x="6520834" y="3101069"/>
+            <a:ext cx="724878" cy="369332"/>
+          </a:xfrm>
+          <a:prstGeom prst="rect">
+            <a:avLst/>
+          </a:prstGeom>
+        </p:spPr>
+        <p:txBody>
+          <a:bodyPr wrap="none">
+            <a:spAutoFit/>
+          </a:bodyPr>
+          <a:lstStyle/>
+          <a:p>
+            <a:r>
+              <a:rPr lang="en-US" altLang="zh-TW" b="1" dirty="0" smtClean="0"/>
+              <a:t>name</a:t>
+            </a:r>
+            <a:endParaRPr lang="zh-TW" altLang="en-US" b="1" dirty="0"/>
+          </a:p>
+        </p:txBody>
+      </p:sp>
+      <p:sp>
+        <p:nvSpPr>
+          <p:cNvPr id="15" name="矩形 14"/>
+          <p:cNvSpPr/>
+          <p:nvPr/>
+        </p:nvSpPr>
+        <p:spPr>
+          <a:xfrm>
+            <a:off x="7852365" y="3091906"/>
+            <a:ext cx="1254574" cy="369332"/>
+          </a:xfrm>
+          <a:prstGeom prst="rect">
+            <a:avLst/>
+          </a:prstGeom>
+        </p:spPr>
+        <p:txBody>
+          <a:bodyPr wrap="none">
+            <a:spAutoFit/>
+          </a:bodyPr>
+          <a:lstStyle/>
+          <a:p>
+            <a:r>
+              <a:rPr lang="zh-TW" altLang="en-US" b="1" dirty="0"/>
+              <a:t>description</a:t>
+            </a:r>
+          </a:p>
+        </p:txBody>
+      </p:sp>
+    </p:spTree>
+    <p:extLst>
+      <p:ext uri="{BB962C8B-B14F-4D97-AF65-F5344CB8AC3E}">
+        <p14:creationId xmlns:p14="http://schemas.microsoft.com/office/powerpoint/2010/main" val="1617327121"/>
+      </p:ext>
+    </p:extLst>
+  </p:cSld>
+  <p:clrMapOvr>
+    <a:masterClrMapping/>
+  </p:clrMapOvr>
+  <p:timing>
+    <p:tnLst>
+      <p:par>
+        <p:cTn id="1" dur="indefinite" restart="never" nodeType="tmRoot"/>
+      </p:par>
+    </p:tnLst>
+  </p:timing>
+</p:sld>
+</file>
+
+<file path=ppt/slides/slide12.xml><?xml version="1.0" encoding="utf-8"?>
+<p:sld xmlns:a="http://schemas.openxmlformats.org/drawingml/2006/main" xmlns:r="http://schemas.openxmlformats.org/officeDocument/2006/relationships" xmlns:p="http://schemas.openxmlformats.org/presentationml/2006/main">
+  <p:cSld>
+    <p:spTree>
+      <p:nvGrpSpPr>
+        <p:cNvPr id="1" name=""/>
+        <p:cNvGrpSpPr/>
+        <p:nvPr/>
+      </p:nvGrpSpPr>
+      <p:grpSpPr>
+        <a:xfrm>
+          <a:off x="0" y="0"/>
+          <a:ext cx="0" cy="0"/>
+          <a:chOff x="0" y="0"/>
+          <a:chExt cx="0" cy="0"/>
+        </a:xfrm>
+      </p:grpSpPr>
+      <p:sp>
+        <p:nvSpPr>
+          <p:cNvPr id="4" name="標題 3"/>
+          <p:cNvSpPr>
+            <a:spLocks noGrp="1"/>
+          </p:cNvSpPr>
+          <p:nvPr>
+            <p:ph type="title"/>
+          </p:nvPr>
+        </p:nvSpPr>
+        <p:spPr>
+          <a:xfrm>
+            <a:off x="530470" y="162902"/>
+            <a:ext cx="10515600" cy="1325563"/>
+          </a:xfrm>
+        </p:spPr>
+        <p:txBody>
+          <a:bodyPr/>
+          <a:lstStyle/>
+          <a:p>
+            <a:r>
+              <a:rPr lang="en-US" altLang="zh-TW" dirty="0" smtClean="0"/>
+              <a:t>Programming Flow</a:t>
+            </a:r>
+            <a:endParaRPr lang="zh-TW" altLang="en-US" dirty="0"/>
+          </a:p>
+        </p:txBody>
+      </p:sp>
+      <p:sp>
+        <p:nvSpPr>
+          <p:cNvPr id="2" name="矩形 1"/>
+          <p:cNvSpPr/>
+          <p:nvPr/>
+        </p:nvSpPr>
+        <p:spPr>
+          <a:xfrm>
+            <a:off x="761999" y="1488465"/>
+            <a:ext cx="4469423" cy="4455322"/>
+          </a:xfrm>
+          <a:prstGeom prst="rect">
+            <a:avLst/>
+          </a:prstGeom>
+        </p:spPr>
+        <p:txBody>
+          <a:bodyPr wrap="square">
+            <a:spAutoFit/>
+          </a:bodyPr>
+          <a:lstStyle/>
+          <a:p>
+            <a:pPr marL="342900" indent="-342900">
+              <a:lnSpc>
+                <a:spcPct val="200000"/>
+              </a:lnSpc>
+              <a:buFont typeface="+mj-lt"/>
+              <a:buAutoNum type="arabicPeriod"/>
+            </a:pPr>
+            <a:r>
+              <a:rPr lang="en-US" altLang="zh-TW" sz="1600" dirty="0" smtClean="0"/>
+              <a:t>Load </a:t>
+            </a:r>
+            <a:r>
+              <a:rPr lang="en-US" altLang="zh-TW" sz="1600" dirty="0"/>
+              <a:t>dataset</a:t>
+            </a:r>
+          </a:p>
+          <a:p>
+            <a:pPr marL="342900" indent="-342900">
+              <a:lnSpc>
+                <a:spcPct val="200000"/>
+              </a:lnSpc>
+              <a:buFont typeface="+mj-lt"/>
+              <a:buAutoNum type="arabicPeriod"/>
+            </a:pPr>
+            <a:r>
+              <a:rPr lang="en-US" altLang="zh-TW" sz="1600" dirty="0" smtClean="0">
+                <a:solidFill>
+                  <a:srgbClr val="FFC000"/>
+                </a:solidFill>
+              </a:rPr>
+              <a:t>Data preprocessing</a:t>
+            </a:r>
+          </a:p>
+          <a:p>
+            <a:pPr marL="800100" lvl="1" indent="-342900">
+              <a:lnSpc>
+                <a:spcPct val="200000"/>
+              </a:lnSpc>
+              <a:buFont typeface="Arial" panose="020B0604020202020204" pitchFamily="34" charset="0"/>
+              <a:buChar char="•"/>
+            </a:pPr>
+            <a:r>
+              <a:rPr lang="en-US" altLang="zh-TW" sz="1600" dirty="0">
+                <a:solidFill>
+                  <a:srgbClr val="FFC000"/>
+                </a:solidFill>
+              </a:rPr>
+              <a:t>R</a:t>
+            </a:r>
+            <a:r>
+              <a:rPr lang="en-US" altLang="zh-TW" sz="1600" dirty="0" smtClean="0">
+                <a:solidFill>
+                  <a:srgbClr val="FFC000"/>
+                </a:solidFill>
+              </a:rPr>
+              <a:t>emove </a:t>
+            </a:r>
+            <a:r>
+              <a:rPr lang="en-US" altLang="zh-TW" sz="1600" dirty="0" err="1">
+                <a:solidFill>
+                  <a:srgbClr val="FFC000"/>
+                </a:solidFill>
+              </a:rPr>
+              <a:t>stopwords</a:t>
+            </a:r>
+            <a:endParaRPr lang="en-US" altLang="zh-TW" sz="1600" dirty="0">
+              <a:solidFill>
+                <a:srgbClr val="FFC000"/>
+              </a:solidFill>
+            </a:endParaRPr>
+          </a:p>
+          <a:p>
+            <a:pPr marL="800100" lvl="1" indent="-342900">
+              <a:lnSpc>
+                <a:spcPct val="200000"/>
+              </a:lnSpc>
+              <a:buFont typeface="Arial" panose="020B0604020202020204" pitchFamily="34" charset="0"/>
+              <a:buChar char="•"/>
+            </a:pPr>
+            <a:r>
+              <a:rPr lang="en-US" altLang="zh-TW" sz="1600" dirty="0" smtClean="0">
+                <a:solidFill>
+                  <a:srgbClr val="FFC000"/>
+                </a:solidFill>
+              </a:rPr>
+              <a:t>Do </a:t>
+            </a:r>
+            <a:r>
+              <a:rPr lang="en-US" altLang="zh-TW" sz="1600" dirty="0">
+                <a:solidFill>
+                  <a:srgbClr val="FFC000"/>
+                </a:solidFill>
+              </a:rPr>
+              <a:t>word stemming</a:t>
+            </a:r>
+          </a:p>
+          <a:p>
+            <a:pPr marL="800100" lvl="1" indent="-342900">
+              <a:lnSpc>
+                <a:spcPct val="200000"/>
+              </a:lnSpc>
+              <a:buFont typeface="Arial" panose="020B0604020202020204" pitchFamily="34" charset="0"/>
+              <a:buChar char="•"/>
+            </a:pPr>
+            <a:r>
+              <a:rPr lang="en-US" altLang="zh-TW" sz="1600" dirty="0" smtClean="0">
+                <a:solidFill>
+                  <a:srgbClr val="FFC000"/>
+                </a:solidFill>
+              </a:rPr>
+              <a:t>Trim excessive whitespace</a:t>
+            </a:r>
+            <a:endParaRPr lang="en-US" altLang="zh-TW" sz="1600" dirty="0">
+              <a:solidFill>
+                <a:srgbClr val="FFC000"/>
+              </a:solidFill>
+            </a:endParaRPr>
+          </a:p>
+          <a:p>
+            <a:pPr marL="342900" indent="-342900">
+              <a:lnSpc>
+                <a:spcPct val="200000"/>
+              </a:lnSpc>
+              <a:buFont typeface="+mj-lt"/>
+              <a:buAutoNum type="arabicPeriod"/>
+            </a:pPr>
+            <a:r>
+              <a:rPr lang="en-US" altLang="zh-TW" sz="1600" dirty="0" smtClean="0"/>
+              <a:t>Create </a:t>
+            </a:r>
+            <a:r>
+              <a:rPr lang="en-US" altLang="zh-TW" sz="1600" dirty="0"/>
+              <a:t>document-term matrix</a:t>
+            </a:r>
+          </a:p>
+          <a:p>
+            <a:pPr marL="342900" indent="-342900">
+              <a:lnSpc>
+                <a:spcPct val="200000"/>
+              </a:lnSpc>
+              <a:buFont typeface="+mj-lt"/>
+              <a:buAutoNum type="arabicPeriod"/>
+            </a:pPr>
+            <a:r>
+              <a:rPr lang="en-US" altLang="zh-TW" sz="1600" dirty="0" smtClean="0"/>
+              <a:t>Calculate </a:t>
+            </a:r>
+            <a:r>
+              <a:rPr lang="en-US" altLang="zh-TW" sz="1600" dirty="0"/>
+              <a:t>similarity </a:t>
+            </a:r>
+            <a:r>
+              <a:rPr lang="en-US" altLang="zh-TW" sz="1600" dirty="0" smtClean="0"/>
+              <a:t>between documents</a:t>
+            </a:r>
+            <a:endParaRPr lang="en-US" altLang="zh-TW" sz="1600" dirty="0"/>
+          </a:p>
+          <a:p>
+            <a:pPr marL="342900" indent="-342900">
+              <a:lnSpc>
+                <a:spcPct val="200000"/>
+              </a:lnSpc>
+              <a:buFont typeface="+mj-lt"/>
+              <a:buAutoNum type="arabicPeriod"/>
+            </a:pPr>
+            <a:r>
+              <a:rPr lang="en-US" altLang="zh-TW" sz="1600" dirty="0" smtClean="0"/>
+              <a:t>Execute </a:t>
+            </a:r>
+            <a:r>
+              <a:rPr lang="en-US" altLang="zh-TW" sz="1600" dirty="0"/>
+              <a:t>clustering algorithm</a:t>
+            </a:r>
+          </a:p>
+          <a:p>
+            <a:pPr marL="342900" indent="-342900">
+              <a:lnSpc>
+                <a:spcPct val="200000"/>
+              </a:lnSpc>
+              <a:buFont typeface="+mj-lt"/>
+              <a:buAutoNum type="arabicPeriod"/>
+            </a:pPr>
+            <a:r>
+              <a:rPr lang="en-US" altLang="zh-TW" sz="1600" dirty="0" smtClean="0"/>
+              <a:t>Visualize </a:t>
+            </a:r>
+            <a:r>
+              <a:rPr lang="en-US" altLang="zh-TW" sz="1600" dirty="0"/>
+              <a:t>clusters</a:t>
+            </a:r>
+          </a:p>
+        </p:txBody>
+      </p:sp>
+      <p:sp>
+        <p:nvSpPr>
+          <p:cNvPr id="3" name="矩形 2"/>
+          <p:cNvSpPr/>
+          <p:nvPr/>
+        </p:nvSpPr>
+        <p:spPr>
+          <a:xfrm>
+            <a:off x="5462951" y="1488465"/>
+            <a:ext cx="1204048" cy="516808"/>
+          </a:xfrm>
+          <a:prstGeom prst="rect">
+            <a:avLst/>
+          </a:prstGeom>
+        </p:spPr>
+        <p:txBody>
+          <a:bodyPr wrap="none">
+            <a:spAutoFit/>
+          </a:bodyPr>
+          <a:lstStyle/>
+          <a:p>
+            <a:pPr>
+              <a:lnSpc>
+                <a:spcPct val="175000"/>
+              </a:lnSpc>
+            </a:pPr>
+            <a:r>
+              <a:rPr lang="en-US" altLang="zh-TW" b="1" dirty="0" err="1" smtClean="0"/>
+              <a:t>Stopwords</a:t>
+            </a:r>
+            <a:endParaRPr lang="en-US" altLang="zh-TW" b="1" dirty="0"/>
+          </a:p>
+        </p:txBody>
+      </p:sp>
+      <p:sp>
+        <p:nvSpPr>
+          <p:cNvPr id="7" name="矩形 6"/>
+          <p:cNvSpPr/>
+          <p:nvPr/>
+        </p:nvSpPr>
+        <p:spPr>
+          <a:xfrm>
+            <a:off x="5692020" y="2593746"/>
+            <a:ext cx="4845029" cy="369332"/>
+          </a:xfrm>
+          <a:prstGeom prst="rect">
+            <a:avLst/>
+          </a:prstGeom>
+        </p:spPr>
+        <p:txBody>
+          <a:bodyPr wrap="square">
+            <a:spAutoFit/>
+          </a:bodyPr>
+          <a:lstStyle/>
+          <a:p>
+            <a:r>
+              <a:rPr lang="en-US" altLang="zh-TW" i="1" dirty="0" smtClean="0">
+                <a:solidFill>
+                  <a:schemeClr val="tx1">
+                    <a:lumMod val="85000"/>
+                  </a:schemeClr>
+                </a:solidFill>
+              </a:rPr>
+              <a:t>I, </a:t>
+            </a:r>
+            <a:r>
+              <a:rPr lang="zh-TW" altLang="en-US" i="1" dirty="0" smtClean="0">
+                <a:solidFill>
+                  <a:schemeClr val="tx1">
+                    <a:lumMod val="85000"/>
+                  </a:schemeClr>
+                </a:solidFill>
+              </a:rPr>
+              <a:t>me</a:t>
+            </a:r>
+            <a:r>
+              <a:rPr lang="en-US" altLang="zh-TW" i="1" dirty="0" smtClean="0">
+                <a:solidFill>
+                  <a:schemeClr val="tx1">
+                    <a:lumMod val="85000"/>
+                  </a:schemeClr>
+                </a:solidFill>
+              </a:rPr>
+              <a:t>, </a:t>
+            </a:r>
+            <a:r>
+              <a:rPr lang="zh-TW" altLang="en-US" i="1" dirty="0" smtClean="0">
+                <a:solidFill>
+                  <a:schemeClr val="tx1">
+                    <a:lumMod val="85000"/>
+                  </a:schemeClr>
+                </a:solidFill>
+              </a:rPr>
+              <a:t>my</a:t>
+            </a:r>
+            <a:r>
+              <a:rPr lang="en-US" altLang="zh-TW" i="1" dirty="0" smtClean="0">
+                <a:solidFill>
+                  <a:schemeClr val="tx1">
+                    <a:lumMod val="85000"/>
+                  </a:schemeClr>
+                </a:solidFill>
+              </a:rPr>
+              <a:t>, </a:t>
+            </a:r>
+            <a:r>
+              <a:rPr lang="zh-TW" altLang="en-US" i="1" dirty="0" smtClean="0">
+                <a:solidFill>
+                  <a:schemeClr val="tx1">
+                    <a:lumMod val="85000"/>
+                  </a:schemeClr>
+                </a:solidFill>
+              </a:rPr>
+              <a:t> myself</a:t>
+            </a:r>
+            <a:r>
+              <a:rPr lang="en-US" altLang="zh-TW" i="1" dirty="0" smtClean="0">
+                <a:solidFill>
+                  <a:schemeClr val="tx1">
+                    <a:lumMod val="85000"/>
+                  </a:schemeClr>
+                </a:solidFill>
+              </a:rPr>
+              <a:t>, </a:t>
+            </a:r>
+            <a:r>
+              <a:rPr lang="zh-TW" altLang="en-US" i="1" dirty="0" smtClean="0">
+                <a:solidFill>
+                  <a:schemeClr val="tx1">
+                    <a:lumMod val="85000"/>
+                  </a:schemeClr>
+                </a:solidFill>
+              </a:rPr>
+              <a:t>we</a:t>
+            </a:r>
+            <a:r>
+              <a:rPr lang="en-US" altLang="zh-TW" i="1" dirty="0" smtClean="0">
+                <a:solidFill>
+                  <a:schemeClr val="tx1">
+                    <a:lumMod val="85000"/>
+                  </a:schemeClr>
+                </a:solidFill>
+              </a:rPr>
+              <a:t>, </a:t>
+            </a:r>
+            <a:r>
+              <a:rPr lang="zh-TW" altLang="en-US" i="1" dirty="0" smtClean="0">
+                <a:solidFill>
+                  <a:schemeClr val="tx1">
+                    <a:lumMod val="85000"/>
+                  </a:schemeClr>
+                </a:solidFill>
+              </a:rPr>
+              <a:t>our</a:t>
+            </a:r>
+            <a:r>
+              <a:rPr lang="en-US" altLang="zh-TW" i="1" dirty="0" smtClean="0">
+                <a:solidFill>
+                  <a:schemeClr val="tx1">
+                    <a:lumMod val="85000"/>
+                  </a:schemeClr>
+                </a:solidFill>
+              </a:rPr>
+              <a:t>, </a:t>
+            </a:r>
+            <a:r>
+              <a:rPr lang="zh-TW" altLang="en-US" i="1" dirty="0" smtClean="0">
+                <a:solidFill>
+                  <a:schemeClr val="tx1">
+                    <a:lumMod val="85000"/>
+                  </a:schemeClr>
+                </a:solidFill>
+              </a:rPr>
+              <a:t>ours</a:t>
+            </a:r>
+            <a:r>
+              <a:rPr lang="en-US" altLang="zh-TW" i="1" dirty="0" smtClean="0">
+                <a:solidFill>
+                  <a:schemeClr val="tx1">
+                    <a:lumMod val="85000"/>
+                  </a:schemeClr>
+                </a:solidFill>
+              </a:rPr>
+              <a:t>, </a:t>
+            </a:r>
+            <a:r>
+              <a:rPr lang="zh-TW" altLang="en-US" i="1" dirty="0" smtClean="0">
+                <a:solidFill>
+                  <a:schemeClr val="tx1">
+                    <a:lumMod val="85000"/>
+                  </a:schemeClr>
+                </a:solidFill>
+              </a:rPr>
+              <a:t>ourselves </a:t>
+            </a:r>
+            <a:r>
+              <a:rPr lang="en-US" altLang="zh-TW" i="1" dirty="0" smtClean="0">
+                <a:solidFill>
+                  <a:schemeClr val="tx1">
+                    <a:lumMod val="85000"/>
+                  </a:schemeClr>
+                </a:solidFill>
+              </a:rPr>
+              <a:t>……</a:t>
+            </a:r>
+            <a:endParaRPr lang="zh-TW" altLang="en-US" i="1" dirty="0">
+              <a:solidFill>
+                <a:schemeClr val="tx1">
+                  <a:lumMod val="85000"/>
+                </a:schemeClr>
+              </a:solidFill>
+            </a:endParaRPr>
+          </a:p>
+        </p:txBody>
+      </p:sp>
+      <p:sp>
+        <p:nvSpPr>
+          <p:cNvPr id="8" name="矩形 7"/>
+          <p:cNvSpPr/>
+          <p:nvPr/>
+        </p:nvSpPr>
+        <p:spPr>
+          <a:xfrm>
+            <a:off x="5718396" y="2130966"/>
+            <a:ext cx="2456122" cy="369332"/>
+          </a:xfrm>
+          <a:prstGeom prst="rect">
+            <a:avLst/>
+          </a:prstGeom>
+          <a:ln>
+            <a:solidFill>
+              <a:schemeClr val="tx1">
+                <a:lumMod val="95000"/>
+              </a:schemeClr>
+            </a:solidFill>
+          </a:ln>
+        </p:spPr>
+        <p:txBody>
+          <a:bodyPr wrap="none">
+            <a:spAutoFit/>
+          </a:bodyPr>
+          <a:lstStyle/>
+          <a:p>
+            <a:r>
+              <a:rPr lang="zh-TW" altLang="en-US" dirty="0"/>
+              <a:t>tm::stopwords('english')</a:t>
+            </a:r>
+          </a:p>
+        </p:txBody>
+      </p:sp>
+      <p:sp>
+        <p:nvSpPr>
+          <p:cNvPr id="9" name="矩形 8"/>
+          <p:cNvSpPr/>
+          <p:nvPr/>
+        </p:nvSpPr>
+        <p:spPr>
+          <a:xfrm>
+            <a:off x="5462951" y="3104210"/>
+            <a:ext cx="1729704" cy="516808"/>
+          </a:xfrm>
+          <a:prstGeom prst="rect">
+            <a:avLst/>
+          </a:prstGeom>
+        </p:spPr>
+        <p:txBody>
+          <a:bodyPr wrap="none">
+            <a:spAutoFit/>
+          </a:bodyPr>
+          <a:lstStyle/>
+          <a:p>
+            <a:pPr>
+              <a:lnSpc>
+                <a:spcPct val="175000"/>
+              </a:lnSpc>
+            </a:pPr>
+            <a:r>
+              <a:rPr lang="en-US" altLang="zh-TW" b="1" dirty="0" smtClean="0"/>
+              <a:t>Word Stemming</a:t>
+            </a:r>
+            <a:endParaRPr lang="en-US" altLang="zh-TW" b="1" dirty="0"/>
+          </a:p>
+        </p:txBody>
+      </p:sp>
+      <p:sp>
+        <p:nvSpPr>
+          <p:cNvPr id="10" name="矩形 9"/>
+          <p:cNvSpPr/>
+          <p:nvPr/>
+        </p:nvSpPr>
+        <p:spPr>
+          <a:xfrm>
+            <a:off x="5689087" y="3707122"/>
+            <a:ext cx="5738046" cy="369332"/>
+          </a:xfrm>
+          <a:prstGeom prst="rect">
+            <a:avLst/>
+          </a:prstGeom>
+          <a:ln>
+            <a:solidFill>
+              <a:schemeClr val="tx1">
+                <a:lumMod val="95000"/>
+              </a:schemeClr>
+            </a:solidFill>
+          </a:ln>
+        </p:spPr>
+        <p:txBody>
+          <a:bodyPr wrap="none">
+            <a:spAutoFit/>
+          </a:bodyPr>
+          <a:lstStyle/>
+          <a:p>
+            <a:r>
+              <a:rPr lang="zh-TW" altLang="en-US" dirty="0"/>
+              <a:t>tm::stemDocument("working , works", language="english")</a:t>
+            </a:r>
+          </a:p>
+        </p:txBody>
+      </p:sp>
+      <p:sp>
+        <p:nvSpPr>
+          <p:cNvPr id="11" name="矩形 10"/>
+          <p:cNvSpPr/>
+          <p:nvPr/>
+        </p:nvSpPr>
+        <p:spPr>
+          <a:xfrm>
+            <a:off x="5715463" y="4162558"/>
+            <a:ext cx="1662635" cy="369332"/>
+          </a:xfrm>
+          <a:prstGeom prst="rect">
+            <a:avLst/>
+          </a:prstGeom>
+        </p:spPr>
+        <p:txBody>
+          <a:bodyPr wrap="none">
+            <a:spAutoFit/>
+          </a:bodyPr>
+          <a:lstStyle/>
+          <a:p>
+            <a:r>
+              <a:rPr lang="en-US" altLang="zh-TW" i="1" dirty="0" smtClean="0">
+                <a:solidFill>
+                  <a:schemeClr val="tx1">
+                    <a:lumMod val="85000"/>
+                  </a:schemeClr>
+                </a:solidFill>
+              </a:rPr>
+              <a:t>“</a:t>
+            </a:r>
+            <a:r>
+              <a:rPr lang="zh-TW" altLang="en-US" i="1" dirty="0" smtClean="0">
+                <a:solidFill>
+                  <a:schemeClr val="tx1">
+                    <a:lumMod val="85000"/>
+                  </a:schemeClr>
+                </a:solidFill>
+              </a:rPr>
+              <a:t>work</a:t>
+            </a:r>
+            <a:r>
+              <a:rPr lang="en-US" altLang="zh-TW" i="1" dirty="0" smtClean="0">
+                <a:solidFill>
+                  <a:schemeClr val="tx1">
+                    <a:lumMod val="85000"/>
+                  </a:schemeClr>
+                </a:solidFill>
+              </a:rPr>
+              <a:t>”</a:t>
+            </a:r>
+            <a:r>
+              <a:rPr lang="zh-TW" altLang="en-US" i="1" dirty="0" smtClean="0">
+                <a:solidFill>
+                  <a:schemeClr val="tx1">
+                    <a:lumMod val="85000"/>
+                  </a:schemeClr>
+                </a:solidFill>
+              </a:rPr>
+              <a:t> </a:t>
+            </a:r>
+            <a:r>
+              <a:rPr lang="zh-TW" altLang="en-US" i="1" dirty="0">
+                <a:solidFill>
+                  <a:schemeClr val="tx1">
+                    <a:lumMod val="85000"/>
+                  </a:schemeClr>
+                </a:solidFill>
+              </a:rPr>
+              <a:t>, </a:t>
+            </a:r>
+            <a:r>
+              <a:rPr lang="en-US" altLang="zh-TW" i="1" dirty="0" smtClean="0">
+                <a:solidFill>
+                  <a:schemeClr val="tx1">
+                    <a:lumMod val="85000"/>
+                  </a:schemeClr>
+                </a:solidFill>
+              </a:rPr>
+              <a:t>“</a:t>
+            </a:r>
+            <a:r>
+              <a:rPr lang="zh-TW" altLang="en-US" i="1" dirty="0" smtClean="0">
+                <a:solidFill>
+                  <a:schemeClr val="tx1">
+                    <a:lumMod val="85000"/>
+                  </a:schemeClr>
+                </a:solidFill>
+              </a:rPr>
+              <a:t>work</a:t>
+            </a:r>
+            <a:r>
+              <a:rPr lang="en-US" altLang="zh-TW" i="1" dirty="0" smtClean="0">
+                <a:solidFill>
+                  <a:schemeClr val="tx1">
+                    <a:lumMod val="85000"/>
+                  </a:schemeClr>
+                </a:solidFill>
+              </a:rPr>
+              <a:t>”</a:t>
+            </a:r>
+            <a:endParaRPr lang="zh-TW" altLang="en-US" i="1" dirty="0">
+              <a:solidFill>
+                <a:schemeClr val="tx1">
+                  <a:lumMod val="85000"/>
+                </a:schemeClr>
+              </a:solidFill>
+            </a:endParaRPr>
+          </a:p>
+        </p:txBody>
+      </p:sp>
+      <p:sp>
+        <p:nvSpPr>
+          <p:cNvPr id="12" name="矩形 11"/>
+          <p:cNvSpPr/>
+          <p:nvPr/>
+        </p:nvSpPr>
+        <p:spPr>
+          <a:xfrm>
+            <a:off x="5462951" y="4734303"/>
+            <a:ext cx="1729704" cy="516808"/>
+          </a:xfrm>
+          <a:prstGeom prst="rect">
+            <a:avLst/>
+          </a:prstGeom>
+        </p:spPr>
+        <p:txBody>
+          <a:bodyPr wrap="none">
+            <a:spAutoFit/>
+          </a:bodyPr>
+          <a:lstStyle/>
+          <a:p>
+            <a:pPr>
+              <a:lnSpc>
+                <a:spcPct val="175000"/>
+              </a:lnSpc>
+            </a:pPr>
+            <a:r>
+              <a:rPr lang="en-US" altLang="zh-TW" b="1" dirty="0" smtClean="0"/>
+              <a:t>Word Stemming</a:t>
+            </a:r>
+            <a:endParaRPr lang="en-US" altLang="zh-TW" b="1" dirty="0"/>
+          </a:p>
+        </p:txBody>
+      </p:sp>
+      <p:sp>
+        <p:nvSpPr>
+          <p:cNvPr id="13" name="矩形 12"/>
+          <p:cNvSpPr/>
+          <p:nvPr/>
+        </p:nvSpPr>
+        <p:spPr>
+          <a:xfrm>
+            <a:off x="5689087" y="5308538"/>
+            <a:ext cx="4497000" cy="369332"/>
+          </a:xfrm>
+          <a:prstGeom prst="rect">
+            <a:avLst/>
+          </a:prstGeom>
+          <a:ln>
+            <a:solidFill>
+              <a:schemeClr val="tx1">
+                <a:lumMod val="95000"/>
+              </a:schemeClr>
+            </a:solidFill>
+          </a:ln>
+        </p:spPr>
+        <p:txBody>
+          <a:bodyPr wrap="none">
+            <a:spAutoFit/>
+          </a:bodyPr>
+          <a:lstStyle/>
+          <a:p>
+            <a:r>
+              <a:rPr lang="zh-TW" altLang="en-US" dirty="0"/>
+              <a:t>tm::stripWhitespace("     Hello my friend       ")</a:t>
+            </a:r>
+          </a:p>
+        </p:txBody>
+      </p:sp>
+      <p:sp>
+        <p:nvSpPr>
+          <p:cNvPr id="14" name="矩形 13"/>
+          <p:cNvSpPr/>
+          <p:nvPr/>
+        </p:nvSpPr>
+        <p:spPr>
+          <a:xfrm>
+            <a:off x="5715463" y="5763974"/>
+            <a:ext cx="1916422" cy="369332"/>
+          </a:xfrm>
+          <a:prstGeom prst="rect">
+            <a:avLst/>
+          </a:prstGeom>
+        </p:spPr>
+        <p:txBody>
+          <a:bodyPr wrap="none">
+            <a:spAutoFit/>
+          </a:bodyPr>
+          <a:lstStyle/>
+          <a:p>
+            <a:r>
+              <a:rPr lang="zh-TW" altLang="en-US" i="1" dirty="0">
+                <a:solidFill>
+                  <a:schemeClr val="tx1">
+                    <a:lumMod val="85000"/>
+                  </a:schemeClr>
+                </a:solidFill>
+              </a:rPr>
+              <a:t>" Hello my friend "</a:t>
+            </a:r>
+          </a:p>
+        </p:txBody>
+      </p:sp>
+      <p:sp>
+        <p:nvSpPr>
+          <p:cNvPr id="15" name="左大括弧 14"/>
+          <p:cNvSpPr/>
+          <p:nvPr/>
+        </p:nvSpPr>
+        <p:spPr>
+          <a:xfrm>
+            <a:off x="4605705" y="1767253"/>
+            <a:ext cx="741482" cy="4176534"/>
+          </a:xfrm>
+          <a:prstGeom prst="leftBrace">
+            <a:avLst>
+              <a:gd name="adj1" fmla="val 8333"/>
+              <a:gd name="adj2" fmla="val 39007"/>
+            </a:avLst>
+          </a:prstGeom>
+        </p:spPr>
+        <p:style>
+          <a:lnRef idx="1">
+            <a:schemeClr val="accent4"/>
+          </a:lnRef>
+          <a:fillRef idx="0">
+            <a:schemeClr val="accent4"/>
+          </a:fillRef>
+          <a:effectRef idx="0">
+            <a:schemeClr val="accent4"/>
+          </a:effectRef>
+          <a:fontRef idx="minor">
+            <a:schemeClr val="tx1"/>
+          </a:fontRef>
+        </p:style>
+        <p:txBody>
+          <a:bodyPr rtlCol="0" anchor="ctr"/>
+          <a:lstStyle/>
+          <a:p>
+            <a:pPr algn="ctr"/>
+            <a:endParaRPr lang="zh-TW" altLang="en-US"/>
+          </a:p>
+        </p:txBody>
+      </p:sp>
+    </p:spTree>
+    <p:extLst>
+      <p:ext uri="{BB962C8B-B14F-4D97-AF65-F5344CB8AC3E}">
+        <p14:creationId xmlns:p14="http://schemas.microsoft.com/office/powerpoint/2010/main" val="3380764544"/>
+      </p:ext>
+    </p:extLst>
+  </p:cSld>
+  <p:clrMapOvr>
+    <a:masterClrMapping/>
+  </p:clrMapOvr>
+</p:sld>
+</file>
+
+<file path=ppt/slides/slide13.xml><?xml version="1.0" encoding="utf-8"?>
+<p:sld xmlns:a="http://schemas.openxmlformats.org/drawingml/2006/main" xmlns:r="http://schemas.openxmlformats.org/officeDocument/2006/relationships" xmlns:p="http://schemas.openxmlformats.org/presentationml/2006/main">
+  <p:cSld>
+    <p:spTree>
+      <p:nvGrpSpPr>
+        <p:cNvPr id="1" name=""/>
+        <p:cNvGrpSpPr/>
+        <p:nvPr/>
+      </p:nvGrpSpPr>
+      <p:grpSpPr>
+        <a:xfrm>
+          <a:off x="0" y="0"/>
+          <a:ext cx="0" cy="0"/>
+          <a:chOff x="0" y="0"/>
+          <a:chExt cx="0" cy="0"/>
+        </a:xfrm>
+      </p:grpSpPr>
+      <p:sp>
+        <p:nvSpPr>
+          <p:cNvPr id="4" name="標題 3"/>
+          <p:cNvSpPr>
+            <a:spLocks noGrp="1"/>
+          </p:cNvSpPr>
+          <p:nvPr>
+            <p:ph type="title"/>
+          </p:nvPr>
+        </p:nvSpPr>
+        <p:spPr>
+          <a:xfrm>
+            <a:off x="530470" y="162902"/>
+            <a:ext cx="10515600" cy="1325563"/>
+          </a:xfrm>
+        </p:spPr>
+        <p:txBody>
+          <a:bodyPr/>
+          <a:lstStyle/>
+          <a:p>
+            <a:r>
+              <a:rPr lang="en-US" altLang="zh-TW" dirty="0" smtClean="0"/>
+              <a:t>Programming Flow</a:t>
+            </a:r>
+            <a:endParaRPr lang="zh-TW" altLang="en-US" dirty="0"/>
+          </a:p>
+        </p:txBody>
+      </p:sp>
+      <p:sp>
+        <p:nvSpPr>
+          <p:cNvPr id="5" name="矩形 4"/>
+          <p:cNvSpPr/>
+          <p:nvPr/>
+        </p:nvSpPr>
+        <p:spPr>
+          <a:xfrm>
+            <a:off x="761999" y="1488465"/>
+            <a:ext cx="4469423" cy="4524315"/>
+          </a:xfrm>
+          <a:prstGeom prst="rect">
+            <a:avLst/>
+          </a:prstGeom>
+        </p:spPr>
+        <p:txBody>
+          <a:bodyPr wrap="square">
+            <a:spAutoFit/>
+          </a:bodyPr>
+          <a:lstStyle/>
+          <a:p>
+            <a:pPr marL="342900" indent="-342900">
+              <a:lnSpc>
+                <a:spcPct val="200000"/>
+              </a:lnSpc>
+              <a:buFont typeface="+mj-lt"/>
+              <a:buAutoNum type="arabicPeriod"/>
+            </a:pPr>
+            <a:r>
+              <a:rPr lang="en-US" altLang="zh-TW" sz="1600" dirty="0" smtClean="0"/>
+              <a:t>Load </a:t>
+            </a:r>
+            <a:r>
+              <a:rPr lang="en-US" altLang="zh-TW" sz="1600" dirty="0"/>
+              <a:t>dataset</a:t>
+            </a:r>
+          </a:p>
+          <a:p>
+            <a:pPr marL="342900" indent="-342900">
+              <a:lnSpc>
+                <a:spcPct val="200000"/>
+              </a:lnSpc>
+              <a:buFont typeface="+mj-lt"/>
+              <a:buAutoNum type="arabicPeriod"/>
+            </a:pPr>
+            <a:r>
+              <a:rPr lang="en-US" altLang="zh-TW" sz="1600" dirty="0" smtClean="0"/>
+              <a:t>Data preprocessing</a:t>
+            </a:r>
+          </a:p>
+          <a:p>
+            <a:pPr marL="800100" lvl="1" indent="-342900">
+              <a:lnSpc>
+                <a:spcPct val="200000"/>
+              </a:lnSpc>
+              <a:buFont typeface="Arial" panose="020B0604020202020204" pitchFamily="34" charset="0"/>
+              <a:buChar char="•"/>
+            </a:pPr>
+            <a:r>
+              <a:rPr lang="en-US" altLang="zh-TW" sz="1600" dirty="0"/>
+              <a:t>R</a:t>
+            </a:r>
+            <a:r>
+              <a:rPr lang="en-US" altLang="zh-TW" sz="1600" dirty="0" smtClean="0"/>
+              <a:t>emove </a:t>
+            </a:r>
+            <a:r>
+              <a:rPr lang="en-US" altLang="zh-TW" sz="1600" dirty="0" err="1"/>
+              <a:t>stopwords</a:t>
+            </a:r>
+            <a:endParaRPr lang="en-US" altLang="zh-TW" sz="1600" dirty="0"/>
+          </a:p>
+          <a:p>
+            <a:pPr marL="800100" lvl="1" indent="-342900">
+              <a:lnSpc>
+                <a:spcPct val="200000"/>
+              </a:lnSpc>
+              <a:buFont typeface="Arial" panose="020B0604020202020204" pitchFamily="34" charset="0"/>
+              <a:buChar char="•"/>
+            </a:pPr>
+            <a:r>
+              <a:rPr lang="en-US" altLang="zh-TW" sz="1600" dirty="0" smtClean="0"/>
+              <a:t>Do </a:t>
+            </a:r>
+            <a:r>
+              <a:rPr lang="en-US" altLang="zh-TW" sz="1600" dirty="0"/>
+              <a:t>word stemming</a:t>
+            </a:r>
+          </a:p>
+          <a:p>
+            <a:pPr marL="800100" lvl="1" indent="-342900">
+              <a:lnSpc>
+                <a:spcPct val="200000"/>
+              </a:lnSpc>
+              <a:buFont typeface="Arial" panose="020B0604020202020204" pitchFamily="34" charset="0"/>
+              <a:buChar char="•"/>
+            </a:pPr>
+            <a:r>
+              <a:rPr lang="en-US" altLang="zh-TW" sz="1600" dirty="0" smtClean="0"/>
+              <a:t>Trim excessive whitespace</a:t>
+            </a:r>
+            <a:endParaRPr lang="en-US" altLang="zh-TW" sz="1600" dirty="0"/>
+          </a:p>
+          <a:p>
+            <a:pPr marL="342900" indent="-342900">
+              <a:lnSpc>
+                <a:spcPct val="200000"/>
+              </a:lnSpc>
+              <a:buFont typeface="+mj-lt"/>
+              <a:buAutoNum type="arabicPeriod"/>
+            </a:pPr>
+            <a:r>
+              <a:rPr lang="en-US" altLang="zh-TW" sz="1600" dirty="0" smtClean="0">
+                <a:solidFill>
+                  <a:srgbClr val="FFC000"/>
+                </a:solidFill>
+              </a:rPr>
+              <a:t>Create </a:t>
+            </a:r>
+            <a:r>
+              <a:rPr lang="en-US" altLang="zh-TW" sz="1600" dirty="0">
+                <a:solidFill>
+                  <a:srgbClr val="FFC000"/>
+                </a:solidFill>
+              </a:rPr>
+              <a:t>document-term matrix</a:t>
+            </a:r>
+          </a:p>
+          <a:p>
+            <a:pPr marL="342900" indent="-342900">
+              <a:lnSpc>
+                <a:spcPct val="200000"/>
+              </a:lnSpc>
+              <a:buFont typeface="+mj-lt"/>
+              <a:buAutoNum type="arabicPeriod"/>
+            </a:pPr>
+            <a:r>
+              <a:rPr lang="en-US" altLang="zh-TW" sz="1600" dirty="0" smtClean="0"/>
+              <a:t>Calculate </a:t>
+            </a:r>
+            <a:r>
+              <a:rPr lang="en-US" altLang="zh-TW" sz="1600" dirty="0"/>
+              <a:t>similarity </a:t>
+            </a:r>
+            <a:r>
+              <a:rPr lang="en-US" altLang="zh-TW" sz="1600" dirty="0" smtClean="0"/>
+              <a:t>between documents</a:t>
+            </a:r>
+            <a:endParaRPr lang="en-US" altLang="zh-TW" sz="1600" dirty="0"/>
+          </a:p>
+          <a:p>
+            <a:pPr marL="342900" indent="-342900">
+              <a:lnSpc>
+                <a:spcPct val="200000"/>
+              </a:lnSpc>
+              <a:buFont typeface="+mj-lt"/>
+              <a:buAutoNum type="arabicPeriod"/>
+            </a:pPr>
+            <a:r>
+              <a:rPr lang="en-US" altLang="zh-TW" sz="1600" dirty="0" smtClean="0"/>
+              <a:t>Execute </a:t>
+            </a:r>
+            <a:r>
+              <a:rPr lang="en-US" altLang="zh-TW" sz="1600" dirty="0"/>
+              <a:t>clustering algorithm</a:t>
+            </a:r>
+          </a:p>
+          <a:p>
+            <a:pPr marL="342900" indent="-342900">
+              <a:lnSpc>
+                <a:spcPct val="200000"/>
+              </a:lnSpc>
+              <a:buFont typeface="+mj-lt"/>
+              <a:buAutoNum type="arabicPeriod"/>
+            </a:pPr>
+            <a:r>
+              <a:rPr lang="en-US" altLang="zh-TW" sz="1600" dirty="0" smtClean="0"/>
+              <a:t>Visualize </a:t>
+            </a:r>
+            <a:r>
+              <a:rPr lang="en-US" altLang="zh-TW" sz="1600" dirty="0"/>
+              <a:t>clusters</a:t>
+            </a:r>
+          </a:p>
+        </p:txBody>
+      </p:sp>
+      <p:sp>
+        <p:nvSpPr>
+          <p:cNvPr id="6" name="左大括弧 5"/>
+          <p:cNvSpPr/>
+          <p:nvPr/>
+        </p:nvSpPr>
+        <p:spPr>
+          <a:xfrm>
+            <a:off x="4605705" y="1767253"/>
+            <a:ext cx="741482" cy="4176534"/>
+          </a:xfrm>
+          <a:prstGeom prst="leftBrace">
+            <a:avLst>
+              <a:gd name="adj1" fmla="val 8333"/>
+              <a:gd name="adj2" fmla="val 60480"/>
+            </a:avLst>
+          </a:prstGeom>
+        </p:spPr>
+        <p:style>
+          <a:lnRef idx="1">
+            <a:schemeClr val="accent4"/>
+          </a:lnRef>
+          <a:fillRef idx="0">
+            <a:schemeClr val="accent4"/>
+          </a:fillRef>
+          <a:effectRef idx="0">
+            <a:schemeClr val="accent4"/>
+          </a:effectRef>
+          <a:fontRef idx="minor">
+            <a:schemeClr val="tx1"/>
+          </a:fontRef>
+        </p:style>
+        <p:txBody>
+          <a:bodyPr rtlCol="0" anchor="ctr"/>
+          <a:lstStyle/>
+          <a:p>
+            <a:pPr algn="ctr"/>
+            <a:endParaRPr lang="zh-TW" altLang="en-US"/>
+          </a:p>
+        </p:txBody>
+      </p:sp>
+      <p:sp>
+        <p:nvSpPr>
+          <p:cNvPr id="3" name="矩形 2"/>
+          <p:cNvSpPr/>
+          <p:nvPr/>
+        </p:nvSpPr>
+        <p:spPr>
+          <a:xfrm>
+            <a:off x="5996981" y="2238250"/>
+            <a:ext cx="696024" cy="369332"/>
+          </a:xfrm>
+          <a:prstGeom prst="rect">
+            <a:avLst/>
+          </a:prstGeom>
+        </p:spPr>
+        <p:txBody>
+          <a:bodyPr wrap="none">
+            <a:spAutoFit/>
+          </a:bodyPr>
+          <a:lstStyle/>
+          <a:p>
+            <a:r>
+              <a:rPr lang="en-US" altLang="zh-TW" dirty="0"/>
+              <a:t>d</a:t>
+            </a:r>
+            <a:r>
+              <a:rPr lang="zh-TW" altLang="en-US" dirty="0" smtClean="0"/>
+              <a:t>oc </a:t>
+            </a:r>
+            <a:r>
+              <a:rPr lang="en-US" altLang="zh-TW" dirty="0" smtClean="0"/>
+              <a:t>1</a:t>
+            </a:r>
+            <a:endParaRPr lang="zh-TW" altLang="en-US" dirty="0"/>
+          </a:p>
+        </p:txBody>
+      </p:sp>
+      <p:sp>
+        <p:nvSpPr>
+          <p:cNvPr id="7" name="矩形 6"/>
+          <p:cNvSpPr/>
+          <p:nvPr/>
+        </p:nvSpPr>
+        <p:spPr>
+          <a:xfrm>
+            <a:off x="5996981" y="2664770"/>
+            <a:ext cx="696024" cy="369332"/>
+          </a:xfrm>
+          <a:prstGeom prst="rect">
+            <a:avLst/>
+          </a:prstGeom>
+        </p:spPr>
+        <p:txBody>
+          <a:bodyPr wrap="none">
+            <a:spAutoFit/>
+          </a:bodyPr>
+          <a:lstStyle/>
+          <a:p>
+            <a:r>
+              <a:rPr lang="en-US" altLang="zh-TW" dirty="0"/>
+              <a:t>d</a:t>
+            </a:r>
+            <a:r>
+              <a:rPr lang="zh-TW" altLang="en-US" dirty="0" smtClean="0"/>
+              <a:t>oc </a:t>
+            </a:r>
+            <a:r>
+              <a:rPr lang="en-US" altLang="zh-TW" dirty="0"/>
+              <a:t>2</a:t>
+            </a:r>
+            <a:endParaRPr lang="zh-TW" altLang="en-US" dirty="0"/>
+          </a:p>
+        </p:txBody>
+      </p:sp>
+      <p:sp>
+        <p:nvSpPr>
+          <p:cNvPr id="8" name="矩形 7"/>
+          <p:cNvSpPr/>
+          <p:nvPr/>
+        </p:nvSpPr>
+        <p:spPr>
+          <a:xfrm>
+            <a:off x="5996981" y="3091290"/>
+            <a:ext cx="696024" cy="369332"/>
+          </a:xfrm>
+          <a:prstGeom prst="rect">
+            <a:avLst/>
+          </a:prstGeom>
+        </p:spPr>
+        <p:txBody>
+          <a:bodyPr wrap="none">
+            <a:spAutoFit/>
+          </a:bodyPr>
+          <a:lstStyle/>
+          <a:p>
+            <a:r>
+              <a:rPr lang="en-US" altLang="zh-TW" dirty="0"/>
+              <a:t>d</a:t>
+            </a:r>
+            <a:r>
+              <a:rPr lang="zh-TW" altLang="en-US" dirty="0" smtClean="0"/>
+              <a:t>oc </a:t>
+            </a:r>
+            <a:r>
+              <a:rPr lang="en-US" altLang="zh-TW" dirty="0"/>
+              <a:t>3</a:t>
+            </a:r>
+            <a:endParaRPr lang="zh-TW" altLang="en-US" dirty="0"/>
+          </a:p>
+        </p:txBody>
+      </p:sp>
+      <p:sp>
+        <p:nvSpPr>
+          <p:cNvPr id="9" name="矩形 8"/>
+          <p:cNvSpPr/>
+          <p:nvPr/>
+        </p:nvSpPr>
+        <p:spPr>
+          <a:xfrm>
+            <a:off x="7037404" y="1807374"/>
+            <a:ext cx="808939" cy="369332"/>
+          </a:xfrm>
+          <a:prstGeom prst="rect">
+            <a:avLst/>
+          </a:prstGeom>
+        </p:spPr>
+        <p:txBody>
+          <a:bodyPr wrap="none">
+            <a:spAutoFit/>
+          </a:bodyPr>
+          <a:lstStyle/>
+          <a:p>
+            <a:r>
+              <a:rPr lang="en-US" altLang="zh-TW" dirty="0" smtClean="0"/>
+              <a:t>term 1</a:t>
+            </a:r>
+            <a:endParaRPr lang="zh-TW" altLang="en-US" dirty="0"/>
+          </a:p>
+        </p:txBody>
+      </p:sp>
+      <p:sp>
+        <p:nvSpPr>
+          <p:cNvPr id="10" name="矩形 9"/>
+          <p:cNvSpPr/>
+          <p:nvPr/>
+        </p:nvSpPr>
+        <p:spPr>
+          <a:xfrm>
+            <a:off x="8190742" y="1807402"/>
+            <a:ext cx="808939" cy="369332"/>
+          </a:xfrm>
+          <a:prstGeom prst="rect">
+            <a:avLst/>
+          </a:prstGeom>
+        </p:spPr>
+        <p:txBody>
+          <a:bodyPr wrap="none">
+            <a:spAutoFit/>
+          </a:bodyPr>
+          <a:lstStyle/>
+          <a:p>
+            <a:r>
+              <a:rPr lang="en-US" altLang="zh-TW" dirty="0" smtClean="0"/>
+              <a:t>term 2</a:t>
+            </a:r>
+            <a:endParaRPr lang="zh-TW" altLang="en-US" dirty="0"/>
+          </a:p>
+        </p:txBody>
+      </p:sp>
+      <p:sp>
+        <p:nvSpPr>
+          <p:cNvPr id="11" name="矩形 10"/>
+          <p:cNvSpPr/>
+          <p:nvPr/>
+        </p:nvSpPr>
+        <p:spPr>
+          <a:xfrm>
+            <a:off x="9344080" y="1807374"/>
+            <a:ext cx="808939" cy="369332"/>
+          </a:xfrm>
+          <a:prstGeom prst="rect">
+            <a:avLst/>
+          </a:prstGeom>
+        </p:spPr>
+        <p:txBody>
+          <a:bodyPr wrap="none">
+            <a:spAutoFit/>
+          </a:bodyPr>
+          <a:lstStyle/>
+          <a:p>
+            <a:r>
+              <a:rPr lang="en-US" altLang="zh-TW" dirty="0" smtClean="0"/>
+              <a:t>term 3</a:t>
+            </a:r>
+            <a:endParaRPr lang="zh-TW" altLang="en-US" dirty="0"/>
+          </a:p>
+        </p:txBody>
+      </p:sp>
+      <p:sp>
+        <p:nvSpPr>
+          <p:cNvPr id="12" name="矩形 11"/>
+          <p:cNvSpPr/>
+          <p:nvPr/>
+        </p:nvSpPr>
+        <p:spPr>
+          <a:xfrm>
+            <a:off x="7178563" y="2253639"/>
+            <a:ext cx="526619" cy="338554"/>
+          </a:xfrm>
+          <a:prstGeom prst="rect">
+            <a:avLst/>
+          </a:prstGeom>
+        </p:spPr>
+        <p:txBody>
+          <a:bodyPr wrap="none">
+            <a:spAutoFit/>
+          </a:bodyPr>
+          <a:lstStyle/>
+          <a:p>
+            <a:r>
+              <a:rPr lang="en-US" altLang="zh-TW" sz="1600" i="1" dirty="0" err="1" smtClean="0">
+                <a:solidFill>
+                  <a:srgbClr val="FFC000"/>
+                </a:solidFill>
+              </a:rPr>
+              <a:t>freq</a:t>
+            </a:r>
+            <a:endParaRPr lang="zh-TW" altLang="en-US" sz="1600" i="1" dirty="0">
+              <a:solidFill>
+                <a:srgbClr val="FFC000"/>
+              </a:solidFill>
+            </a:endParaRPr>
+          </a:p>
+        </p:txBody>
+      </p:sp>
+      <p:sp>
+        <p:nvSpPr>
+          <p:cNvPr id="13" name="矩形 12"/>
+          <p:cNvSpPr/>
+          <p:nvPr/>
+        </p:nvSpPr>
+        <p:spPr>
+          <a:xfrm>
+            <a:off x="7178561" y="3106679"/>
+            <a:ext cx="526619" cy="338554"/>
+          </a:xfrm>
+          <a:prstGeom prst="rect">
+            <a:avLst/>
+          </a:prstGeom>
+        </p:spPr>
+        <p:txBody>
+          <a:bodyPr wrap="none">
+            <a:spAutoFit/>
+          </a:bodyPr>
+          <a:lstStyle/>
+          <a:p>
+            <a:r>
+              <a:rPr lang="en-US" altLang="zh-TW" sz="1600" i="1" dirty="0" err="1" smtClean="0">
+                <a:solidFill>
+                  <a:srgbClr val="FFC000"/>
+                </a:solidFill>
+              </a:rPr>
+              <a:t>freq</a:t>
+            </a:r>
+            <a:endParaRPr lang="zh-TW" altLang="en-US" sz="1600" i="1" dirty="0">
+              <a:solidFill>
+                <a:srgbClr val="FFC000"/>
+              </a:solidFill>
+            </a:endParaRPr>
+          </a:p>
+        </p:txBody>
+      </p:sp>
+      <p:sp>
+        <p:nvSpPr>
+          <p:cNvPr id="14" name="矩形 13"/>
+          <p:cNvSpPr/>
+          <p:nvPr/>
+        </p:nvSpPr>
+        <p:spPr>
+          <a:xfrm>
+            <a:off x="7178562" y="2682994"/>
+            <a:ext cx="526619" cy="338554"/>
+          </a:xfrm>
+          <a:prstGeom prst="rect">
+            <a:avLst/>
+          </a:prstGeom>
+        </p:spPr>
+        <p:txBody>
+          <a:bodyPr wrap="none">
+            <a:spAutoFit/>
+          </a:bodyPr>
+          <a:lstStyle/>
+          <a:p>
+            <a:r>
+              <a:rPr lang="en-US" altLang="zh-TW" sz="1600" i="1" dirty="0" err="1" smtClean="0">
+                <a:solidFill>
+                  <a:srgbClr val="FFC000"/>
+                </a:solidFill>
+              </a:rPr>
+              <a:t>freq</a:t>
+            </a:r>
+            <a:endParaRPr lang="zh-TW" altLang="en-US" sz="1600" i="1" dirty="0">
+              <a:solidFill>
+                <a:srgbClr val="FFC000"/>
+              </a:solidFill>
+            </a:endParaRPr>
+          </a:p>
+        </p:txBody>
+      </p:sp>
+      <p:sp>
+        <p:nvSpPr>
+          <p:cNvPr id="16" name="矩形 15"/>
+          <p:cNvSpPr/>
+          <p:nvPr/>
+        </p:nvSpPr>
+        <p:spPr>
+          <a:xfrm>
+            <a:off x="8318171" y="2253639"/>
+            <a:ext cx="526619" cy="338554"/>
+          </a:xfrm>
+          <a:prstGeom prst="rect">
+            <a:avLst/>
+          </a:prstGeom>
+        </p:spPr>
+        <p:txBody>
+          <a:bodyPr wrap="none">
+            <a:spAutoFit/>
+          </a:bodyPr>
+          <a:lstStyle/>
+          <a:p>
+            <a:r>
+              <a:rPr lang="en-US" altLang="zh-TW" sz="1600" i="1" dirty="0" err="1" smtClean="0">
+                <a:solidFill>
+                  <a:srgbClr val="FFC000"/>
+                </a:solidFill>
+              </a:rPr>
+              <a:t>freq</a:t>
+            </a:r>
+            <a:endParaRPr lang="zh-TW" altLang="en-US" sz="1600" i="1" dirty="0">
+              <a:solidFill>
+                <a:srgbClr val="FFC000"/>
+              </a:solidFill>
+            </a:endParaRPr>
+          </a:p>
+        </p:txBody>
+      </p:sp>
+      <p:sp>
+        <p:nvSpPr>
+          <p:cNvPr id="17" name="矩形 16"/>
+          <p:cNvSpPr/>
+          <p:nvPr/>
+        </p:nvSpPr>
+        <p:spPr>
+          <a:xfrm>
+            <a:off x="8318169" y="3106679"/>
+            <a:ext cx="526619" cy="338554"/>
+          </a:xfrm>
+          <a:prstGeom prst="rect">
+            <a:avLst/>
+          </a:prstGeom>
+        </p:spPr>
+        <p:txBody>
+          <a:bodyPr wrap="none">
+            <a:spAutoFit/>
+          </a:bodyPr>
+          <a:lstStyle/>
+          <a:p>
+            <a:r>
+              <a:rPr lang="en-US" altLang="zh-TW" sz="1600" i="1" dirty="0" err="1" smtClean="0">
+                <a:solidFill>
+                  <a:srgbClr val="FFC000"/>
+                </a:solidFill>
+              </a:rPr>
+              <a:t>freq</a:t>
+            </a:r>
+            <a:endParaRPr lang="zh-TW" altLang="en-US" sz="1600" i="1" dirty="0">
+              <a:solidFill>
+                <a:srgbClr val="FFC000"/>
+              </a:solidFill>
+            </a:endParaRPr>
+          </a:p>
+        </p:txBody>
+      </p:sp>
+      <p:sp>
+        <p:nvSpPr>
+          <p:cNvPr id="18" name="矩形 17"/>
+          <p:cNvSpPr/>
+          <p:nvPr/>
+        </p:nvSpPr>
+        <p:spPr>
+          <a:xfrm>
+            <a:off x="8318170" y="2682994"/>
+            <a:ext cx="526619" cy="338554"/>
+          </a:xfrm>
+          <a:prstGeom prst="rect">
+            <a:avLst/>
+          </a:prstGeom>
+        </p:spPr>
+        <p:txBody>
+          <a:bodyPr wrap="none">
+            <a:spAutoFit/>
+          </a:bodyPr>
+          <a:lstStyle/>
+          <a:p>
+            <a:r>
+              <a:rPr lang="en-US" altLang="zh-TW" sz="1600" i="1" dirty="0" err="1" smtClean="0">
+                <a:solidFill>
+                  <a:srgbClr val="FFC000"/>
+                </a:solidFill>
+              </a:rPr>
+              <a:t>freq</a:t>
+            </a:r>
+            <a:endParaRPr lang="zh-TW" altLang="en-US" sz="1600" i="1" dirty="0">
+              <a:solidFill>
+                <a:srgbClr val="FFC000"/>
+              </a:solidFill>
+            </a:endParaRPr>
+          </a:p>
+        </p:txBody>
+      </p:sp>
+      <p:sp>
+        <p:nvSpPr>
+          <p:cNvPr id="19" name="矩形 18"/>
+          <p:cNvSpPr/>
+          <p:nvPr/>
+        </p:nvSpPr>
+        <p:spPr>
+          <a:xfrm>
+            <a:off x="9457777" y="2238250"/>
+            <a:ext cx="526619" cy="338554"/>
+          </a:xfrm>
+          <a:prstGeom prst="rect">
+            <a:avLst/>
+          </a:prstGeom>
+        </p:spPr>
+        <p:txBody>
+          <a:bodyPr wrap="none">
+            <a:spAutoFit/>
+          </a:bodyPr>
+          <a:lstStyle/>
+          <a:p>
+            <a:r>
+              <a:rPr lang="en-US" altLang="zh-TW" sz="1600" i="1" dirty="0" err="1" smtClean="0">
+                <a:solidFill>
+                  <a:srgbClr val="FFC000"/>
+                </a:solidFill>
+              </a:rPr>
+              <a:t>freq</a:t>
+            </a:r>
+            <a:endParaRPr lang="zh-TW" altLang="en-US" sz="1600" i="1" dirty="0">
+              <a:solidFill>
+                <a:srgbClr val="FFC000"/>
+              </a:solidFill>
+            </a:endParaRPr>
+          </a:p>
+        </p:txBody>
+      </p:sp>
+      <p:sp>
+        <p:nvSpPr>
+          <p:cNvPr id="20" name="矩形 19"/>
+          <p:cNvSpPr/>
+          <p:nvPr/>
+        </p:nvSpPr>
+        <p:spPr>
+          <a:xfrm>
+            <a:off x="9457775" y="3091290"/>
+            <a:ext cx="526619" cy="338554"/>
+          </a:xfrm>
+          <a:prstGeom prst="rect">
+            <a:avLst/>
+          </a:prstGeom>
+        </p:spPr>
+        <p:txBody>
+          <a:bodyPr wrap="none">
+            <a:spAutoFit/>
+          </a:bodyPr>
+          <a:lstStyle/>
+          <a:p>
+            <a:r>
+              <a:rPr lang="en-US" altLang="zh-TW" sz="1600" i="1" dirty="0" err="1" smtClean="0">
+                <a:solidFill>
+                  <a:srgbClr val="FFC000"/>
+                </a:solidFill>
+              </a:rPr>
+              <a:t>freq</a:t>
+            </a:r>
+            <a:endParaRPr lang="zh-TW" altLang="en-US" sz="1600" i="1" dirty="0">
+              <a:solidFill>
+                <a:srgbClr val="FFC000"/>
+              </a:solidFill>
+            </a:endParaRPr>
+          </a:p>
+        </p:txBody>
+      </p:sp>
+      <p:sp>
+        <p:nvSpPr>
+          <p:cNvPr id="21" name="矩形 20"/>
+          <p:cNvSpPr/>
+          <p:nvPr/>
+        </p:nvSpPr>
+        <p:spPr>
+          <a:xfrm>
+            <a:off x="9457776" y="2667605"/>
+            <a:ext cx="526619" cy="338554"/>
+          </a:xfrm>
+          <a:prstGeom prst="rect">
+            <a:avLst/>
+          </a:prstGeom>
+        </p:spPr>
+        <p:txBody>
+          <a:bodyPr wrap="none">
+            <a:spAutoFit/>
+          </a:bodyPr>
+          <a:lstStyle/>
+          <a:p>
+            <a:r>
+              <a:rPr lang="en-US" altLang="zh-TW" sz="1600" i="1" dirty="0" err="1" smtClean="0">
+                <a:solidFill>
+                  <a:srgbClr val="FFC000"/>
+                </a:solidFill>
+              </a:rPr>
+              <a:t>freq</a:t>
+            </a:r>
+            <a:endParaRPr lang="zh-TW" altLang="en-US" sz="1600" i="1" dirty="0">
+              <a:solidFill>
+                <a:srgbClr val="FFC000"/>
+              </a:solidFill>
+            </a:endParaRPr>
+          </a:p>
+        </p:txBody>
+      </p:sp>
+      <p:sp>
+        <p:nvSpPr>
+          <p:cNvPr id="22" name="矩形 21"/>
+          <p:cNvSpPr/>
+          <p:nvPr/>
+        </p:nvSpPr>
+        <p:spPr>
+          <a:xfrm>
+            <a:off x="5996981" y="4914040"/>
+            <a:ext cx="696024" cy="369332"/>
+          </a:xfrm>
+          <a:prstGeom prst="rect">
+            <a:avLst/>
+          </a:prstGeom>
+        </p:spPr>
+        <p:txBody>
+          <a:bodyPr wrap="none">
+            <a:spAutoFit/>
+          </a:bodyPr>
+          <a:lstStyle/>
+          <a:p>
+            <a:r>
+              <a:rPr lang="en-US" altLang="zh-TW" dirty="0"/>
+              <a:t>d</a:t>
+            </a:r>
+            <a:r>
+              <a:rPr lang="zh-TW" altLang="en-US" dirty="0" smtClean="0"/>
+              <a:t>oc </a:t>
+            </a:r>
+            <a:r>
+              <a:rPr lang="en-US" altLang="zh-TW" dirty="0" smtClean="0"/>
+              <a:t>1</a:t>
+            </a:r>
+            <a:endParaRPr lang="zh-TW" altLang="en-US" dirty="0"/>
+          </a:p>
+        </p:txBody>
+      </p:sp>
+      <p:sp>
+        <p:nvSpPr>
+          <p:cNvPr id="23" name="矩形 22"/>
+          <p:cNvSpPr/>
+          <p:nvPr/>
+        </p:nvSpPr>
+        <p:spPr>
+          <a:xfrm>
+            <a:off x="5996981" y="5340560"/>
+            <a:ext cx="696024" cy="369332"/>
+          </a:xfrm>
+          <a:prstGeom prst="rect">
+            <a:avLst/>
+          </a:prstGeom>
+        </p:spPr>
+        <p:txBody>
+          <a:bodyPr wrap="none">
+            <a:spAutoFit/>
+          </a:bodyPr>
+          <a:lstStyle/>
+          <a:p>
+            <a:r>
+              <a:rPr lang="en-US" altLang="zh-TW" dirty="0"/>
+              <a:t>d</a:t>
+            </a:r>
+            <a:r>
+              <a:rPr lang="zh-TW" altLang="en-US" dirty="0" smtClean="0"/>
+              <a:t>oc </a:t>
+            </a:r>
+            <a:r>
+              <a:rPr lang="en-US" altLang="zh-TW" dirty="0"/>
+              <a:t>2</a:t>
+            </a:r>
+            <a:endParaRPr lang="zh-TW" altLang="en-US" dirty="0"/>
+          </a:p>
+        </p:txBody>
+      </p:sp>
+      <p:sp>
+        <p:nvSpPr>
+          <p:cNvPr id="24" name="矩形 23"/>
+          <p:cNvSpPr/>
+          <p:nvPr/>
+        </p:nvSpPr>
+        <p:spPr>
+          <a:xfrm>
+            <a:off x="5996981" y="5767080"/>
+            <a:ext cx="696024" cy="369332"/>
+          </a:xfrm>
+          <a:prstGeom prst="rect">
+            <a:avLst/>
+          </a:prstGeom>
+        </p:spPr>
+        <p:txBody>
+          <a:bodyPr wrap="none">
+            <a:spAutoFit/>
+          </a:bodyPr>
+          <a:lstStyle/>
+          <a:p>
+            <a:r>
+              <a:rPr lang="en-US" altLang="zh-TW" dirty="0"/>
+              <a:t>d</a:t>
+            </a:r>
+            <a:r>
+              <a:rPr lang="zh-TW" altLang="en-US" dirty="0" smtClean="0"/>
+              <a:t>oc </a:t>
+            </a:r>
+            <a:r>
+              <a:rPr lang="en-US" altLang="zh-TW" dirty="0"/>
+              <a:t>3</a:t>
+            </a:r>
+            <a:endParaRPr lang="zh-TW" altLang="en-US" dirty="0"/>
+          </a:p>
+        </p:txBody>
+      </p:sp>
+      <p:sp>
+        <p:nvSpPr>
+          <p:cNvPr id="25" name="矩形 24"/>
+          <p:cNvSpPr/>
+          <p:nvPr/>
+        </p:nvSpPr>
+        <p:spPr>
+          <a:xfrm>
+            <a:off x="7037404" y="4483164"/>
+            <a:ext cx="808939" cy="369332"/>
+          </a:xfrm>
+          <a:prstGeom prst="rect">
+            <a:avLst/>
+          </a:prstGeom>
+        </p:spPr>
+        <p:txBody>
+          <a:bodyPr wrap="none">
+            <a:spAutoFit/>
+          </a:bodyPr>
+          <a:lstStyle/>
+          <a:p>
+            <a:r>
+              <a:rPr lang="en-US" altLang="zh-TW" dirty="0" smtClean="0"/>
+              <a:t>term 1</a:t>
+            </a:r>
+            <a:endParaRPr lang="zh-TW" altLang="en-US" dirty="0"/>
+          </a:p>
+        </p:txBody>
+      </p:sp>
+      <p:sp>
+        <p:nvSpPr>
+          <p:cNvPr id="26" name="矩形 25"/>
+          <p:cNvSpPr/>
+          <p:nvPr/>
+        </p:nvSpPr>
+        <p:spPr>
+          <a:xfrm>
+            <a:off x="8190742" y="4483192"/>
+            <a:ext cx="808939" cy="369332"/>
+          </a:xfrm>
+          <a:prstGeom prst="rect">
+            <a:avLst/>
+          </a:prstGeom>
+        </p:spPr>
+        <p:txBody>
+          <a:bodyPr wrap="none">
+            <a:spAutoFit/>
+          </a:bodyPr>
+          <a:lstStyle/>
+          <a:p>
+            <a:r>
+              <a:rPr lang="en-US" altLang="zh-TW" dirty="0" smtClean="0"/>
+              <a:t>term 2</a:t>
+            </a:r>
+            <a:endParaRPr lang="zh-TW" altLang="en-US" dirty="0"/>
+          </a:p>
+        </p:txBody>
+      </p:sp>
+      <p:sp>
+        <p:nvSpPr>
+          <p:cNvPr id="27" name="矩形 26"/>
+          <p:cNvSpPr/>
+          <p:nvPr/>
+        </p:nvSpPr>
+        <p:spPr>
+          <a:xfrm>
+            <a:off x="9344080" y="4483164"/>
+            <a:ext cx="808939" cy="369332"/>
+          </a:xfrm>
+          <a:prstGeom prst="rect">
+            <a:avLst/>
+          </a:prstGeom>
+        </p:spPr>
+        <p:txBody>
+          <a:bodyPr wrap="none">
+            <a:spAutoFit/>
+          </a:bodyPr>
+          <a:lstStyle/>
+          <a:p>
+            <a:r>
+              <a:rPr lang="en-US" altLang="zh-TW" dirty="0" smtClean="0"/>
+              <a:t>term 3</a:t>
+            </a:r>
+            <a:endParaRPr lang="zh-TW" altLang="en-US" dirty="0"/>
+          </a:p>
+        </p:txBody>
+      </p:sp>
+      <p:sp>
+        <p:nvSpPr>
+          <p:cNvPr id="28" name="矩形 27"/>
+          <p:cNvSpPr/>
+          <p:nvPr/>
+        </p:nvSpPr>
+        <p:spPr>
+          <a:xfrm>
+            <a:off x="7178563" y="4929429"/>
+            <a:ext cx="530915" cy="338554"/>
+          </a:xfrm>
+          <a:prstGeom prst="rect">
+            <a:avLst/>
+          </a:prstGeom>
+        </p:spPr>
+        <p:txBody>
+          <a:bodyPr wrap="none">
+            <a:spAutoFit/>
+          </a:bodyPr>
+          <a:lstStyle/>
+          <a:p>
+            <a:r>
+              <a:rPr lang="en-US" altLang="zh-TW" sz="1600" i="1" dirty="0" err="1" smtClean="0">
+                <a:solidFill>
+                  <a:srgbClr val="FFC000"/>
+                </a:solidFill>
+              </a:rPr>
+              <a:t>tfidf</a:t>
+            </a:r>
+            <a:endParaRPr lang="zh-TW" altLang="en-US" sz="1600" i="1" dirty="0">
+              <a:solidFill>
+                <a:srgbClr val="FFC000"/>
+              </a:solidFill>
+            </a:endParaRPr>
+          </a:p>
+        </p:txBody>
+      </p:sp>
+      <p:sp>
+        <p:nvSpPr>
+          <p:cNvPr id="29" name="矩形 28"/>
+          <p:cNvSpPr/>
+          <p:nvPr/>
+        </p:nvSpPr>
+        <p:spPr>
+          <a:xfrm>
+            <a:off x="7178561" y="5782469"/>
+            <a:ext cx="530915" cy="338554"/>
+          </a:xfrm>
+          <a:prstGeom prst="rect">
+            <a:avLst/>
+          </a:prstGeom>
+        </p:spPr>
+        <p:txBody>
+          <a:bodyPr wrap="none">
+            <a:spAutoFit/>
+          </a:bodyPr>
+          <a:lstStyle/>
+          <a:p>
+            <a:r>
+              <a:rPr lang="en-US" altLang="zh-TW" sz="1600" i="1" dirty="0" err="1" smtClean="0">
+                <a:solidFill>
+                  <a:srgbClr val="FFC000"/>
+                </a:solidFill>
+              </a:rPr>
+              <a:t>tfidf</a:t>
+            </a:r>
+            <a:endParaRPr lang="zh-TW" altLang="en-US" sz="1600" i="1" dirty="0">
+              <a:solidFill>
+                <a:srgbClr val="FFC000"/>
+              </a:solidFill>
+            </a:endParaRPr>
+          </a:p>
+        </p:txBody>
+      </p:sp>
+      <p:sp>
+        <p:nvSpPr>
+          <p:cNvPr id="30" name="矩形 29"/>
+          <p:cNvSpPr/>
+          <p:nvPr/>
+        </p:nvSpPr>
+        <p:spPr>
+          <a:xfrm>
+            <a:off x="7178562" y="5358784"/>
+            <a:ext cx="530915" cy="338554"/>
+          </a:xfrm>
+          <a:prstGeom prst="rect">
+            <a:avLst/>
+          </a:prstGeom>
+        </p:spPr>
+        <p:txBody>
+          <a:bodyPr wrap="none">
+            <a:spAutoFit/>
+          </a:bodyPr>
+          <a:lstStyle/>
+          <a:p>
+            <a:r>
+              <a:rPr lang="en-US" altLang="zh-TW" sz="1600" i="1" dirty="0" err="1" smtClean="0">
+                <a:solidFill>
+                  <a:srgbClr val="FFC000"/>
+                </a:solidFill>
+              </a:rPr>
+              <a:t>tfidf</a:t>
+            </a:r>
+            <a:endParaRPr lang="zh-TW" altLang="en-US" sz="1600" i="1" dirty="0">
+              <a:solidFill>
+                <a:srgbClr val="FFC000"/>
+              </a:solidFill>
+            </a:endParaRPr>
+          </a:p>
+        </p:txBody>
+      </p:sp>
+      <p:sp>
+        <p:nvSpPr>
+          <p:cNvPr id="31" name="矩形 30"/>
+          <p:cNvSpPr/>
+          <p:nvPr/>
+        </p:nvSpPr>
+        <p:spPr>
+          <a:xfrm>
+            <a:off x="8318171" y="4929429"/>
+            <a:ext cx="530915" cy="338554"/>
+          </a:xfrm>
+          <a:prstGeom prst="rect">
+            <a:avLst/>
+          </a:prstGeom>
+        </p:spPr>
+        <p:txBody>
+          <a:bodyPr wrap="none">
+            <a:spAutoFit/>
+          </a:bodyPr>
+          <a:lstStyle/>
+          <a:p>
+            <a:r>
+              <a:rPr lang="en-US" altLang="zh-TW" sz="1600" i="1" dirty="0" err="1" smtClean="0">
+                <a:solidFill>
+                  <a:srgbClr val="FFC000"/>
+                </a:solidFill>
+              </a:rPr>
+              <a:t>tfidf</a:t>
+            </a:r>
+            <a:endParaRPr lang="zh-TW" altLang="en-US" sz="1600" i="1" dirty="0">
+              <a:solidFill>
+                <a:srgbClr val="FFC000"/>
+              </a:solidFill>
+            </a:endParaRPr>
+          </a:p>
+        </p:txBody>
+      </p:sp>
+      <p:sp>
+        <p:nvSpPr>
+          <p:cNvPr id="32" name="矩形 31"/>
+          <p:cNvSpPr/>
+          <p:nvPr/>
+        </p:nvSpPr>
+        <p:spPr>
+          <a:xfrm>
+            <a:off x="8318169" y="5782469"/>
+            <a:ext cx="530915" cy="338554"/>
+          </a:xfrm>
+          <a:prstGeom prst="rect">
+            <a:avLst/>
+          </a:prstGeom>
+        </p:spPr>
+        <p:txBody>
+          <a:bodyPr wrap="none">
+            <a:spAutoFit/>
+          </a:bodyPr>
+          <a:lstStyle/>
+          <a:p>
+            <a:r>
+              <a:rPr lang="en-US" altLang="zh-TW" sz="1600" i="1" dirty="0" err="1" smtClean="0">
+                <a:solidFill>
+                  <a:srgbClr val="FFC000"/>
+                </a:solidFill>
+              </a:rPr>
+              <a:t>tfidf</a:t>
+            </a:r>
+            <a:endParaRPr lang="zh-TW" altLang="en-US" sz="1600" i="1" dirty="0">
+              <a:solidFill>
+                <a:srgbClr val="FFC000"/>
+              </a:solidFill>
+            </a:endParaRPr>
+          </a:p>
+        </p:txBody>
+      </p:sp>
+      <p:sp>
+        <p:nvSpPr>
+          <p:cNvPr id="33" name="矩形 32"/>
+          <p:cNvSpPr/>
+          <p:nvPr/>
+        </p:nvSpPr>
+        <p:spPr>
+          <a:xfrm>
+            <a:off x="8318170" y="5358784"/>
+            <a:ext cx="530915" cy="338554"/>
+          </a:xfrm>
+          <a:prstGeom prst="rect">
+            <a:avLst/>
+          </a:prstGeom>
+        </p:spPr>
+        <p:txBody>
+          <a:bodyPr wrap="none">
+            <a:spAutoFit/>
+          </a:bodyPr>
+          <a:lstStyle/>
+          <a:p>
+            <a:r>
+              <a:rPr lang="en-US" altLang="zh-TW" sz="1600" i="1" dirty="0" err="1" smtClean="0">
+                <a:solidFill>
+                  <a:srgbClr val="FFC000"/>
+                </a:solidFill>
+              </a:rPr>
+              <a:t>tfidf</a:t>
+            </a:r>
+            <a:endParaRPr lang="zh-TW" altLang="en-US" sz="1600" i="1" dirty="0">
+              <a:solidFill>
+                <a:srgbClr val="FFC000"/>
+              </a:solidFill>
+            </a:endParaRPr>
+          </a:p>
+        </p:txBody>
+      </p:sp>
+      <p:sp>
+        <p:nvSpPr>
+          <p:cNvPr id="34" name="矩形 33"/>
+          <p:cNvSpPr/>
+          <p:nvPr/>
+        </p:nvSpPr>
+        <p:spPr>
+          <a:xfrm>
+            <a:off x="9457777" y="4914040"/>
+            <a:ext cx="530915" cy="338554"/>
+          </a:xfrm>
+          <a:prstGeom prst="rect">
+            <a:avLst/>
+          </a:prstGeom>
+        </p:spPr>
+        <p:txBody>
+          <a:bodyPr wrap="none">
+            <a:spAutoFit/>
+          </a:bodyPr>
+          <a:lstStyle/>
+          <a:p>
+            <a:r>
+              <a:rPr lang="en-US" altLang="zh-TW" sz="1600" i="1" dirty="0" err="1" smtClean="0">
+                <a:solidFill>
+                  <a:srgbClr val="FFC000"/>
+                </a:solidFill>
+              </a:rPr>
+              <a:t>tfidf</a:t>
+            </a:r>
+            <a:endParaRPr lang="zh-TW" altLang="en-US" sz="1600" i="1" dirty="0">
+              <a:solidFill>
+                <a:srgbClr val="FFC000"/>
+              </a:solidFill>
+            </a:endParaRPr>
+          </a:p>
+        </p:txBody>
+      </p:sp>
+      <p:sp>
+        <p:nvSpPr>
+          <p:cNvPr id="35" name="矩形 34"/>
+          <p:cNvSpPr/>
+          <p:nvPr/>
+        </p:nvSpPr>
+        <p:spPr>
+          <a:xfrm>
+            <a:off x="9457775" y="5767080"/>
+            <a:ext cx="530915" cy="338554"/>
+          </a:xfrm>
+          <a:prstGeom prst="rect">
+            <a:avLst/>
+          </a:prstGeom>
+        </p:spPr>
+        <p:txBody>
+          <a:bodyPr wrap="none">
+            <a:spAutoFit/>
+          </a:bodyPr>
+          <a:lstStyle/>
+          <a:p>
+            <a:r>
+              <a:rPr lang="en-US" altLang="zh-TW" sz="1600" i="1" dirty="0" err="1" smtClean="0">
+                <a:solidFill>
+                  <a:srgbClr val="FFC000"/>
+                </a:solidFill>
+              </a:rPr>
+              <a:t>tfidf</a:t>
+            </a:r>
+            <a:endParaRPr lang="zh-TW" altLang="en-US" sz="1600" i="1" dirty="0">
+              <a:solidFill>
+                <a:srgbClr val="FFC000"/>
+              </a:solidFill>
+            </a:endParaRPr>
+          </a:p>
+        </p:txBody>
+      </p:sp>
+      <p:sp>
+        <p:nvSpPr>
+          <p:cNvPr id="36" name="矩形 35"/>
+          <p:cNvSpPr/>
+          <p:nvPr/>
+        </p:nvSpPr>
+        <p:spPr>
+          <a:xfrm>
+            <a:off x="9457776" y="5343395"/>
+            <a:ext cx="530915" cy="338554"/>
+          </a:xfrm>
+          <a:prstGeom prst="rect">
+            <a:avLst/>
+          </a:prstGeom>
+        </p:spPr>
+        <p:txBody>
+          <a:bodyPr wrap="none">
+            <a:spAutoFit/>
+          </a:bodyPr>
+          <a:lstStyle/>
+          <a:p>
+            <a:r>
+              <a:rPr lang="en-US" altLang="zh-TW" sz="1600" i="1" dirty="0" err="1" smtClean="0">
+                <a:solidFill>
+                  <a:srgbClr val="FFC000"/>
+                </a:solidFill>
+              </a:rPr>
+              <a:t>tfidf</a:t>
+            </a:r>
+            <a:endParaRPr lang="zh-TW" altLang="en-US" sz="1600" i="1" dirty="0">
+              <a:solidFill>
+                <a:srgbClr val="FFC000"/>
+              </a:solidFill>
+            </a:endParaRPr>
+          </a:p>
+        </p:txBody>
+      </p:sp>
+      <p:sp>
+        <p:nvSpPr>
+          <p:cNvPr id="37" name="矩形 36"/>
+          <p:cNvSpPr/>
+          <p:nvPr/>
+        </p:nvSpPr>
+        <p:spPr>
+          <a:xfrm>
+            <a:off x="5681170" y="1346365"/>
+            <a:ext cx="4715202" cy="369332"/>
+          </a:xfrm>
+          <a:prstGeom prst="rect">
+            <a:avLst/>
+          </a:prstGeom>
+        </p:spPr>
+        <p:txBody>
+          <a:bodyPr wrap="none">
+            <a:spAutoFit/>
+          </a:bodyPr>
+          <a:lstStyle/>
+          <a:p>
+            <a:r>
+              <a:rPr lang="en-US" altLang="zh-TW" b="1" dirty="0" smtClean="0"/>
+              <a:t>Document-term matrix (weighted by </a:t>
+            </a:r>
+            <a:r>
+              <a:rPr lang="en-US" altLang="zh-TW" b="1" dirty="0" smtClean="0">
+                <a:solidFill>
+                  <a:srgbClr val="FF0000"/>
+                </a:solidFill>
+              </a:rPr>
+              <a:t>term </a:t>
+            </a:r>
+            <a:r>
+              <a:rPr lang="en-US" altLang="zh-TW" b="1" dirty="0" err="1" smtClean="0">
+                <a:solidFill>
+                  <a:srgbClr val="FF0000"/>
+                </a:solidFill>
+              </a:rPr>
+              <a:t>freq</a:t>
+            </a:r>
+            <a:r>
+              <a:rPr lang="en-US" altLang="zh-TW" b="1" dirty="0" smtClean="0"/>
+              <a:t>)</a:t>
+            </a:r>
+            <a:endParaRPr lang="zh-TW" altLang="en-US" b="1" dirty="0"/>
+          </a:p>
+        </p:txBody>
+      </p:sp>
+      <p:sp>
+        <p:nvSpPr>
+          <p:cNvPr id="38" name="矩形 37"/>
+          <p:cNvSpPr/>
+          <p:nvPr/>
+        </p:nvSpPr>
+        <p:spPr>
+          <a:xfrm>
+            <a:off x="5681170" y="4012101"/>
+            <a:ext cx="4411208" cy="369332"/>
+          </a:xfrm>
+          <a:prstGeom prst="rect">
+            <a:avLst/>
+          </a:prstGeom>
+        </p:spPr>
+        <p:txBody>
+          <a:bodyPr wrap="none">
+            <a:spAutoFit/>
+          </a:bodyPr>
+          <a:lstStyle/>
+          <a:p>
+            <a:r>
+              <a:rPr lang="en-US" altLang="zh-TW" b="1" dirty="0" smtClean="0"/>
+              <a:t>Document-term matrix (weighted by </a:t>
+            </a:r>
+            <a:r>
+              <a:rPr lang="en-US" altLang="zh-TW" b="1" dirty="0" smtClean="0">
+                <a:solidFill>
+                  <a:srgbClr val="FF0000"/>
+                </a:solidFill>
+              </a:rPr>
+              <a:t>TF-IDF</a:t>
+            </a:r>
+            <a:r>
+              <a:rPr lang="en-US" altLang="zh-TW" b="1" dirty="0" smtClean="0"/>
+              <a:t>)</a:t>
+            </a:r>
+            <a:endParaRPr lang="zh-TW" altLang="en-US" b="1" dirty="0"/>
+          </a:p>
+        </p:txBody>
+      </p:sp>
+    </p:spTree>
+    <p:extLst>
+      <p:ext uri="{BB962C8B-B14F-4D97-AF65-F5344CB8AC3E}">
+        <p14:creationId xmlns:p14="http://schemas.microsoft.com/office/powerpoint/2010/main" val="4273262847"/>
+      </p:ext>
+    </p:extLst>
+  </p:cSld>
+  <p:clrMapOvr>
+    <a:masterClrMapping/>
+  </p:clrMapOvr>
+</p:sld>
+</file>
+
+<file path=ppt/slides/slide14.xml><?xml version="1.0" encoding="utf-8"?>
+<p:sld xmlns:a="http://schemas.openxmlformats.org/drawingml/2006/main" xmlns:r="http://schemas.openxmlformats.org/officeDocument/2006/relationships" xmlns:p="http://schemas.openxmlformats.org/presentationml/2006/main">
+  <p:cSld>
+    <p:spTree>
+      <p:nvGrpSpPr>
+        <p:cNvPr id="1" name=""/>
+        <p:cNvGrpSpPr/>
+        <p:nvPr/>
+      </p:nvGrpSpPr>
+      <p:grpSpPr>
+        <a:xfrm>
+          <a:off x="0" y="0"/>
+          <a:ext cx="0" cy="0"/>
+          <a:chOff x="0" y="0"/>
+          <a:chExt cx="0" cy="0"/>
+        </a:xfrm>
+      </p:grpSpPr>
+      <p:sp>
+        <p:nvSpPr>
+          <p:cNvPr id="4" name="標題 3"/>
+          <p:cNvSpPr>
+            <a:spLocks noGrp="1"/>
+          </p:cNvSpPr>
+          <p:nvPr>
+            <p:ph type="title"/>
+          </p:nvPr>
+        </p:nvSpPr>
+        <p:spPr>
+          <a:xfrm>
+            <a:off x="530470" y="162902"/>
+            <a:ext cx="10515600" cy="1325563"/>
+          </a:xfrm>
+        </p:spPr>
+        <p:txBody>
+          <a:bodyPr/>
+          <a:lstStyle/>
+          <a:p>
+            <a:r>
+              <a:rPr lang="en-US" altLang="zh-TW" dirty="0" smtClean="0"/>
+              <a:t>Programming Flow</a:t>
+            </a:r>
+            <a:endParaRPr lang="zh-TW" altLang="en-US" dirty="0"/>
+          </a:p>
+        </p:txBody>
+      </p:sp>
+      <p:sp>
+        <p:nvSpPr>
+          <p:cNvPr id="5" name="矩形 4"/>
+          <p:cNvSpPr/>
+          <p:nvPr/>
+        </p:nvSpPr>
+        <p:spPr>
+          <a:xfrm>
+            <a:off x="761999" y="1488465"/>
+            <a:ext cx="4469423" cy="4524315"/>
+          </a:xfrm>
+          <a:prstGeom prst="rect">
+            <a:avLst/>
+          </a:prstGeom>
+        </p:spPr>
+        <p:txBody>
+          <a:bodyPr wrap="square">
+            <a:spAutoFit/>
+          </a:bodyPr>
+          <a:lstStyle/>
+          <a:p>
+            <a:pPr marL="342900" indent="-342900">
+              <a:lnSpc>
+                <a:spcPct val="200000"/>
+              </a:lnSpc>
+              <a:buFont typeface="+mj-lt"/>
+              <a:buAutoNum type="arabicPeriod"/>
+            </a:pPr>
+            <a:r>
+              <a:rPr lang="en-US" altLang="zh-TW" sz="1600" dirty="0" smtClean="0"/>
+              <a:t>Load </a:t>
+            </a:r>
+            <a:r>
+              <a:rPr lang="en-US" altLang="zh-TW" sz="1600" dirty="0"/>
+              <a:t>dataset</a:t>
+            </a:r>
+          </a:p>
+          <a:p>
+            <a:pPr marL="342900" indent="-342900">
+              <a:lnSpc>
+                <a:spcPct val="200000"/>
+              </a:lnSpc>
+              <a:buFont typeface="+mj-lt"/>
+              <a:buAutoNum type="arabicPeriod"/>
+            </a:pPr>
+            <a:r>
+              <a:rPr lang="en-US" altLang="zh-TW" sz="1600" dirty="0" smtClean="0"/>
+              <a:t>Data preprocessing</a:t>
+            </a:r>
+          </a:p>
+          <a:p>
+            <a:pPr marL="800100" lvl="1" indent="-342900">
+              <a:lnSpc>
+                <a:spcPct val="200000"/>
+              </a:lnSpc>
+              <a:buFont typeface="Arial" panose="020B0604020202020204" pitchFamily="34" charset="0"/>
+              <a:buChar char="•"/>
+            </a:pPr>
+            <a:r>
+              <a:rPr lang="en-US" altLang="zh-TW" sz="1600" dirty="0"/>
+              <a:t>R</a:t>
+            </a:r>
+            <a:r>
+              <a:rPr lang="en-US" altLang="zh-TW" sz="1600" dirty="0" smtClean="0"/>
+              <a:t>emove </a:t>
+            </a:r>
+            <a:r>
+              <a:rPr lang="en-US" altLang="zh-TW" sz="1600" dirty="0" err="1"/>
+              <a:t>stopwords</a:t>
+            </a:r>
+            <a:endParaRPr lang="en-US" altLang="zh-TW" sz="1600" dirty="0"/>
+          </a:p>
+          <a:p>
+            <a:pPr marL="800100" lvl="1" indent="-342900">
+              <a:lnSpc>
+                <a:spcPct val="200000"/>
+              </a:lnSpc>
+              <a:buFont typeface="Arial" panose="020B0604020202020204" pitchFamily="34" charset="0"/>
+              <a:buChar char="•"/>
+            </a:pPr>
+            <a:r>
+              <a:rPr lang="en-US" altLang="zh-TW" sz="1600" dirty="0" smtClean="0"/>
+              <a:t>Do </a:t>
+            </a:r>
+            <a:r>
+              <a:rPr lang="en-US" altLang="zh-TW" sz="1600" dirty="0"/>
+              <a:t>word stemming</a:t>
+            </a:r>
+          </a:p>
+          <a:p>
+            <a:pPr marL="800100" lvl="1" indent="-342900">
+              <a:lnSpc>
+                <a:spcPct val="200000"/>
+              </a:lnSpc>
+              <a:buFont typeface="Arial" panose="020B0604020202020204" pitchFamily="34" charset="0"/>
+              <a:buChar char="•"/>
+            </a:pPr>
+            <a:r>
+              <a:rPr lang="en-US" altLang="zh-TW" sz="1600" dirty="0" smtClean="0"/>
+              <a:t>Trim excessive whitespace</a:t>
+            </a:r>
+            <a:endParaRPr lang="en-US" altLang="zh-TW" sz="1600" dirty="0"/>
+          </a:p>
+          <a:p>
+            <a:pPr marL="342900" indent="-342900">
+              <a:lnSpc>
+                <a:spcPct val="200000"/>
+              </a:lnSpc>
+              <a:buFont typeface="+mj-lt"/>
+              <a:buAutoNum type="arabicPeriod"/>
+            </a:pPr>
+            <a:r>
+              <a:rPr lang="en-US" altLang="zh-TW" sz="1600" dirty="0" smtClean="0"/>
+              <a:t>Create </a:t>
+            </a:r>
+            <a:r>
+              <a:rPr lang="en-US" altLang="zh-TW" sz="1600" dirty="0"/>
+              <a:t>document-term matrix</a:t>
+            </a:r>
+          </a:p>
+          <a:p>
+            <a:pPr marL="342900" indent="-342900">
+              <a:lnSpc>
+                <a:spcPct val="200000"/>
+              </a:lnSpc>
+              <a:buFont typeface="+mj-lt"/>
+              <a:buAutoNum type="arabicPeriod"/>
+            </a:pPr>
+            <a:r>
+              <a:rPr lang="en-US" altLang="zh-TW" sz="1600" dirty="0" smtClean="0">
+                <a:solidFill>
+                  <a:srgbClr val="FFC000"/>
+                </a:solidFill>
+              </a:rPr>
+              <a:t>Calculate </a:t>
+            </a:r>
+            <a:r>
+              <a:rPr lang="en-US" altLang="zh-TW" sz="1600" dirty="0">
+                <a:solidFill>
+                  <a:srgbClr val="FFC000"/>
+                </a:solidFill>
+              </a:rPr>
+              <a:t>similarity </a:t>
+            </a:r>
+            <a:r>
+              <a:rPr lang="en-US" altLang="zh-TW" sz="1600" dirty="0" smtClean="0">
+                <a:solidFill>
+                  <a:srgbClr val="FFC000"/>
+                </a:solidFill>
+              </a:rPr>
+              <a:t>between documents</a:t>
+            </a:r>
+            <a:endParaRPr lang="en-US" altLang="zh-TW" sz="1600" dirty="0">
+              <a:solidFill>
+                <a:srgbClr val="FFC000"/>
+              </a:solidFill>
+            </a:endParaRPr>
+          </a:p>
+          <a:p>
+            <a:pPr marL="342900" indent="-342900">
+              <a:lnSpc>
+                <a:spcPct val="200000"/>
+              </a:lnSpc>
+              <a:buFont typeface="+mj-lt"/>
+              <a:buAutoNum type="arabicPeriod"/>
+            </a:pPr>
+            <a:r>
+              <a:rPr lang="en-US" altLang="zh-TW" sz="1600" dirty="0" smtClean="0"/>
+              <a:t>Execute </a:t>
+            </a:r>
+            <a:r>
+              <a:rPr lang="en-US" altLang="zh-TW" sz="1600" dirty="0"/>
+              <a:t>clustering algorithm</a:t>
+            </a:r>
+          </a:p>
+          <a:p>
+            <a:pPr marL="342900" indent="-342900">
+              <a:lnSpc>
+                <a:spcPct val="200000"/>
+              </a:lnSpc>
+              <a:buFont typeface="+mj-lt"/>
+              <a:buAutoNum type="arabicPeriod"/>
+            </a:pPr>
+            <a:r>
+              <a:rPr lang="en-US" altLang="zh-TW" sz="1600" dirty="0" smtClean="0"/>
+              <a:t>Visualize </a:t>
+            </a:r>
+            <a:r>
+              <a:rPr lang="en-US" altLang="zh-TW" sz="1600" dirty="0"/>
+              <a:t>clusters</a:t>
+            </a:r>
+          </a:p>
+        </p:txBody>
+      </p:sp>
+      <p:sp>
+        <p:nvSpPr>
+          <p:cNvPr id="6" name="左大括弧 5"/>
+          <p:cNvSpPr/>
+          <p:nvPr/>
+        </p:nvSpPr>
+        <p:spPr>
+          <a:xfrm>
+            <a:off x="4888523" y="1767253"/>
+            <a:ext cx="458664" cy="4176534"/>
+          </a:xfrm>
+          <a:prstGeom prst="leftBrace">
+            <a:avLst>
+              <a:gd name="adj1" fmla="val 8333"/>
+              <a:gd name="adj2" fmla="val 71848"/>
+            </a:avLst>
+          </a:prstGeom>
+        </p:spPr>
+        <p:style>
+          <a:lnRef idx="1">
+            <a:schemeClr val="accent4"/>
+          </a:lnRef>
+          <a:fillRef idx="0">
+            <a:schemeClr val="accent4"/>
+          </a:fillRef>
+          <a:effectRef idx="0">
+            <a:schemeClr val="accent4"/>
+          </a:effectRef>
+          <a:fontRef idx="minor">
+            <a:schemeClr val="tx1"/>
+          </a:fontRef>
+        </p:style>
+        <p:txBody>
+          <a:bodyPr rtlCol="0" anchor="ctr"/>
+          <a:lstStyle/>
+          <a:p>
+            <a:pPr algn="ctr"/>
+            <a:endParaRPr lang="zh-TW" altLang="en-US"/>
+          </a:p>
+        </p:txBody>
+      </p:sp>
+      <p:sp>
+        <p:nvSpPr>
+          <p:cNvPr id="7" name="矩形 6"/>
+          <p:cNvSpPr/>
+          <p:nvPr/>
+        </p:nvSpPr>
+        <p:spPr>
+          <a:xfrm>
+            <a:off x="6081440" y="3929302"/>
+            <a:ext cx="696024" cy="369332"/>
+          </a:xfrm>
+          <a:prstGeom prst="rect">
+            <a:avLst/>
+          </a:prstGeom>
+        </p:spPr>
+        <p:txBody>
+          <a:bodyPr wrap="none">
+            <a:spAutoFit/>
+          </a:bodyPr>
+          <a:lstStyle/>
+          <a:p>
+            <a:r>
+              <a:rPr lang="en-US" altLang="zh-TW" dirty="0"/>
+              <a:t>d</a:t>
+            </a:r>
+            <a:r>
+              <a:rPr lang="zh-TW" altLang="en-US" dirty="0" smtClean="0"/>
+              <a:t>oc </a:t>
+            </a:r>
+            <a:r>
+              <a:rPr lang="en-US" altLang="zh-TW" dirty="0" smtClean="0"/>
+              <a:t>1</a:t>
+            </a:r>
+            <a:endParaRPr lang="zh-TW" altLang="en-US" dirty="0"/>
+          </a:p>
+        </p:txBody>
+      </p:sp>
+      <p:sp>
+        <p:nvSpPr>
+          <p:cNvPr id="8" name="矩形 7"/>
+          <p:cNvSpPr/>
+          <p:nvPr/>
+        </p:nvSpPr>
+        <p:spPr>
+          <a:xfrm>
+            <a:off x="6081440" y="4355822"/>
+            <a:ext cx="696024" cy="369332"/>
+          </a:xfrm>
+          <a:prstGeom prst="rect">
+            <a:avLst/>
+          </a:prstGeom>
+        </p:spPr>
+        <p:txBody>
+          <a:bodyPr wrap="none">
+            <a:spAutoFit/>
+          </a:bodyPr>
+          <a:lstStyle/>
+          <a:p>
+            <a:r>
+              <a:rPr lang="en-US" altLang="zh-TW" dirty="0"/>
+              <a:t>d</a:t>
+            </a:r>
+            <a:r>
+              <a:rPr lang="zh-TW" altLang="en-US" dirty="0" smtClean="0"/>
+              <a:t>oc </a:t>
+            </a:r>
+            <a:r>
+              <a:rPr lang="en-US" altLang="zh-TW" dirty="0"/>
+              <a:t>2</a:t>
+            </a:r>
+            <a:endParaRPr lang="zh-TW" altLang="en-US" dirty="0"/>
+          </a:p>
+        </p:txBody>
+      </p:sp>
+      <p:sp>
+        <p:nvSpPr>
+          <p:cNvPr id="9" name="矩形 8"/>
+          <p:cNvSpPr/>
+          <p:nvPr/>
+        </p:nvSpPr>
+        <p:spPr>
+          <a:xfrm>
+            <a:off x="6081440" y="4782342"/>
+            <a:ext cx="696024" cy="369332"/>
+          </a:xfrm>
+          <a:prstGeom prst="rect">
+            <a:avLst/>
+          </a:prstGeom>
+        </p:spPr>
+        <p:txBody>
+          <a:bodyPr wrap="none">
+            <a:spAutoFit/>
+          </a:bodyPr>
+          <a:lstStyle/>
+          <a:p>
+            <a:r>
+              <a:rPr lang="en-US" altLang="zh-TW" dirty="0"/>
+              <a:t>d</a:t>
+            </a:r>
+            <a:r>
+              <a:rPr lang="zh-TW" altLang="en-US" dirty="0" smtClean="0"/>
+              <a:t>oc </a:t>
+            </a:r>
+            <a:r>
+              <a:rPr lang="en-US" altLang="zh-TW" dirty="0"/>
+              <a:t>3</a:t>
+            </a:r>
+            <a:endParaRPr lang="zh-TW" altLang="en-US" dirty="0"/>
+          </a:p>
+        </p:txBody>
+      </p:sp>
+      <p:sp>
+        <p:nvSpPr>
+          <p:cNvPr id="10" name="矩形 9"/>
+          <p:cNvSpPr/>
+          <p:nvPr/>
+        </p:nvSpPr>
+        <p:spPr>
+          <a:xfrm>
+            <a:off x="7121863" y="3498426"/>
+            <a:ext cx="696024" cy="369332"/>
+          </a:xfrm>
+          <a:prstGeom prst="rect">
+            <a:avLst/>
+          </a:prstGeom>
+        </p:spPr>
+        <p:txBody>
+          <a:bodyPr wrap="none">
+            <a:spAutoFit/>
+          </a:bodyPr>
+          <a:lstStyle/>
+          <a:p>
+            <a:r>
+              <a:rPr lang="en-US" altLang="zh-TW" dirty="0" smtClean="0"/>
+              <a:t>doc 1</a:t>
+            </a:r>
+            <a:endParaRPr lang="zh-TW" altLang="en-US" dirty="0"/>
+          </a:p>
+        </p:txBody>
+      </p:sp>
+      <p:sp>
+        <p:nvSpPr>
+          <p:cNvPr id="11" name="矩形 10"/>
+          <p:cNvSpPr/>
+          <p:nvPr/>
+        </p:nvSpPr>
+        <p:spPr>
+          <a:xfrm>
+            <a:off x="8275201" y="3498454"/>
+            <a:ext cx="696024" cy="369332"/>
+          </a:xfrm>
+          <a:prstGeom prst="rect">
+            <a:avLst/>
+          </a:prstGeom>
+        </p:spPr>
+        <p:txBody>
+          <a:bodyPr wrap="none">
+            <a:spAutoFit/>
+          </a:bodyPr>
+          <a:lstStyle/>
+          <a:p>
+            <a:r>
+              <a:rPr lang="en-US" altLang="zh-TW" dirty="0" smtClean="0"/>
+              <a:t>doc 2</a:t>
+            </a:r>
+            <a:endParaRPr lang="zh-TW" altLang="en-US" dirty="0"/>
+          </a:p>
+        </p:txBody>
+      </p:sp>
+      <p:sp>
+        <p:nvSpPr>
+          <p:cNvPr id="12" name="矩形 11"/>
+          <p:cNvSpPr/>
+          <p:nvPr/>
+        </p:nvSpPr>
+        <p:spPr>
+          <a:xfrm>
+            <a:off x="9428539" y="3498426"/>
+            <a:ext cx="696024" cy="369332"/>
+          </a:xfrm>
+          <a:prstGeom prst="rect">
+            <a:avLst/>
+          </a:prstGeom>
+        </p:spPr>
+        <p:txBody>
+          <a:bodyPr wrap="none">
+            <a:spAutoFit/>
+          </a:bodyPr>
+          <a:lstStyle/>
+          <a:p>
+            <a:r>
+              <a:rPr lang="en-US" altLang="zh-TW" dirty="0" smtClean="0"/>
+              <a:t>doc 3</a:t>
+            </a:r>
+            <a:endParaRPr lang="zh-TW" altLang="en-US" dirty="0"/>
+          </a:p>
+        </p:txBody>
+      </p:sp>
+      <p:sp>
+        <p:nvSpPr>
+          <p:cNvPr id="13" name="矩形 12"/>
+          <p:cNvSpPr/>
+          <p:nvPr/>
+        </p:nvSpPr>
+        <p:spPr>
+          <a:xfrm>
+            <a:off x="7034422" y="3942252"/>
+            <a:ext cx="859531" cy="307777"/>
+          </a:xfrm>
+          <a:prstGeom prst="rect">
+            <a:avLst/>
+          </a:prstGeom>
+        </p:spPr>
+        <p:txBody>
+          <a:bodyPr wrap="none">
+            <a:spAutoFit/>
+          </a:bodyPr>
+          <a:lstStyle/>
+          <a:p>
+            <a:r>
+              <a:rPr lang="en-US" altLang="zh-TW" sz="1400" i="1" dirty="0" smtClean="0">
+                <a:solidFill>
+                  <a:srgbClr val="FFC000"/>
+                </a:solidFill>
+              </a:rPr>
+              <a:t>similarity</a:t>
+            </a:r>
+            <a:endParaRPr lang="zh-TW" altLang="en-US" sz="1400" i="1" dirty="0">
+              <a:solidFill>
+                <a:srgbClr val="FFC000"/>
+              </a:solidFill>
+            </a:endParaRPr>
+          </a:p>
+        </p:txBody>
+      </p:sp>
+      <p:sp>
+        <p:nvSpPr>
+          <p:cNvPr id="22" name="矩形 21"/>
+          <p:cNvSpPr/>
+          <p:nvPr/>
+        </p:nvSpPr>
+        <p:spPr>
+          <a:xfrm>
+            <a:off x="5902821" y="2578955"/>
+            <a:ext cx="3708644" cy="369332"/>
+          </a:xfrm>
+          <a:prstGeom prst="rect">
+            <a:avLst/>
+          </a:prstGeom>
+        </p:spPr>
+        <p:txBody>
+          <a:bodyPr wrap="none">
+            <a:spAutoFit/>
+          </a:bodyPr>
+          <a:lstStyle/>
+          <a:p>
+            <a:r>
+              <a:rPr lang="en-US" altLang="zh-TW" b="1" dirty="0" smtClean="0"/>
+              <a:t>Similarity matrix ( = distance matrix )</a:t>
+            </a:r>
+            <a:endParaRPr lang="zh-TW" altLang="en-US" b="1" dirty="0"/>
+          </a:p>
+        </p:txBody>
+      </p:sp>
+      <p:sp>
+        <p:nvSpPr>
+          <p:cNvPr id="23" name="矩形 22"/>
+          <p:cNvSpPr/>
+          <p:nvPr/>
+        </p:nvSpPr>
+        <p:spPr>
+          <a:xfrm>
+            <a:off x="7034421" y="4386599"/>
+            <a:ext cx="859531" cy="307777"/>
+          </a:xfrm>
+          <a:prstGeom prst="rect">
+            <a:avLst/>
+          </a:prstGeom>
+        </p:spPr>
+        <p:txBody>
+          <a:bodyPr wrap="none">
+            <a:spAutoFit/>
+          </a:bodyPr>
+          <a:lstStyle/>
+          <a:p>
+            <a:r>
+              <a:rPr lang="en-US" altLang="zh-TW" sz="1400" i="1" dirty="0" smtClean="0">
+                <a:solidFill>
+                  <a:srgbClr val="FFC000"/>
+                </a:solidFill>
+              </a:rPr>
+              <a:t>similarity</a:t>
+            </a:r>
+            <a:endParaRPr lang="zh-TW" altLang="en-US" sz="1400" i="1" dirty="0">
+              <a:solidFill>
+                <a:srgbClr val="FFC000"/>
+              </a:solidFill>
+            </a:endParaRPr>
+          </a:p>
+        </p:txBody>
+      </p:sp>
+      <p:sp>
+        <p:nvSpPr>
+          <p:cNvPr id="24" name="矩形 23"/>
+          <p:cNvSpPr/>
+          <p:nvPr/>
+        </p:nvSpPr>
+        <p:spPr>
+          <a:xfrm>
+            <a:off x="7032462" y="4813119"/>
+            <a:ext cx="859531" cy="307777"/>
+          </a:xfrm>
+          <a:prstGeom prst="rect">
+            <a:avLst/>
+          </a:prstGeom>
+        </p:spPr>
+        <p:txBody>
+          <a:bodyPr wrap="none">
+            <a:spAutoFit/>
+          </a:bodyPr>
+          <a:lstStyle/>
+          <a:p>
+            <a:r>
+              <a:rPr lang="en-US" altLang="zh-TW" sz="1400" i="1" dirty="0" smtClean="0">
+                <a:solidFill>
+                  <a:srgbClr val="FFC000"/>
+                </a:solidFill>
+              </a:rPr>
+              <a:t>similarity</a:t>
+            </a:r>
+            <a:endParaRPr lang="zh-TW" altLang="en-US" sz="1400" i="1" dirty="0">
+              <a:solidFill>
+                <a:srgbClr val="FFC000"/>
+              </a:solidFill>
+            </a:endParaRPr>
+          </a:p>
+        </p:txBody>
+      </p:sp>
+      <p:sp>
+        <p:nvSpPr>
+          <p:cNvPr id="25" name="矩形 24"/>
+          <p:cNvSpPr/>
+          <p:nvPr/>
+        </p:nvSpPr>
+        <p:spPr>
+          <a:xfrm>
+            <a:off x="8252592" y="3942252"/>
+            <a:ext cx="859531" cy="307777"/>
+          </a:xfrm>
+          <a:prstGeom prst="rect">
+            <a:avLst/>
+          </a:prstGeom>
+        </p:spPr>
+        <p:txBody>
+          <a:bodyPr wrap="none">
+            <a:spAutoFit/>
+          </a:bodyPr>
+          <a:lstStyle/>
+          <a:p>
+            <a:r>
+              <a:rPr lang="en-US" altLang="zh-TW" sz="1400" i="1" dirty="0" smtClean="0">
+                <a:solidFill>
+                  <a:srgbClr val="FFC000"/>
+                </a:solidFill>
+              </a:rPr>
+              <a:t>similarity</a:t>
+            </a:r>
+            <a:endParaRPr lang="zh-TW" altLang="en-US" sz="1400" i="1" dirty="0">
+              <a:solidFill>
+                <a:srgbClr val="FFC000"/>
+              </a:solidFill>
+            </a:endParaRPr>
+          </a:p>
+        </p:txBody>
+      </p:sp>
+      <p:sp>
+        <p:nvSpPr>
+          <p:cNvPr id="26" name="矩形 25"/>
+          <p:cNvSpPr/>
+          <p:nvPr/>
+        </p:nvSpPr>
+        <p:spPr>
+          <a:xfrm>
+            <a:off x="8252591" y="4386599"/>
+            <a:ext cx="859531" cy="307777"/>
+          </a:xfrm>
+          <a:prstGeom prst="rect">
+            <a:avLst/>
+          </a:prstGeom>
+        </p:spPr>
+        <p:txBody>
+          <a:bodyPr wrap="none">
+            <a:spAutoFit/>
+          </a:bodyPr>
+          <a:lstStyle/>
+          <a:p>
+            <a:r>
+              <a:rPr lang="en-US" altLang="zh-TW" sz="1400" i="1" dirty="0" smtClean="0">
+                <a:solidFill>
+                  <a:srgbClr val="FFC000"/>
+                </a:solidFill>
+              </a:rPr>
+              <a:t>similarity</a:t>
+            </a:r>
+            <a:endParaRPr lang="zh-TW" altLang="en-US" sz="1400" i="1" dirty="0">
+              <a:solidFill>
+                <a:srgbClr val="FFC000"/>
+              </a:solidFill>
+            </a:endParaRPr>
+          </a:p>
+        </p:txBody>
+      </p:sp>
+      <p:sp>
+        <p:nvSpPr>
+          <p:cNvPr id="27" name="矩形 26"/>
+          <p:cNvSpPr/>
+          <p:nvPr/>
+        </p:nvSpPr>
+        <p:spPr>
+          <a:xfrm>
+            <a:off x="8250632" y="4813119"/>
+            <a:ext cx="859531" cy="307777"/>
+          </a:xfrm>
+          <a:prstGeom prst="rect">
+            <a:avLst/>
+          </a:prstGeom>
+        </p:spPr>
+        <p:txBody>
+          <a:bodyPr wrap="none">
+            <a:spAutoFit/>
+          </a:bodyPr>
+          <a:lstStyle/>
+          <a:p>
+            <a:r>
+              <a:rPr lang="en-US" altLang="zh-TW" sz="1400" i="1" dirty="0" smtClean="0">
+                <a:solidFill>
+                  <a:srgbClr val="FFC000"/>
+                </a:solidFill>
+              </a:rPr>
+              <a:t>similarity</a:t>
+            </a:r>
+            <a:endParaRPr lang="zh-TW" altLang="en-US" sz="1400" i="1" dirty="0">
+              <a:solidFill>
+                <a:srgbClr val="FFC000"/>
+              </a:solidFill>
+            </a:endParaRPr>
+          </a:p>
+        </p:txBody>
+      </p:sp>
+      <p:sp>
+        <p:nvSpPr>
+          <p:cNvPr id="28" name="矩形 27"/>
+          <p:cNvSpPr/>
+          <p:nvPr/>
+        </p:nvSpPr>
+        <p:spPr>
+          <a:xfrm>
+            <a:off x="9336520" y="3942252"/>
+            <a:ext cx="859531" cy="307777"/>
+          </a:xfrm>
+          <a:prstGeom prst="rect">
+            <a:avLst/>
+          </a:prstGeom>
+        </p:spPr>
+        <p:txBody>
+          <a:bodyPr wrap="none">
+            <a:spAutoFit/>
+          </a:bodyPr>
+          <a:lstStyle/>
+          <a:p>
+            <a:r>
+              <a:rPr lang="en-US" altLang="zh-TW" sz="1400" i="1" dirty="0" smtClean="0">
+                <a:solidFill>
+                  <a:srgbClr val="FFC000"/>
+                </a:solidFill>
+              </a:rPr>
+              <a:t>similarity</a:t>
+            </a:r>
+            <a:endParaRPr lang="zh-TW" altLang="en-US" sz="1400" i="1" dirty="0">
+              <a:solidFill>
+                <a:srgbClr val="FFC000"/>
+              </a:solidFill>
+            </a:endParaRPr>
+          </a:p>
+        </p:txBody>
+      </p:sp>
+      <p:sp>
+        <p:nvSpPr>
+          <p:cNvPr id="29" name="矩形 28"/>
+          <p:cNvSpPr/>
+          <p:nvPr/>
+        </p:nvSpPr>
+        <p:spPr>
+          <a:xfrm>
+            <a:off x="9336519" y="4386599"/>
+            <a:ext cx="859531" cy="307777"/>
+          </a:xfrm>
+          <a:prstGeom prst="rect">
+            <a:avLst/>
+          </a:prstGeom>
+        </p:spPr>
+        <p:txBody>
+          <a:bodyPr wrap="none">
+            <a:spAutoFit/>
+          </a:bodyPr>
+          <a:lstStyle/>
+          <a:p>
+            <a:r>
+              <a:rPr lang="en-US" altLang="zh-TW" sz="1400" i="1" dirty="0" smtClean="0">
+                <a:solidFill>
+                  <a:srgbClr val="FFC000"/>
+                </a:solidFill>
+              </a:rPr>
+              <a:t>similarity</a:t>
+            </a:r>
+            <a:endParaRPr lang="zh-TW" altLang="en-US" sz="1400" i="1" dirty="0">
+              <a:solidFill>
+                <a:srgbClr val="FFC000"/>
+              </a:solidFill>
+            </a:endParaRPr>
+          </a:p>
+        </p:txBody>
+      </p:sp>
+      <p:sp>
+        <p:nvSpPr>
+          <p:cNvPr id="30" name="矩形 29"/>
+          <p:cNvSpPr/>
+          <p:nvPr/>
+        </p:nvSpPr>
+        <p:spPr>
+          <a:xfrm>
+            <a:off x="9334560" y="4813119"/>
+            <a:ext cx="859531" cy="307777"/>
+          </a:xfrm>
+          <a:prstGeom prst="rect">
+            <a:avLst/>
+          </a:prstGeom>
+        </p:spPr>
+        <p:txBody>
+          <a:bodyPr wrap="none">
+            <a:spAutoFit/>
+          </a:bodyPr>
+          <a:lstStyle/>
+          <a:p>
+            <a:r>
+              <a:rPr lang="en-US" altLang="zh-TW" sz="1400" i="1" dirty="0" smtClean="0">
+                <a:solidFill>
+                  <a:srgbClr val="FFC000"/>
+                </a:solidFill>
+              </a:rPr>
+              <a:t>similarity</a:t>
+            </a:r>
+            <a:endParaRPr lang="zh-TW" altLang="en-US" sz="1400" i="1" dirty="0">
+              <a:solidFill>
+                <a:srgbClr val="FFC000"/>
+              </a:solidFill>
+            </a:endParaRPr>
+          </a:p>
+        </p:txBody>
+      </p:sp>
+    </p:spTree>
+    <p:extLst>
+      <p:ext uri="{BB962C8B-B14F-4D97-AF65-F5344CB8AC3E}">
+        <p14:creationId xmlns:p14="http://schemas.microsoft.com/office/powerpoint/2010/main" val="4245250236"/>
+      </p:ext>
+    </p:extLst>
+  </p:cSld>
+  <p:clrMapOvr>
+    <a:masterClrMapping/>
+  </p:clrMapOvr>
+</p:sld>
+</file>
+
+<file path=ppt/slides/slide15.xml><?xml version="1.0" encoding="utf-8"?>
+<p:sld xmlns:a="http://schemas.openxmlformats.org/drawingml/2006/main" xmlns:r="http://schemas.openxmlformats.org/officeDocument/2006/relationships" xmlns:p="http://schemas.openxmlformats.org/presentationml/2006/main">
+  <p:cSld>
+    <p:spTree>
+      <p:nvGrpSpPr>
+        <p:cNvPr id="1" name=""/>
+        <p:cNvGrpSpPr/>
+        <p:nvPr/>
+      </p:nvGrpSpPr>
+      <p:grpSpPr>
+        <a:xfrm>
+          <a:off x="0" y="0"/>
+          <a:ext cx="0" cy="0"/>
+          <a:chOff x="0" y="0"/>
+          <a:chExt cx="0" cy="0"/>
+        </a:xfrm>
+      </p:grpSpPr>
+      <p:sp>
+        <p:nvSpPr>
+          <p:cNvPr id="4" name="標題 3"/>
+          <p:cNvSpPr>
+            <a:spLocks noGrp="1"/>
+          </p:cNvSpPr>
+          <p:nvPr>
+            <p:ph type="title"/>
+          </p:nvPr>
+        </p:nvSpPr>
+        <p:spPr>
+          <a:xfrm>
+            <a:off x="530470" y="162902"/>
+            <a:ext cx="10515600" cy="1325563"/>
+          </a:xfrm>
+        </p:spPr>
+        <p:txBody>
+          <a:bodyPr/>
+          <a:lstStyle/>
+          <a:p>
+            <a:r>
+              <a:rPr lang="en-US" altLang="zh-TW" dirty="0" smtClean="0"/>
+              <a:t>Programming Flow</a:t>
+            </a:r>
+            <a:endParaRPr lang="zh-TW" altLang="en-US" dirty="0"/>
+          </a:p>
+        </p:txBody>
+      </p:sp>
+      <p:sp>
+        <p:nvSpPr>
+          <p:cNvPr id="5" name="矩形 4"/>
+          <p:cNvSpPr/>
+          <p:nvPr/>
+        </p:nvSpPr>
+        <p:spPr>
+          <a:xfrm>
+            <a:off x="761999" y="1488465"/>
+            <a:ext cx="4469423" cy="4524315"/>
+          </a:xfrm>
+          <a:prstGeom prst="rect">
+            <a:avLst/>
+          </a:prstGeom>
+        </p:spPr>
+        <p:txBody>
+          <a:bodyPr wrap="square">
+            <a:spAutoFit/>
+          </a:bodyPr>
+          <a:lstStyle/>
+          <a:p>
+            <a:pPr marL="342900" indent="-342900">
+              <a:lnSpc>
+                <a:spcPct val="200000"/>
+              </a:lnSpc>
+              <a:buFont typeface="+mj-lt"/>
+              <a:buAutoNum type="arabicPeriod"/>
+            </a:pPr>
+            <a:r>
+              <a:rPr lang="en-US" altLang="zh-TW" sz="1600" dirty="0" smtClean="0"/>
+              <a:t>Load </a:t>
+            </a:r>
+            <a:r>
+              <a:rPr lang="en-US" altLang="zh-TW" sz="1600" dirty="0"/>
+              <a:t>dataset</a:t>
+            </a:r>
+          </a:p>
+          <a:p>
+            <a:pPr marL="342900" indent="-342900">
+              <a:lnSpc>
+                <a:spcPct val="200000"/>
+              </a:lnSpc>
+              <a:buFont typeface="+mj-lt"/>
+              <a:buAutoNum type="arabicPeriod"/>
+            </a:pPr>
+            <a:r>
+              <a:rPr lang="en-US" altLang="zh-TW" sz="1600" dirty="0" smtClean="0"/>
+              <a:t>Data preprocessing</a:t>
+            </a:r>
+          </a:p>
+          <a:p>
+            <a:pPr marL="800100" lvl="1" indent="-342900">
+              <a:lnSpc>
+                <a:spcPct val="200000"/>
+              </a:lnSpc>
+              <a:buFont typeface="Arial" panose="020B0604020202020204" pitchFamily="34" charset="0"/>
+              <a:buChar char="•"/>
+            </a:pPr>
+            <a:r>
+              <a:rPr lang="en-US" altLang="zh-TW" sz="1600" dirty="0"/>
+              <a:t>R</a:t>
+            </a:r>
+            <a:r>
+              <a:rPr lang="en-US" altLang="zh-TW" sz="1600" dirty="0" smtClean="0"/>
+              <a:t>emove </a:t>
+            </a:r>
+            <a:r>
+              <a:rPr lang="en-US" altLang="zh-TW" sz="1600" dirty="0" err="1"/>
+              <a:t>stopwords</a:t>
+            </a:r>
+            <a:endParaRPr lang="en-US" altLang="zh-TW" sz="1600" dirty="0"/>
+          </a:p>
+          <a:p>
+            <a:pPr marL="800100" lvl="1" indent="-342900">
+              <a:lnSpc>
+                <a:spcPct val="200000"/>
+              </a:lnSpc>
+              <a:buFont typeface="Arial" panose="020B0604020202020204" pitchFamily="34" charset="0"/>
+              <a:buChar char="•"/>
+            </a:pPr>
+            <a:r>
+              <a:rPr lang="en-US" altLang="zh-TW" sz="1600" dirty="0" smtClean="0"/>
+              <a:t>Do </a:t>
+            </a:r>
+            <a:r>
+              <a:rPr lang="en-US" altLang="zh-TW" sz="1600" dirty="0"/>
+              <a:t>word stemming</a:t>
+            </a:r>
+          </a:p>
+          <a:p>
+            <a:pPr marL="800100" lvl="1" indent="-342900">
+              <a:lnSpc>
+                <a:spcPct val="200000"/>
+              </a:lnSpc>
+              <a:buFont typeface="Arial" panose="020B0604020202020204" pitchFamily="34" charset="0"/>
+              <a:buChar char="•"/>
+            </a:pPr>
+            <a:r>
+              <a:rPr lang="en-US" altLang="zh-TW" sz="1600" dirty="0" smtClean="0"/>
+              <a:t>Trim excessive whitespace</a:t>
+            </a:r>
+            <a:endParaRPr lang="en-US" altLang="zh-TW" sz="1600" dirty="0"/>
+          </a:p>
+          <a:p>
+            <a:pPr marL="342900" indent="-342900">
+              <a:lnSpc>
+                <a:spcPct val="200000"/>
+              </a:lnSpc>
+              <a:buFont typeface="+mj-lt"/>
+              <a:buAutoNum type="arabicPeriod"/>
+            </a:pPr>
+            <a:r>
+              <a:rPr lang="en-US" altLang="zh-TW" sz="1600" dirty="0" smtClean="0"/>
+              <a:t>Create </a:t>
+            </a:r>
+            <a:r>
+              <a:rPr lang="en-US" altLang="zh-TW" sz="1600" dirty="0"/>
+              <a:t>document-term matrix</a:t>
+            </a:r>
+          </a:p>
+          <a:p>
+            <a:pPr marL="342900" indent="-342900">
+              <a:lnSpc>
+                <a:spcPct val="200000"/>
+              </a:lnSpc>
+              <a:buFont typeface="+mj-lt"/>
+              <a:buAutoNum type="arabicPeriod"/>
+            </a:pPr>
+            <a:r>
+              <a:rPr lang="en-US" altLang="zh-TW" sz="1600" dirty="0" smtClean="0"/>
+              <a:t>Calculate </a:t>
+            </a:r>
+            <a:r>
+              <a:rPr lang="en-US" altLang="zh-TW" sz="1600" dirty="0"/>
+              <a:t>similarity </a:t>
+            </a:r>
+            <a:r>
+              <a:rPr lang="en-US" altLang="zh-TW" sz="1600" dirty="0" smtClean="0"/>
+              <a:t>between documents</a:t>
+            </a:r>
+            <a:endParaRPr lang="en-US" altLang="zh-TW" sz="1600" dirty="0"/>
+          </a:p>
+          <a:p>
+            <a:pPr marL="342900" indent="-342900">
+              <a:lnSpc>
+                <a:spcPct val="200000"/>
+              </a:lnSpc>
+              <a:buFont typeface="+mj-lt"/>
+              <a:buAutoNum type="arabicPeriod"/>
+            </a:pPr>
+            <a:r>
+              <a:rPr lang="en-US" altLang="zh-TW" sz="1600" dirty="0" smtClean="0">
+                <a:solidFill>
+                  <a:srgbClr val="FFC000"/>
+                </a:solidFill>
+              </a:rPr>
+              <a:t>Execute </a:t>
+            </a:r>
+            <a:r>
+              <a:rPr lang="en-US" altLang="zh-TW" sz="1600" dirty="0">
+                <a:solidFill>
+                  <a:srgbClr val="FFC000"/>
+                </a:solidFill>
+              </a:rPr>
+              <a:t>clustering algorithm</a:t>
+            </a:r>
+          </a:p>
+          <a:p>
+            <a:pPr marL="342900" indent="-342900">
+              <a:lnSpc>
+                <a:spcPct val="200000"/>
+              </a:lnSpc>
+              <a:buFont typeface="+mj-lt"/>
+              <a:buAutoNum type="arabicPeriod"/>
+            </a:pPr>
+            <a:r>
+              <a:rPr lang="en-US" altLang="zh-TW" sz="1600" dirty="0" smtClean="0"/>
+              <a:t>Visualize </a:t>
+            </a:r>
+            <a:r>
+              <a:rPr lang="en-US" altLang="zh-TW" sz="1600" dirty="0"/>
+              <a:t>clusters</a:t>
+            </a:r>
+          </a:p>
+        </p:txBody>
+      </p:sp>
+      <p:sp>
+        <p:nvSpPr>
+          <p:cNvPr id="6" name="左大括弧 5"/>
+          <p:cNvSpPr/>
+          <p:nvPr/>
+        </p:nvSpPr>
+        <p:spPr>
+          <a:xfrm>
+            <a:off x="4888523" y="1767253"/>
+            <a:ext cx="458664" cy="4176534"/>
+          </a:xfrm>
+          <a:prstGeom prst="leftBrace">
+            <a:avLst>
+              <a:gd name="adj1" fmla="val 8333"/>
+              <a:gd name="adj2" fmla="val 84479"/>
+            </a:avLst>
+          </a:prstGeom>
+        </p:spPr>
+        <p:style>
+          <a:lnRef idx="1">
+            <a:schemeClr val="accent4"/>
+          </a:lnRef>
+          <a:fillRef idx="0">
+            <a:schemeClr val="accent4"/>
+          </a:fillRef>
+          <a:effectRef idx="0">
+            <a:schemeClr val="accent4"/>
+          </a:effectRef>
+          <a:fontRef idx="minor">
+            <a:schemeClr val="tx1"/>
+          </a:fontRef>
+        </p:style>
+        <p:txBody>
+          <a:bodyPr rtlCol="0" anchor="ctr"/>
+          <a:lstStyle/>
+          <a:p>
+            <a:pPr algn="ctr"/>
+            <a:endParaRPr lang="zh-TW" altLang="en-US"/>
+          </a:p>
+        </p:txBody>
+      </p:sp>
+      <p:sp>
+        <p:nvSpPr>
+          <p:cNvPr id="3" name="矩形 2"/>
+          <p:cNvSpPr/>
+          <p:nvPr/>
+        </p:nvSpPr>
+        <p:spPr>
+          <a:xfrm>
+            <a:off x="5788270" y="2004619"/>
+            <a:ext cx="1091966" cy="369332"/>
+          </a:xfrm>
+          <a:prstGeom prst="rect">
+            <a:avLst/>
+          </a:prstGeom>
+        </p:spPr>
+        <p:txBody>
+          <a:bodyPr wrap="none">
+            <a:spAutoFit/>
+          </a:bodyPr>
+          <a:lstStyle/>
+          <a:p>
+            <a:r>
+              <a:rPr lang="en-US" altLang="zh-TW" b="1" dirty="0" smtClean="0"/>
+              <a:t>K-Means:</a:t>
+            </a:r>
+            <a:endParaRPr lang="zh-TW" altLang="en-US" b="1" dirty="0"/>
+          </a:p>
+        </p:txBody>
+      </p:sp>
+      <p:sp>
+        <p:nvSpPr>
+          <p:cNvPr id="7" name="矩形 6"/>
+          <p:cNvSpPr/>
+          <p:nvPr/>
+        </p:nvSpPr>
+        <p:spPr>
+          <a:xfrm>
+            <a:off x="6060832" y="2705439"/>
+            <a:ext cx="2392130" cy="369332"/>
+          </a:xfrm>
+          <a:prstGeom prst="rect">
+            <a:avLst/>
+          </a:prstGeom>
+          <a:ln>
+            <a:solidFill>
+              <a:schemeClr val="tx1">
+                <a:lumMod val="95000"/>
+              </a:schemeClr>
+            </a:solidFill>
+          </a:ln>
+        </p:spPr>
+        <p:txBody>
+          <a:bodyPr wrap="none">
+            <a:spAutoFit/>
+          </a:bodyPr>
+          <a:lstStyle/>
+          <a:p>
+            <a:r>
+              <a:rPr lang="zh-TW" altLang="en-US" dirty="0" smtClean="0"/>
+              <a:t>kmeans (dist</a:t>
+            </a:r>
+            <a:r>
+              <a:rPr lang="zh-TW" altLang="en-US" dirty="0"/>
+              <a:t>_matrix, </a:t>
+            </a:r>
+            <a:r>
+              <a:rPr lang="en-US" altLang="zh-TW" dirty="0" smtClean="0"/>
+              <a:t>K</a:t>
+            </a:r>
+            <a:r>
+              <a:rPr lang="zh-TW" altLang="en-US" dirty="0" smtClean="0"/>
+              <a:t>)</a:t>
+            </a:r>
+            <a:endParaRPr lang="zh-TW" altLang="en-US" dirty="0"/>
+          </a:p>
+        </p:txBody>
+      </p:sp>
+      <p:sp>
+        <p:nvSpPr>
+          <p:cNvPr id="8" name="矩形 7"/>
+          <p:cNvSpPr/>
+          <p:nvPr/>
+        </p:nvSpPr>
+        <p:spPr>
+          <a:xfrm>
+            <a:off x="5788270" y="3750622"/>
+            <a:ext cx="1428533" cy="369332"/>
+          </a:xfrm>
+          <a:prstGeom prst="rect">
+            <a:avLst/>
+          </a:prstGeom>
+        </p:spPr>
+        <p:txBody>
+          <a:bodyPr wrap="none">
+            <a:spAutoFit/>
+          </a:bodyPr>
+          <a:lstStyle/>
+          <a:p>
+            <a:r>
+              <a:rPr lang="en-US" altLang="zh-TW" b="1" dirty="0" smtClean="0"/>
+              <a:t>Hierarchical:</a:t>
+            </a:r>
+            <a:endParaRPr lang="zh-TW" altLang="en-US" b="1" dirty="0"/>
+          </a:p>
+        </p:txBody>
+      </p:sp>
+      <p:sp>
+        <p:nvSpPr>
+          <p:cNvPr id="9" name="矩形 8"/>
+          <p:cNvSpPr/>
+          <p:nvPr/>
+        </p:nvSpPr>
+        <p:spPr>
+          <a:xfrm>
+            <a:off x="6060832" y="4451442"/>
+            <a:ext cx="3988849" cy="369332"/>
+          </a:xfrm>
+          <a:prstGeom prst="rect">
+            <a:avLst/>
+          </a:prstGeom>
+          <a:ln>
+            <a:solidFill>
+              <a:schemeClr val="tx1">
+                <a:lumMod val="95000"/>
+              </a:schemeClr>
+            </a:solidFill>
+          </a:ln>
+        </p:spPr>
+        <p:txBody>
+          <a:bodyPr wrap="none">
+            <a:spAutoFit/>
+          </a:bodyPr>
+          <a:lstStyle/>
+          <a:p>
+            <a:r>
+              <a:rPr lang="zh-TW" altLang="en-US" dirty="0"/>
+              <a:t>hclust(dist_matrix, method = "ward.D2")</a:t>
+            </a:r>
+          </a:p>
+        </p:txBody>
+      </p:sp>
+    </p:spTree>
+    <p:extLst>
+      <p:ext uri="{BB962C8B-B14F-4D97-AF65-F5344CB8AC3E}">
+        <p14:creationId xmlns:p14="http://schemas.microsoft.com/office/powerpoint/2010/main" val="1725010587"/>
+      </p:ext>
+    </p:extLst>
+  </p:cSld>
+  <p:clrMapOvr>
+    <a:masterClrMapping/>
+  </p:clrMapOvr>
+</p:sld>
+</file>
+
+<file path=ppt/slides/slide16.xml><?xml version="1.0" encoding="utf-8"?>
+<p:sld xmlns:a="http://schemas.openxmlformats.org/drawingml/2006/main" xmlns:r="http://schemas.openxmlformats.org/officeDocument/2006/relationships" xmlns:p="http://schemas.openxmlformats.org/presentationml/2006/main">
+  <p:cSld>
+    <p:spTree>
+      <p:nvGrpSpPr>
+        <p:cNvPr id="1" name=""/>
+        <p:cNvGrpSpPr/>
+        <p:nvPr/>
+      </p:nvGrpSpPr>
+      <p:grpSpPr>
+        <a:xfrm>
+          <a:off x="0" y="0"/>
+          <a:ext cx="0" cy="0"/>
+          <a:chOff x="0" y="0"/>
+          <a:chExt cx="0" cy="0"/>
+        </a:xfrm>
+      </p:grpSpPr>
+      <p:sp>
+        <p:nvSpPr>
+          <p:cNvPr id="4" name="標題 3"/>
+          <p:cNvSpPr>
+            <a:spLocks noGrp="1"/>
+          </p:cNvSpPr>
+          <p:nvPr>
+            <p:ph type="title"/>
+          </p:nvPr>
+        </p:nvSpPr>
+        <p:spPr>
+          <a:xfrm>
+            <a:off x="530470" y="162902"/>
+            <a:ext cx="10515600" cy="1325563"/>
+          </a:xfrm>
+        </p:spPr>
+        <p:txBody>
+          <a:bodyPr/>
+          <a:lstStyle/>
+          <a:p>
+            <a:r>
+              <a:rPr lang="en-US" altLang="zh-TW" dirty="0" smtClean="0"/>
+              <a:t>Programming Flow</a:t>
+            </a:r>
+            <a:endParaRPr lang="zh-TW" altLang="en-US" dirty="0"/>
+          </a:p>
+        </p:txBody>
+      </p:sp>
+      <p:sp>
+        <p:nvSpPr>
+          <p:cNvPr id="5" name="矩形 4"/>
+          <p:cNvSpPr/>
+          <p:nvPr/>
+        </p:nvSpPr>
+        <p:spPr>
+          <a:xfrm>
+            <a:off x="761999" y="1488465"/>
+            <a:ext cx="4469423" cy="4524315"/>
+          </a:xfrm>
+          <a:prstGeom prst="rect">
+            <a:avLst/>
+          </a:prstGeom>
+        </p:spPr>
+        <p:txBody>
+          <a:bodyPr wrap="square">
+            <a:spAutoFit/>
+          </a:bodyPr>
+          <a:lstStyle/>
+          <a:p>
+            <a:pPr marL="342900" indent="-342900">
+              <a:lnSpc>
+                <a:spcPct val="200000"/>
+              </a:lnSpc>
+              <a:buFont typeface="+mj-lt"/>
+              <a:buAutoNum type="arabicPeriod"/>
+            </a:pPr>
+            <a:r>
+              <a:rPr lang="en-US" altLang="zh-TW" sz="1600" dirty="0" smtClean="0"/>
+              <a:t>Load </a:t>
+            </a:r>
+            <a:r>
+              <a:rPr lang="en-US" altLang="zh-TW" sz="1600" dirty="0"/>
+              <a:t>dataset</a:t>
+            </a:r>
+          </a:p>
+          <a:p>
+            <a:pPr marL="342900" indent="-342900">
+              <a:lnSpc>
+                <a:spcPct val="200000"/>
+              </a:lnSpc>
+              <a:buFont typeface="+mj-lt"/>
+              <a:buAutoNum type="arabicPeriod"/>
+            </a:pPr>
+            <a:r>
+              <a:rPr lang="en-US" altLang="zh-TW" sz="1600" dirty="0" smtClean="0"/>
+              <a:t>Data preprocessing</a:t>
+            </a:r>
+          </a:p>
+          <a:p>
+            <a:pPr marL="800100" lvl="1" indent="-342900">
+              <a:lnSpc>
+                <a:spcPct val="200000"/>
+              </a:lnSpc>
+              <a:buFont typeface="Arial" panose="020B0604020202020204" pitchFamily="34" charset="0"/>
+              <a:buChar char="•"/>
+            </a:pPr>
+            <a:r>
+              <a:rPr lang="en-US" altLang="zh-TW" sz="1600" dirty="0"/>
+              <a:t>R</a:t>
+            </a:r>
+            <a:r>
+              <a:rPr lang="en-US" altLang="zh-TW" sz="1600" dirty="0" smtClean="0"/>
+              <a:t>emove </a:t>
+            </a:r>
+            <a:r>
+              <a:rPr lang="en-US" altLang="zh-TW" sz="1600" dirty="0" err="1"/>
+              <a:t>stopwords</a:t>
+            </a:r>
+            <a:endParaRPr lang="en-US" altLang="zh-TW" sz="1600" dirty="0"/>
+          </a:p>
+          <a:p>
+            <a:pPr marL="800100" lvl="1" indent="-342900">
+              <a:lnSpc>
+                <a:spcPct val="200000"/>
+              </a:lnSpc>
+              <a:buFont typeface="Arial" panose="020B0604020202020204" pitchFamily="34" charset="0"/>
+              <a:buChar char="•"/>
+            </a:pPr>
+            <a:r>
+              <a:rPr lang="en-US" altLang="zh-TW" sz="1600" dirty="0" smtClean="0"/>
+              <a:t>Do </a:t>
+            </a:r>
+            <a:r>
+              <a:rPr lang="en-US" altLang="zh-TW" sz="1600" dirty="0"/>
+              <a:t>word stemming</a:t>
+            </a:r>
+          </a:p>
+          <a:p>
+            <a:pPr marL="800100" lvl="1" indent="-342900">
+              <a:lnSpc>
+                <a:spcPct val="200000"/>
+              </a:lnSpc>
+              <a:buFont typeface="Arial" panose="020B0604020202020204" pitchFamily="34" charset="0"/>
+              <a:buChar char="•"/>
+            </a:pPr>
+            <a:r>
+              <a:rPr lang="en-US" altLang="zh-TW" sz="1600" dirty="0" smtClean="0"/>
+              <a:t>Trim excessive whitespace</a:t>
+            </a:r>
+            <a:endParaRPr lang="en-US" altLang="zh-TW" sz="1600" dirty="0"/>
+          </a:p>
+          <a:p>
+            <a:pPr marL="342900" indent="-342900">
+              <a:lnSpc>
+                <a:spcPct val="200000"/>
+              </a:lnSpc>
+              <a:buFont typeface="+mj-lt"/>
+              <a:buAutoNum type="arabicPeriod"/>
+            </a:pPr>
+            <a:r>
+              <a:rPr lang="en-US" altLang="zh-TW" sz="1600" dirty="0" smtClean="0"/>
+              <a:t>Create </a:t>
+            </a:r>
+            <a:r>
+              <a:rPr lang="en-US" altLang="zh-TW" sz="1600" dirty="0"/>
+              <a:t>document-term matrix</a:t>
+            </a:r>
+          </a:p>
+          <a:p>
+            <a:pPr marL="342900" indent="-342900">
+              <a:lnSpc>
+                <a:spcPct val="200000"/>
+              </a:lnSpc>
+              <a:buFont typeface="+mj-lt"/>
+              <a:buAutoNum type="arabicPeriod"/>
+            </a:pPr>
+            <a:r>
+              <a:rPr lang="en-US" altLang="zh-TW" sz="1600" dirty="0" smtClean="0"/>
+              <a:t>Calculate </a:t>
+            </a:r>
+            <a:r>
+              <a:rPr lang="en-US" altLang="zh-TW" sz="1600" dirty="0"/>
+              <a:t>similarity </a:t>
+            </a:r>
+            <a:r>
+              <a:rPr lang="en-US" altLang="zh-TW" sz="1600" dirty="0" smtClean="0"/>
+              <a:t>between documents</a:t>
+            </a:r>
+            <a:endParaRPr lang="en-US" altLang="zh-TW" sz="1600" dirty="0"/>
+          </a:p>
+          <a:p>
+            <a:pPr marL="342900" indent="-342900">
+              <a:lnSpc>
+                <a:spcPct val="200000"/>
+              </a:lnSpc>
+              <a:buFont typeface="+mj-lt"/>
+              <a:buAutoNum type="arabicPeriod"/>
+            </a:pPr>
+            <a:r>
+              <a:rPr lang="en-US" altLang="zh-TW" sz="1600" dirty="0" smtClean="0"/>
+              <a:t>Execute </a:t>
+            </a:r>
+            <a:r>
+              <a:rPr lang="en-US" altLang="zh-TW" sz="1600" dirty="0"/>
+              <a:t>clustering algorithm</a:t>
+            </a:r>
+          </a:p>
+          <a:p>
+            <a:pPr marL="342900" indent="-342900">
+              <a:lnSpc>
+                <a:spcPct val="200000"/>
+              </a:lnSpc>
+              <a:buFont typeface="+mj-lt"/>
+              <a:buAutoNum type="arabicPeriod"/>
+            </a:pPr>
+            <a:r>
+              <a:rPr lang="en-US" altLang="zh-TW" sz="1600" dirty="0" smtClean="0">
+                <a:solidFill>
+                  <a:srgbClr val="FFC000"/>
+                </a:solidFill>
+              </a:rPr>
+              <a:t>Visualize </a:t>
+            </a:r>
+            <a:r>
+              <a:rPr lang="en-US" altLang="zh-TW" sz="1600" dirty="0">
+                <a:solidFill>
+                  <a:srgbClr val="FFC000"/>
+                </a:solidFill>
+              </a:rPr>
+              <a:t>clusters</a:t>
+            </a:r>
+          </a:p>
+        </p:txBody>
+      </p:sp>
+      <p:sp>
+        <p:nvSpPr>
+          <p:cNvPr id="6" name="左大括弧 5"/>
+          <p:cNvSpPr/>
+          <p:nvPr/>
+        </p:nvSpPr>
+        <p:spPr>
+          <a:xfrm>
+            <a:off x="4888523" y="362539"/>
+            <a:ext cx="458664" cy="5581248"/>
+          </a:xfrm>
+          <a:prstGeom prst="leftBrace">
+            <a:avLst>
+              <a:gd name="adj1" fmla="val 8333"/>
+              <a:gd name="adj2" fmla="val 95847"/>
+            </a:avLst>
+          </a:prstGeom>
+        </p:spPr>
+        <p:style>
+          <a:lnRef idx="1">
+            <a:schemeClr val="accent4"/>
+          </a:lnRef>
+          <a:fillRef idx="0">
+            <a:schemeClr val="accent4"/>
+          </a:fillRef>
+          <a:effectRef idx="0">
+            <a:schemeClr val="accent4"/>
+          </a:effectRef>
+          <a:fontRef idx="minor">
+            <a:schemeClr val="tx1"/>
+          </a:fontRef>
+        </p:style>
+        <p:txBody>
+          <a:bodyPr rtlCol="0" anchor="ctr"/>
+          <a:lstStyle/>
+          <a:p>
+            <a:pPr algn="ctr"/>
+            <a:endParaRPr lang="zh-TW" altLang="en-US"/>
+          </a:p>
+        </p:txBody>
+      </p:sp>
+      <p:pic>
+        <p:nvPicPr>
+          <p:cNvPr id="3" name="圖片 2"/>
+          <p:cNvPicPr>
+            <a:picLocks noChangeAspect="1"/>
+          </p:cNvPicPr>
+          <p:nvPr/>
+        </p:nvPicPr>
+        <p:blipFill>
+          <a:blip r:embed="rId2"/>
+          <a:stretch>
+            <a:fillRect/>
+          </a:stretch>
+        </p:blipFill>
+        <p:spPr>
+          <a:xfrm>
+            <a:off x="5862719" y="559999"/>
+            <a:ext cx="3949496" cy="2593164"/>
+          </a:xfrm>
+          <a:prstGeom prst="rect">
+            <a:avLst/>
+          </a:prstGeom>
+        </p:spPr>
+      </p:pic>
+      <p:pic>
+        <p:nvPicPr>
+          <p:cNvPr id="7" name="圖片 6"/>
+          <p:cNvPicPr>
+            <a:picLocks noChangeAspect="1"/>
+          </p:cNvPicPr>
+          <p:nvPr/>
+        </p:nvPicPr>
+        <p:blipFill>
+          <a:blip r:embed="rId3"/>
+          <a:stretch>
+            <a:fillRect/>
+          </a:stretch>
+        </p:blipFill>
+        <p:spPr>
+          <a:xfrm>
+            <a:off x="5862719" y="3491056"/>
+            <a:ext cx="4983393" cy="3061740"/>
+          </a:xfrm>
+          <a:prstGeom prst="rect">
+            <a:avLst/>
+          </a:prstGeom>
+        </p:spPr>
+      </p:pic>
+    </p:spTree>
+    <p:extLst>
+      <p:ext uri="{BB962C8B-B14F-4D97-AF65-F5344CB8AC3E}">
+        <p14:creationId xmlns:p14="http://schemas.microsoft.com/office/powerpoint/2010/main" val="930057636"/>
+      </p:ext>
+    </p:extLst>
+  </p:cSld>
+  <p:clrMapOvr>
+    <a:masterClrMapping/>
+  </p:clrMapOvr>
+</p:sld>
+</file>
+
+<file path=ppt/slides/slide17.xml><?xml version="1.0" encoding="utf-8"?>
+<p:sld xmlns:a="http://schemas.openxmlformats.org/drawingml/2006/main" xmlns:r="http://schemas.openxmlformats.org/officeDocument/2006/relationships" xmlns:p="http://schemas.openxmlformats.org/presentationml/2006/main">
+  <p:cSld>
+    <p:spTree>
+      <p:nvGrpSpPr>
+        <p:cNvPr id="1" name=""/>
+        <p:cNvGrpSpPr/>
+        <p:nvPr/>
+      </p:nvGrpSpPr>
+      <p:grpSpPr>
+        <a:xfrm>
+          <a:off x="0" y="0"/>
+          <a:ext cx="0" cy="0"/>
+          <a:chOff x="0" y="0"/>
+          <a:chExt cx="0" cy="0"/>
+        </a:xfrm>
+      </p:grpSpPr>
+      <p:sp>
+        <p:nvSpPr>
+          <p:cNvPr id="4" name="標題 3"/>
+          <p:cNvSpPr>
+            <a:spLocks noGrp="1"/>
+          </p:cNvSpPr>
+          <p:nvPr>
+            <p:ph type="title"/>
+          </p:nvPr>
+        </p:nvSpPr>
+        <p:spPr>
+          <a:xfrm>
+            <a:off x="530470" y="162902"/>
+            <a:ext cx="10515600" cy="1325563"/>
+          </a:xfrm>
+        </p:spPr>
+        <p:txBody>
+          <a:bodyPr/>
+          <a:lstStyle/>
+          <a:p>
+            <a:r>
+              <a:rPr lang="en-US" altLang="zh-TW" dirty="0" smtClean="0"/>
+              <a:t>Run by </a:t>
+            </a:r>
+            <a:r>
+              <a:rPr lang="en-US" altLang="zh-TW" dirty="0"/>
+              <a:t>Y</a:t>
+            </a:r>
+            <a:r>
+              <a:rPr lang="en-US" altLang="zh-TW" dirty="0" smtClean="0"/>
+              <a:t>ourself</a:t>
+            </a:r>
+            <a:endParaRPr lang="zh-TW" altLang="en-US" dirty="0"/>
+          </a:p>
+        </p:txBody>
+      </p:sp>
+      <p:sp>
+        <p:nvSpPr>
+          <p:cNvPr id="5" name="內容版面配置區 4"/>
+          <p:cNvSpPr>
+            <a:spLocks noGrp="1"/>
+          </p:cNvSpPr>
+          <p:nvPr>
+            <p:ph idx="1"/>
+          </p:nvPr>
+        </p:nvSpPr>
+        <p:spPr>
+          <a:xfrm>
+            <a:off x="838200" y="1825625"/>
+            <a:ext cx="10515600" cy="3001352"/>
+          </a:xfrm>
+        </p:spPr>
+        <p:txBody>
+          <a:bodyPr/>
+          <a:lstStyle/>
+          <a:p>
+            <a:pPr marL="0" indent="0">
+              <a:lnSpc>
+                <a:spcPct val="150000"/>
+              </a:lnSpc>
+              <a:buNone/>
+            </a:pPr>
+            <a:r>
+              <a:rPr lang="en-US" altLang="zh-TW" dirty="0" smtClean="0"/>
+              <a:t>Download Dataset (.csv</a:t>
+            </a:r>
+            <a:r>
+              <a:rPr lang="en-US" altLang="zh-TW" dirty="0"/>
+              <a:t>): </a:t>
+            </a:r>
+            <a:r>
+              <a:rPr lang="en-US" altLang="zh-TW" sz="4000" dirty="0">
+                <a:solidFill>
+                  <a:srgbClr val="FFC000"/>
+                </a:solidFill>
+              </a:rPr>
+              <a:t>https://reurl.cc/D6Mr3m</a:t>
+            </a:r>
+            <a:endParaRPr lang="en-US" altLang="zh-TW" sz="4000" dirty="0" smtClean="0">
+              <a:solidFill>
+                <a:srgbClr val="FFC000"/>
+              </a:solidFill>
+            </a:endParaRPr>
+          </a:p>
+          <a:p>
+            <a:pPr marL="0" indent="0">
+              <a:lnSpc>
+                <a:spcPct val="150000"/>
+              </a:lnSpc>
+              <a:buNone/>
+            </a:pPr>
+            <a:r>
+              <a:rPr lang="en-US" altLang="zh-TW" dirty="0" smtClean="0"/>
+              <a:t>Download R Markdown</a:t>
+            </a:r>
+            <a:r>
+              <a:rPr lang="en-US" altLang="zh-TW" dirty="0"/>
+              <a:t>: </a:t>
+            </a:r>
+            <a:r>
+              <a:rPr lang="en-US" altLang="zh-TW" sz="4000" dirty="0">
+                <a:solidFill>
+                  <a:srgbClr val="FFC000"/>
+                </a:solidFill>
+              </a:rPr>
+              <a:t>https://reurl.cc/m9bKoj</a:t>
+            </a:r>
+            <a:endParaRPr lang="zh-TW" altLang="en-US" dirty="0">
+              <a:solidFill>
+                <a:srgbClr val="FFC000"/>
+              </a:solidFill>
+            </a:endParaRPr>
+          </a:p>
+        </p:txBody>
+      </p:sp>
+    </p:spTree>
+    <p:extLst>
+      <p:ext uri="{BB962C8B-B14F-4D97-AF65-F5344CB8AC3E}">
+        <p14:creationId xmlns:p14="http://schemas.microsoft.com/office/powerpoint/2010/main" val="932351594"/>
+      </p:ext>
+    </p:extLst>
+  </p:cSld>
+  <p:clrMapOvr>
+    <a:masterClrMapping/>
+  </p:clrMapOvr>
+</p:sld>
+</file>
+
+<file path=ppt/slides/slide18.xml><?xml version="1.0" encoding="utf-8"?>
+<p:sld xmlns:a="http://schemas.openxmlformats.org/drawingml/2006/main" xmlns:r="http://schemas.openxmlformats.org/officeDocument/2006/relationships" xmlns:p="http://schemas.openxmlformats.org/presentationml/2006/main">
+  <p:cSld>
+    <p:spTree>
+      <p:nvGrpSpPr>
+        <p:cNvPr id="1" name=""/>
+        <p:cNvGrpSpPr/>
+        <p:nvPr/>
+      </p:nvGrpSpPr>
+      <p:grpSpPr>
+        <a:xfrm>
+          <a:off x="0" y="0"/>
+          <a:ext cx="0" cy="0"/>
+          <a:chOff x="0" y="0"/>
+          <a:chExt cx="0" cy="0"/>
+        </a:xfrm>
+      </p:grpSpPr>
+      <p:sp>
+        <p:nvSpPr>
+          <p:cNvPr id="4" name="標題 3"/>
+          <p:cNvSpPr>
+            <a:spLocks noGrp="1"/>
+          </p:cNvSpPr>
+          <p:nvPr>
+            <p:ph type="title"/>
+          </p:nvPr>
+        </p:nvSpPr>
+        <p:spPr>
+          <a:xfrm>
+            <a:off x="530470" y="162902"/>
+            <a:ext cx="10515600" cy="1325563"/>
+          </a:xfrm>
+        </p:spPr>
+        <p:txBody>
+          <a:bodyPr/>
+          <a:lstStyle/>
+          <a:p>
+            <a:r>
+              <a:rPr lang="en-US" altLang="zh-TW" dirty="0" smtClean="0"/>
+              <a:t>Follow-Up: TF-based Methods </a:t>
+            </a:r>
+            <a:r>
+              <a:rPr lang="en-US" altLang="zh-TW" dirty="0"/>
+              <a:t>Limitation</a:t>
+            </a:r>
+            <a:endParaRPr lang="zh-TW" altLang="en-US" dirty="0"/>
+          </a:p>
+        </p:txBody>
+      </p:sp>
+      <p:sp>
+        <p:nvSpPr>
+          <p:cNvPr id="5" name="內容版面配置區 4"/>
+          <p:cNvSpPr>
+            <a:spLocks noGrp="1"/>
+          </p:cNvSpPr>
+          <p:nvPr>
+            <p:ph idx="1"/>
+          </p:nvPr>
+        </p:nvSpPr>
+        <p:spPr>
+          <a:xfrm>
+            <a:off x="838200" y="1825625"/>
+            <a:ext cx="10515600" cy="3001352"/>
+          </a:xfrm>
+        </p:spPr>
+        <p:txBody>
+          <a:bodyPr>
+            <a:normAutofit fontScale="92500" lnSpcReduction="10000"/>
+          </a:bodyPr>
+          <a:lstStyle/>
+          <a:p>
+            <a:pPr marL="0" indent="0">
+              <a:lnSpc>
+                <a:spcPct val="150000"/>
+              </a:lnSpc>
+              <a:buNone/>
+            </a:pPr>
+            <a:r>
+              <a:rPr lang="en-US" altLang="zh-TW" dirty="0" smtClean="0"/>
+              <a:t>They cannot capture the </a:t>
+            </a:r>
+            <a:r>
+              <a:rPr lang="en-US" altLang="zh-TW" dirty="0" smtClean="0">
+                <a:solidFill>
+                  <a:srgbClr val="FFC000"/>
+                </a:solidFill>
+              </a:rPr>
+              <a:t>context</a:t>
+            </a:r>
+            <a:r>
+              <a:rPr lang="en-US" altLang="zh-TW" dirty="0" smtClean="0"/>
+              <a:t> of words, for example:</a:t>
+            </a:r>
+          </a:p>
+          <a:p>
+            <a:pPr lvl="1">
+              <a:lnSpc>
+                <a:spcPct val="150000"/>
+              </a:lnSpc>
+            </a:pPr>
+            <a:r>
+              <a:rPr lang="en-US" altLang="zh-TW" dirty="0" smtClean="0"/>
+              <a:t>“cat, dog, rabbit, bird” are all animals (or pets)</a:t>
+            </a:r>
+          </a:p>
+          <a:p>
+            <a:pPr lvl="1">
+              <a:lnSpc>
+                <a:spcPct val="150000"/>
+              </a:lnSpc>
+            </a:pPr>
+            <a:r>
+              <a:rPr lang="en-US" altLang="zh-TW" dirty="0" smtClean="0"/>
+              <a:t>“excellent, good, marvelous, awesome” are the same meaning</a:t>
+            </a:r>
+          </a:p>
+          <a:p>
+            <a:pPr marL="0" indent="0">
+              <a:lnSpc>
+                <a:spcPct val="150000"/>
+              </a:lnSpc>
+              <a:buNone/>
+            </a:pPr>
+            <a:r>
+              <a:rPr lang="en-US" altLang="zh-TW" dirty="0" smtClean="0"/>
+              <a:t>They cannot capture the </a:t>
+            </a:r>
+            <a:r>
+              <a:rPr lang="en-US" altLang="zh-TW" dirty="0" smtClean="0">
+                <a:solidFill>
+                  <a:srgbClr val="FFC000"/>
+                </a:solidFill>
+              </a:rPr>
+              <a:t>context of ordered words</a:t>
+            </a:r>
+            <a:r>
+              <a:rPr lang="en-US" altLang="zh-TW" dirty="0" smtClean="0"/>
+              <a:t>, for example:</a:t>
+            </a:r>
+          </a:p>
+          <a:p>
+            <a:pPr lvl="1">
+              <a:lnSpc>
+                <a:spcPct val="150000"/>
+              </a:lnSpc>
+            </a:pPr>
+            <a:r>
+              <a:rPr lang="en-US" altLang="zh-TW" dirty="0" smtClean="0"/>
+              <a:t>“be happy, not to be worried” vs. “be worried, not to be happy”</a:t>
+            </a:r>
+            <a:endParaRPr lang="zh-TW" altLang="en-US" dirty="0"/>
+          </a:p>
+        </p:txBody>
+      </p:sp>
+      <p:sp>
+        <p:nvSpPr>
+          <p:cNvPr id="2" name="矩形 1"/>
+          <p:cNvSpPr/>
+          <p:nvPr/>
+        </p:nvSpPr>
+        <p:spPr>
+          <a:xfrm>
+            <a:off x="838200" y="5407241"/>
+            <a:ext cx="7731475" cy="369332"/>
+          </a:xfrm>
+          <a:prstGeom prst="rect">
+            <a:avLst/>
+          </a:prstGeom>
+        </p:spPr>
+        <p:txBody>
+          <a:bodyPr wrap="none">
+            <a:spAutoFit/>
+          </a:bodyPr>
+          <a:lstStyle/>
+          <a:p>
+            <a:r>
+              <a:rPr lang="en-US" altLang="zh-TW" dirty="0" smtClean="0"/>
+              <a:t>keywords of solution: </a:t>
+            </a:r>
+            <a:r>
+              <a:rPr lang="en-US" altLang="zh-TW" i="1" u="sng" dirty="0" smtClean="0"/>
+              <a:t>word embedding</a:t>
+            </a:r>
+            <a:r>
+              <a:rPr lang="en-US" altLang="zh-TW" dirty="0" smtClean="0"/>
+              <a:t>, </a:t>
+            </a:r>
+            <a:r>
+              <a:rPr lang="en-US" altLang="zh-TW" i="1" u="sng" dirty="0" smtClean="0"/>
+              <a:t>recurrent neural network</a:t>
+            </a:r>
+            <a:r>
+              <a:rPr lang="en-US" altLang="zh-TW" dirty="0" smtClean="0"/>
+              <a:t>, </a:t>
+            </a:r>
+            <a:r>
+              <a:rPr lang="en-US" altLang="zh-TW" i="1" u="sng" dirty="0" smtClean="0"/>
+              <a:t>deep learning</a:t>
+            </a:r>
+            <a:endParaRPr lang="zh-TW" altLang="en-US" i="1" u="sng" dirty="0"/>
+          </a:p>
+        </p:txBody>
+      </p:sp>
+    </p:spTree>
+    <p:extLst>
+      <p:ext uri="{BB962C8B-B14F-4D97-AF65-F5344CB8AC3E}">
+        <p14:creationId xmlns:p14="http://schemas.microsoft.com/office/powerpoint/2010/main" val="1807084597"/>
+      </p:ext>
+    </p:extLst>
+  </p:cSld>
+  <p:clrMapOvr>
+    <a:masterClrMapping/>
+  </p:clrMapOvr>
+</p:sld>
+</file>
+
+<file path=ppt/slides/slide19.xml><?xml version="1.0" encoding="utf-8"?>
+<p:sld xmlns:a="http://schemas.openxmlformats.org/drawingml/2006/main" xmlns:r="http://schemas.openxmlformats.org/officeDocument/2006/relationships" xmlns:p="http://schemas.openxmlformats.org/presentationml/2006/main">
+  <p:cSld>
+    <p:spTree>
+      <p:nvGrpSpPr>
+        <p:cNvPr id="1" name=""/>
+        <p:cNvGrpSpPr/>
+        <p:nvPr/>
+      </p:nvGrpSpPr>
+      <p:grpSpPr>
+        <a:xfrm>
+          <a:off x="0" y="0"/>
+          <a:ext cx="0" cy="0"/>
+          <a:chOff x="0" y="0"/>
+          <a:chExt cx="0" cy="0"/>
+        </a:xfrm>
+      </p:grpSpPr>
+      <p:sp>
+        <p:nvSpPr>
+          <p:cNvPr id="4" name="標題 3"/>
+          <p:cNvSpPr>
+            <a:spLocks noGrp="1"/>
+          </p:cNvSpPr>
+          <p:nvPr>
+            <p:ph type="title"/>
+          </p:nvPr>
+        </p:nvSpPr>
+        <p:spPr>
+          <a:xfrm>
+            <a:off x="580715" y="137775"/>
+            <a:ext cx="10515600" cy="1325563"/>
+          </a:xfrm>
+        </p:spPr>
+        <p:txBody>
+          <a:bodyPr/>
+          <a:lstStyle/>
+          <a:p>
+            <a:r>
+              <a:rPr lang="en-US" altLang="zh-TW" dirty="0" smtClean="0"/>
+              <a:t>Reference</a:t>
+            </a:r>
+            <a:endParaRPr lang="zh-TW" altLang="en-US" dirty="0"/>
+          </a:p>
+        </p:txBody>
+      </p:sp>
+      <p:sp>
+        <p:nvSpPr>
+          <p:cNvPr id="2" name="內容版面配置區 1"/>
+          <p:cNvSpPr>
+            <a:spLocks noGrp="1"/>
+          </p:cNvSpPr>
+          <p:nvPr>
+            <p:ph idx="1"/>
+          </p:nvPr>
+        </p:nvSpPr>
         <p:spPr/>
+        <p:txBody>
+          <a:bodyPr>
+            <a:normAutofit lnSpcReduction="10000"/>
+          </a:bodyPr>
+          <a:lstStyle/>
+          <a:p>
+            <a:pPr>
+              <a:lnSpc>
+                <a:spcPct val="125000"/>
+              </a:lnSpc>
+            </a:pPr>
+            <a:r>
+              <a:rPr lang="zh-TW" altLang="en-US" dirty="0" smtClean="0">
+                <a:latin typeface="微軟正黑體" panose="020B0604030504040204" pitchFamily="34" charset="-120"/>
+                <a:ea typeface="微軟正黑體" panose="020B0604030504040204" pitchFamily="34" charset="-120"/>
+              </a:rPr>
+              <a:t>機器學習</a:t>
+            </a:r>
+            <a:r>
+              <a:rPr lang="en-US" altLang="zh-TW" dirty="0" smtClean="0">
+                <a:latin typeface="微軟正黑體" panose="020B0604030504040204" pitchFamily="34" charset="-120"/>
+                <a:ea typeface="微軟正黑體" panose="020B0604030504040204" pitchFamily="34" charset="-120"/>
+              </a:rPr>
+              <a:t>:</a:t>
+            </a:r>
+            <a:r>
+              <a:rPr lang="zh-TW" altLang="en-US" dirty="0" smtClean="0">
+                <a:latin typeface="微軟正黑體" panose="020B0604030504040204" pitchFamily="34" charset="-120"/>
+                <a:ea typeface="微軟正黑體" panose="020B0604030504040204" pitchFamily="34" charset="-120"/>
+              </a:rPr>
+              <a:t> 集群分析 </a:t>
+            </a:r>
+            <a:r>
+              <a:rPr lang="en-US" altLang="zh-TW" dirty="0" smtClean="0">
+                <a:latin typeface="微軟正黑體" panose="020B0604030504040204" pitchFamily="34" charset="-120"/>
+                <a:ea typeface="微軟正黑體" panose="020B0604030504040204" pitchFamily="34" charset="-120"/>
+              </a:rPr>
+              <a:t>K-means Clustering</a:t>
+            </a:r>
+          </a:p>
+          <a:p>
+            <a:pPr lvl="1">
+              <a:lnSpc>
+                <a:spcPct val="125000"/>
+              </a:lnSpc>
+            </a:pPr>
+            <a:r>
+              <a:rPr lang="en-US" altLang="zh-TW" sz="1500" dirty="0">
+                <a:latin typeface="微軟正黑體" panose="020B0604030504040204" pitchFamily="34" charset="-120"/>
+                <a:ea typeface="微軟正黑體" panose="020B0604030504040204" pitchFamily="34" charset="-120"/>
+                <a:hlinkClick r:id="rId2"/>
+              </a:rPr>
+              <a:t>https://chih-sheng-huang821.medium.com/%E6%A9%9F%E5%99%A8%E5%AD%B8%E7%BF%92-%</a:t>
+            </a:r>
+            <a:r>
+              <a:rPr lang="en-US" altLang="zh-TW" sz="1500" dirty="0" smtClean="0">
+                <a:latin typeface="微軟正黑體" panose="020B0604030504040204" pitchFamily="34" charset="-120"/>
+                <a:ea typeface="微軟正黑體" panose="020B0604030504040204" pitchFamily="34" charset="-120"/>
+                <a:hlinkClick r:id="rId2"/>
+              </a:rPr>
+              <a:t>E9%9B%86%E7%BE%A4%E5%88%86%E6%9E%90-k-means-clustering-e608a7fe1b43</a:t>
+            </a:r>
+            <a:endParaRPr lang="en-US" altLang="zh-TW" sz="1500" dirty="0" smtClean="0">
+              <a:latin typeface="微軟正黑體" panose="020B0604030504040204" pitchFamily="34" charset="-120"/>
+              <a:ea typeface="微軟正黑體" panose="020B0604030504040204" pitchFamily="34" charset="-120"/>
+            </a:endParaRPr>
+          </a:p>
+          <a:p>
+            <a:pPr>
+              <a:lnSpc>
+                <a:spcPct val="125000"/>
+              </a:lnSpc>
+            </a:pPr>
+            <a:r>
+              <a:rPr lang="en-US" altLang="zh-TW" dirty="0">
+                <a:latin typeface="微軟正黑體" panose="020B0604030504040204" pitchFamily="34" charset="-120"/>
+                <a:ea typeface="微軟正黑體" panose="020B0604030504040204" pitchFamily="34" charset="-120"/>
+              </a:rPr>
+              <a:t>R</a:t>
+            </a:r>
+            <a:r>
+              <a:rPr lang="zh-TW" altLang="en-US" dirty="0">
+                <a:latin typeface="微軟正黑體" panose="020B0604030504040204" pitchFamily="34" charset="-120"/>
+                <a:ea typeface="微軟正黑體" panose="020B0604030504040204" pitchFamily="34" charset="-120"/>
+              </a:rPr>
+              <a:t>筆記</a:t>
+            </a:r>
+            <a:r>
+              <a:rPr lang="en-US" altLang="zh-TW" dirty="0">
+                <a:latin typeface="微軟正黑體" panose="020B0604030504040204" pitchFamily="34" charset="-120"/>
+                <a:ea typeface="微軟正黑體" panose="020B0604030504040204" pitchFamily="34" charset="-120"/>
+              </a:rPr>
+              <a:t>–(9)</a:t>
+            </a:r>
+            <a:r>
+              <a:rPr lang="zh-TW" altLang="en-US" dirty="0">
+                <a:latin typeface="微軟正黑體" panose="020B0604030504040204" pitchFamily="34" charset="-120"/>
+                <a:ea typeface="微軟正黑體" panose="020B0604030504040204" pitchFamily="34" charset="-120"/>
+              </a:rPr>
+              <a:t>分群分析</a:t>
+            </a:r>
+            <a:r>
+              <a:rPr lang="en-US" altLang="zh-TW" dirty="0">
+                <a:latin typeface="微軟正黑體" panose="020B0604030504040204" pitchFamily="34" charset="-120"/>
+                <a:ea typeface="微軟正黑體" panose="020B0604030504040204" pitchFamily="34" charset="-120"/>
+              </a:rPr>
+              <a:t>(Clustering)</a:t>
+            </a:r>
+          </a:p>
+          <a:p>
+            <a:pPr lvl="1">
+              <a:lnSpc>
+                <a:spcPct val="125000"/>
+              </a:lnSpc>
+            </a:pPr>
+            <a:r>
+              <a:rPr lang="en-US" altLang="zh-TW" sz="1500" dirty="0">
+                <a:latin typeface="微軟正黑體" panose="020B0604030504040204" pitchFamily="34" charset="-120"/>
+                <a:ea typeface="微軟正黑體" panose="020B0604030504040204" pitchFamily="34" charset="-120"/>
+                <a:hlinkClick r:id="rId3"/>
+              </a:rPr>
+              <a:t>https://</a:t>
+            </a:r>
+            <a:r>
+              <a:rPr lang="en-US" altLang="zh-TW" sz="1500" dirty="0" smtClean="0">
+                <a:latin typeface="微軟正黑體" panose="020B0604030504040204" pitchFamily="34" charset="-120"/>
+                <a:ea typeface="微軟正黑體" panose="020B0604030504040204" pitchFamily="34" charset="-120"/>
+                <a:hlinkClick r:id="rId3"/>
+              </a:rPr>
+              <a:t>rpubs.com/skydome20/R-Note9-Clustering</a:t>
+            </a:r>
+            <a:endParaRPr lang="en-US" altLang="zh-TW" sz="1500" dirty="0" smtClean="0">
+              <a:latin typeface="微軟正黑體" panose="020B0604030504040204" pitchFamily="34" charset="-120"/>
+              <a:ea typeface="微軟正黑體" panose="020B0604030504040204" pitchFamily="34" charset="-120"/>
+            </a:endParaRPr>
+          </a:p>
+          <a:p>
+            <a:pPr>
+              <a:lnSpc>
+                <a:spcPct val="125000"/>
+              </a:lnSpc>
+            </a:pPr>
+            <a:r>
+              <a:rPr lang="en-US" altLang="zh-TW" dirty="0">
+                <a:latin typeface="微軟正黑體" panose="020B0604030504040204" pitchFamily="34" charset="-120"/>
+                <a:ea typeface="微軟正黑體" panose="020B0604030504040204" pitchFamily="34" charset="-120"/>
+              </a:rPr>
+              <a:t>Introductory tutorial to text clustering with R</a:t>
+            </a:r>
+          </a:p>
+          <a:p>
+            <a:pPr lvl="1">
+              <a:lnSpc>
+                <a:spcPct val="125000"/>
+              </a:lnSpc>
+            </a:pPr>
+            <a:r>
+              <a:rPr lang="en-US" altLang="zh-TW" sz="1500" dirty="0">
+                <a:latin typeface="微軟正黑體" panose="020B0604030504040204" pitchFamily="34" charset="-120"/>
+                <a:ea typeface="微軟正黑體" panose="020B0604030504040204" pitchFamily="34" charset="-120"/>
+                <a:hlinkClick r:id="rId4"/>
+              </a:rPr>
+              <a:t>https://</a:t>
+            </a:r>
+            <a:r>
+              <a:rPr lang="en-US" altLang="zh-TW" sz="1500" dirty="0" smtClean="0">
+                <a:latin typeface="微軟正黑體" panose="020B0604030504040204" pitchFamily="34" charset="-120"/>
+                <a:ea typeface="微軟正黑體" panose="020B0604030504040204" pitchFamily="34" charset="-120"/>
+                <a:hlinkClick r:id="rId4"/>
+              </a:rPr>
+              <a:t>rstudio-pubs-static.s3.amazonaws.com/445820_c6663e5a79874afdae826669a9499413.html</a:t>
+            </a:r>
+            <a:endParaRPr lang="en-US" altLang="zh-TW" sz="1500" dirty="0" smtClean="0">
+              <a:latin typeface="微軟正黑體" panose="020B0604030504040204" pitchFamily="34" charset="-120"/>
+              <a:ea typeface="微軟正黑體" panose="020B0604030504040204" pitchFamily="34" charset="-120"/>
+            </a:endParaRPr>
+          </a:p>
+          <a:p>
+            <a:pPr>
+              <a:lnSpc>
+                <a:spcPct val="125000"/>
+              </a:lnSpc>
+            </a:pPr>
+            <a:r>
+              <a:rPr lang="en-US" altLang="zh-TW" dirty="0">
+                <a:latin typeface="微軟正黑體" panose="020B0604030504040204" pitchFamily="34" charset="-120"/>
+                <a:ea typeface="微軟正黑體" panose="020B0604030504040204" pitchFamily="34" charset="-120"/>
+              </a:rPr>
+              <a:t>Hierarchical Clustering (</a:t>
+            </a:r>
+            <a:r>
+              <a:rPr lang="zh-TW" altLang="en-US" dirty="0">
+                <a:latin typeface="微軟正黑體" panose="020B0604030504040204" pitchFamily="34" charset="-120"/>
+                <a:ea typeface="微軟正黑體" panose="020B0604030504040204" pitchFamily="34" charset="-120"/>
+              </a:rPr>
+              <a:t>階層式分群法</a:t>
+            </a:r>
+            <a:r>
+              <a:rPr lang="en-US" altLang="zh-TW" dirty="0">
+                <a:latin typeface="微軟正黑體" panose="020B0604030504040204" pitchFamily="34" charset="-120"/>
+                <a:ea typeface="微軟正黑體" panose="020B0604030504040204" pitchFamily="34" charset="-120"/>
+              </a:rPr>
+              <a:t>)</a:t>
+            </a:r>
+          </a:p>
+          <a:p>
+            <a:pPr lvl="1">
+              <a:lnSpc>
+                <a:spcPct val="125000"/>
+              </a:lnSpc>
+            </a:pPr>
+            <a:r>
+              <a:rPr lang="en-US" altLang="zh-TW" sz="1400" dirty="0">
+                <a:latin typeface="微軟正黑體" panose="020B0604030504040204" pitchFamily="34" charset="-120"/>
+                <a:ea typeface="微軟正黑體" panose="020B0604030504040204" pitchFamily="34" charset="-120"/>
+                <a:hlinkClick r:id="rId5"/>
+              </a:rPr>
+              <a:t>http://mirlab.org/jang/books/dcpr/dcHierClustering.asp?title=3-2%20Hierarchical%20Clustering%20(%B6%A5%BCh%A6%A1%A4%C0%B8s%AAk)&amp;</a:t>
+            </a:r>
+            <a:r>
+              <a:rPr lang="en-US" altLang="zh-TW" sz="1400" dirty="0" smtClean="0">
+                <a:latin typeface="微軟正黑體" panose="020B0604030504040204" pitchFamily="34" charset="-120"/>
+                <a:ea typeface="微軟正黑體" panose="020B0604030504040204" pitchFamily="34" charset="-120"/>
+                <a:hlinkClick r:id="rId5"/>
+              </a:rPr>
+              <a:t>language=chinese</a:t>
+            </a:r>
+            <a:endParaRPr lang="en-US" altLang="zh-TW" sz="1400" dirty="0" smtClean="0">
+              <a:latin typeface="微軟正黑體" panose="020B0604030504040204" pitchFamily="34" charset="-120"/>
+              <a:ea typeface="微軟正黑體" panose="020B0604030504040204" pitchFamily="34" charset="-120"/>
+            </a:endParaRPr>
+          </a:p>
+        </p:txBody>
+      </p:sp>
+    </p:spTree>
+    <p:extLst>
+      <p:ext uri="{BB962C8B-B14F-4D97-AF65-F5344CB8AC3E}">
+        <p14:creationId xmlns:p14="http://schemas.microsoft.com/office/powerpoint/2010/main" val="3871401571"/>
+      </p:ext>
+    </p:extLst>
+  </p:cSld>
+  <p:clrMapOvr>
+    <a:masterClrMapping/>
+  </p:clrMapOvr>
+  <p:timing>
+    <p:tnLst>
+      <p:par>
+        <p:cTn id="1" dur="indefinite" restart="never" nodeType="tmRoot"/>
+      </p:par>
+    </p:tnLst>
+  </p:timing>
+</p:sld>
+</file>
+
+<file path=ppt/slides/slide2.xml><?xml version="1.0" encoding="utf-8"?>
+<p:sld xmlns:a="http://schemas.openxmlformats.org/drawingml/2006/main" xmlns:r="http://schemas.openxmlformats.org/officeDocument/2006/relationships" xmlns:p="http://schemas.openxmlformats.org/presentationml/2006/main">
+  <p:cSld>
+    <p:spTree>
+      <p:nvGrpSpPr>
+        <p:cNvPr id="1" name=""/>
+        <p:cNvGrpSpPr/>
+        <p:nvPr/>
+      </p:nvGrpSpPr>
+      <p:grpSpPr>
+        <a:xfrm>
+          <a:off x="0" y="0"/>
+          <a:ext cx="0" cy="0"/>
+          <a:chOff x="0" y="0"/>
+          <a:chExt cx="0" cy="0"/>
+        </a:xfrm>
+      </p:grpSpPr>
+      <p:sp>
+        <p:nvSpPr>
+          <p:cNvPr id="4" name="標題 3"/>
+          <p:cNvSpPr>
+            <a:spLocks noGrp="1"/>
+          </p:cNvSpPr>
+          <p:nvPr>
+            <p:ph type="title"/>
+          </p:nvPr>
+        </p:nvSpPr>
+        <p:spPr/>
+        <p:txBody>
+          <a:bodyPr/>
+          <a:lstStyle/>
+          <a:p>
+            <a:r>
+              <a:rPr lang="en-US" altLang="zh-TW" dirty="0" smtClean="0"/>
+              <a:t>Clustering Algorithms</a:t>
+            </a:r>
+            <a:endParaRPr lang="zh-TW" altLang="en-US" dirty="0"/>
+          </a:p>
+        </p:txBody>
+      </p:sp>
+      <p:sp>
+        <p:nvSpPr>
+          <p:cNvPr id="5" name="文字版面配置區 4"/>
+          <p:cNvSpPr>
+            <a:spLocks noGrp="1"/>
+          </p:cNvSpPr>
+          <p:nvPr>
+            <p:ph type="body" idx="1"/>
+          </p:nvPr>
+        </p:nvSpPr>
+        <p:spPr/>
+        <p:txBody>
+          <a:bodyPr/>
+          <a:lstStyle/>
+          <a:p>
+            <a:r>
+              <a:rPr lang="en-US" altLang="zh-TW" dirty="0" smtClean="0"/>
+              <a:t>K-means Clustering &amp; Hierarchical Clustering</a:t>
+            </a:r>
+            <a:endParaRPr lang="zh-TW" altLang="en-US" dirty="0"/>
+          </a:p>
+        </p:txBody>
+      </p:sp>
+    </p:spTree>
+    <p:extLst>
+      <p:ext uri="{BB962C8B-B14F-4D97-AF65-F5344CB8AC3E}">
+        <p14:creationId xmlns:p14="http://schemas.microsoft.com/office/powerpoint/2010/main" val="942659516"/>
+      </p:ext>
+    </p:extLst>
+  </p:cSld>
+  <p:clrMapOvr>
+    <a:masterClrMapping/>
+  </p:clrMapOvr>
+</p:sld>
+</file>
+
+<file path=ppt/slides/slide3.xml><?xml version="1.0" encoding="utf-8"?>
+<p:sld xmlns:a="http://schemas.openxmlformats.org/drawingml/2006/main" xmlns:r="http://schemas.openxmlformats.org/officeDocument/2006/relationships" xmlns:p="http://schemas.openxmlformats.org/presentationml/2006/main">
+  <p:cSld>
+    <p:spTree>
+      <p:nvGrpSpPr>
+        <p:cNvPr id="1" name=""/>
+        <p:cNvGrpSpPr/>
+        <p:nvPr/>
+      </p:nvGrpSpPr>
+      <p:grpSpPr>
+        <a:xfrm>
+          <a:off x="0" y="0"/>
+          <a:ext cx="0" cy="0"/>
+          <a:chOff x="0" y="0"/>
+          <a:chExt cx="0" cy="0"/>
+        </a:xfrm>
+      </p:grpSpPr>
+      <p:sp>
+        <p:nvSpPr>
+          <p:cNvPr id="4" name="標題 3"/>
+          <p:cNvSpPr>
+            <a:spLocks noGrp="1"/>
+          </p:cNvSpPr>
+          <p:nvPr>
+            <p:ph type="title"/>
+          </p:nvPr>
+        </p:nvSpPr>
+        <p:spPr>
+          <a:xfrm>
+            <a:off x="580715" y="137775"/>
+            <a:ext cx="10515600" cy="1325563"/>
+          </a:xfrm>
+        </p:spPr>
+        <p:txBody>
+          <a:bodyPr/>
+          <a:lstStyle/>
+          <a:p>
+            <a:r>
+              <a:rPr lang="en-US" altLang="zh-TW" dirty="0" smtClean="0"/>
+              <a:t>Before </a:t>
+            </a:r>
+            <a:r>
+              <a:rPr lang="en-US" altLang="zh-TW" dirty="0"/>
+              <a:t>w</a:t>
+            </a:r>
+            <a:r>
+              <a:rPr lang="en-US" altLang="zh-TW" dirty="0" smtClean="0"/>
+              <a:t>e dive into the topic …</a:t>
+            </a:r>
+            <a:endParaRPr lang="zh-TW" altLang="en-US" dirty="0"/>
+          </a:p>
+        </p:txBody>
+      </p:sp>
+      <p:sp>
+        <p:nvSpPr>
+          <p:cNvPr id="5" name="內容版面配置區 4"/>
+          <p:cNvSpPr>
+            <a:spLocks noGrp="1"/>
+          </p:cNvSpPr>
+          <p:nvPr>
+            <p:ph idx="1"/>
+          </p:nvPr>
+        </p:nvSpPr>
+        <p:spPr>
+          <a:xfrm>
+            <a:off x="676893" y="1657000"/>
+            <a:ext cx="10515600" cy="769083"/>
+          </a:xfrm>
+        </p:spPr>
+        <p:txBody>
+          <a:bodyPr/>
+          <a:lstStyle/>
+          <a:p>
+            <a:pPr marL="0" indent="0">
+              <a:buNone/>
+            </a:pPr>
+            <a:r>
+              <a:rPr lang="en-US" altLang="zh-TW" dirty="0" smtClean="0"/>
+              <a:t>How many </a:t>
+            </a:r>
+            <a:r>
+              <a:rPr lang="en-US" altLang="zh-TW" dirty="0" smtClean="0">
+                <a:solidFill>
+                  <a:srgbClr val="FFC000"/>
+                </a:solidFill>
+              </a:rPr>
+              <a:t>clusters</a:t>
+            </a:r>
+            <a:r>
+              <a:rPr lang="en-US" altLang="zh-TW" dirty="0" smtClean="0"/>
+              <a:t> should be in the following figure?</a:t>
+            </a:r>
+            <a:endParaRPr lang="zh-TW" altLang="en-US" dirty="0"/>
+          </a:p>
+        </p:txBody>
+      </p:sp>
+      <p:grpSp>
+        <p:nvGrpSpPr>
+          <p:cNvPr id="14" name="群組 13"/>
+          <p:cNvGrpSpPr/>
+          <p:nvPr/>
+        </p:nvGrpSpPr>
+        <p:grpSpPr>
+          <a:xfrm>
+            <a:off x="829247" y="2454394"/>
+            <a:ext cx="3493476" cy="2504221"/>
+            <a:chOff x="914400" y="3876431"/>
+            <a:chExt cx="3493476" cy="2504221"/>
+          </a:xfrm>
+        </p:grpSpPr>
+        <p:pic>
+          <p:nvPicPr>
+            <p:cNvPr id="1026" name="Picture 2" descr="Implementing K-means clustering in Python from Scratch - Python and R Tips"/>
+            <p:cNvPicPr>
+              <a:picLocks noChangeAspect="1" noChangeArrowheads="1"/>
+            </p:cNvPicPr>
+            <p:nvPr/>
+          </p:nvPicPr>
+          <p:blipFill rotWithShape="1">
+            <a:blip r:embed="rId2">
+              <a:extLst>
+                <a:ext uri="{BEBA8EAE-BF5A-486C-A8C5-ECC9F3942E4B}">
+                  <a14:imgProps xmlns:a14="http://schemas.microsoft.com/office/drawing/2010/main">
+                    <a14:imgLayer r:embed="rId3">
+                      <a14:imgEffect>
+                        <a14:saturation sat="0"/>
+                      </a14:imgEffect>
+                    </a14:imgLayer>
+                  </a14:imgProps>
+                </a:ext>
+                <a:ext uri="{28A0092B-C50C-407E-A947-70E740481C1C}">
+                  <a14:useLocalDpi xmlns:a14="http://schemas.microsoft.com/office/drawing/2010/main" val="0"/>
+                </a:ext>
+              </a:extLst>
+            </a:blip>
+            <a:srcRect l="7236" t="8712" r="7864"/>
+            <a:stretch/>
+          </p:blipFill>
+          <p:spPr bwMode="auto">
+            <a:xfrm>
+              <a:off x="914400" y="3876431"/>
+              <a:ext cx="3493476" cy="2504221"/>
+            </a:xfrm>
+            <a:prstGeom prst="rect">
+              <a:avLst/>
+            </a:prstGeom>
+            <a:noFill/>
+            <a:extLst>
+              <a:ext uri="{909E8E84-426E-40DD-AFC4-6F175D3DCCD1}">
+                <a14:hiddenFill xmlns:a14="http://schemas.microsoft.com/office/drawing/2010/main">
+                  <a:solidFill>
+                    <a:srgbClr val="FFFFFF"/>
+                  </a:solidFill>
+                </a14:hiddenFill>
+              </a:ext>
+            </a:extLst>
+          </p:spPr>
+        </p:pic>
+        <p:sp>
+          <p:nvSpPr>
+            <p:cNvPr id="6" name="橢圓 5"/>
+            <p:cNvSpPr/>
+            <p:nvPr/>
+          </p:nvSpPr>
+          <p:spPr>
+            <a:xfrm rot="20912779">
+              <a:off x="1012414" y="3980148"/>
+              <a:ext cx="2844800" cy="1272461"/>
+            </a:xfrm>
+            <a:prstGeom prst="ellipse">
+              <a:avLst/>
+            </a:prstGeom>
+            <a:noFill/>
+            <a:ln w="28575">
+              <a:solidFill>
+                <a:srgbClr val="0070C0"/>
+              </a:solidFill>
+              <a:prstDash val="dash"/>
+            </a:ln>
+          </p:spPr>
+          <p:style>
+            <a:lnRef idx="2">
+              <a:schemeClr val="accent1">
+                <a:shade val="50000"/>
+              </a:schemeClr>
+            </a:lnRef>
+            <a:fillRef idx="1">
+              <a:schemeClr val="accent1"/>
+            </a:fillRef>
+            <a:effectRef idx="0">
+              <a:schemeClr val="accent1"/>
+            </a:effectRef>
+            <a:fontRef idx="minor">
+              <a:schemeClr val="lt1"/>
+            </a:fontRef>
+          </p:style>
+          <p:txBody>
+            <a:bodyPr rtlCol="0" anchor="ctr"/>
+            <a:lstStyle/>
+            <a:p>
+              <a:pPr algn="ctr"/>
+              <a:endParaRPr lang="zh-TW" altLang="en-US"/>
+            </a:p>
+          </p:txBody>
+        </p:sp>
+        <p:sp>
+          <p:nvSpPr>
+            <p:cNvPr id="8" name="橢圓 7"/>
+            <p:cNvSpPr/>
+            <p:nvPr/>
+          </p:nvSpPr>
+          <p:spPr>
+            <a:xfrm rot="20912779">
+              <a:off x="2760515" y="4954752"/>
+              <a:ext cx="1340117" cy="1135281"/>
+            </a:xfrm>
+            <a:prstGeom prst="ellipse">
+              <a:avLst/>
+            </a:prstGeom>
+            <a:noFill/>
+            <a:ln w="28575">
+              <a:solidFill>
+                <a:srgbClr val="FF0000"/>
+              </a:solidFill>
+              <a:prstDash val="dash"/>
+            </a:ln>
+          </p:spPr>
+          <p:style>
+            <a:lnRef idx="2">
+              <a:schemeClr val="accent1">
+                <a:shade val="50000"/>
+              </a:schemeClr>
+            </a:lnRef>
+            <a:fillRef idx="1">
+              <a:schemeClr val="accent1"/>
+            </a:fillRef>
+            <a:effectRef idx="0">
+              <a:schemeClr val="accent1"/>
+            </a:effectRef>
+            <a:fontRef idx="minor">
+              <a:schemeClr val="lt1"/>
+            </a:fontRef>
+          </p:style>
+          <p:txBody>
+            <a:bodyPr rtlCol="0" anchor="ctr"/>
+            <a:lstStyle/>
+            <a:p>
+              <a:pPr algn="ctr"/>
+              <a:endParaRPr lang="zh-TW" altLang="en-US"/>
+            </a:p>
+          </p:txBody>
+        </p:sp>
+      </p:grpSp>
+      <p:grpSp>
+        <p:nvGrpSpPr>
+          <p:cNvPr id="13" name="群組 12"/>
+          <p:cNvGrpSpPr/>
+          <p:nvPr/>
+        </p:nvGrpSpPr>
+        <p:grpSpPr>
+          <a:xfrm>
+            <a:off x="5459608" y="2454394"/>
+            <a:ext cx="3493476" cy="2504221"/>
+            <a:chOff x="5427785" y="3876431"/>
+            <a:chExt cx="3493476" cy="2504221"/>
+          </a:xfrm>
+        </p:grpSpPr>
+        <p:pic>
+          <p:nvPicPr>
+            <p:cNvPr id="9" name="Picture 2" descr="Implementing K-means clustering in Python from Scratch - Python and R Tips"/>
+            <p:cNvPicPr>
+              <a:picLocks noChangeAspect="1" noChangeArrowheads="1"/>
+            </p:cNvPicPr>
+            <p:nvPr/>
+          </p:nvPicPr>
+          <p:blipFill rotWithShape="1">
+            <a:blip r:embed="rId2">
+              <a:extLst>
+                <a:ext uri="{BEBA8EAE-BF5A-486C-A8C5-ECC9F3942E4B}">
+                  <a14:imgProps xmlns:a14="http://schemas.microsoft.com/office/drawing/2010/main">
+                    <a14:imgLayer r:embed="rId3">
+                      <a14:imgEffect>
+                        <a14:saturation sat="0"/>
+                      </a14:imgEffect>
+                    </a14:imgLayer>
+                  </a14:imgProps>
+                </a:ext>
+                <a:ext uri="{28A0092B-C50C-407E-A947-70E740481C1C}">
+                  <a14:useLocalDpi xmlns:a14="http://schemas.microsoft.com/office/drawing/2010/main" val="0"/>
+                </a:ext>
+              </a:extLst>
+            </a:blip>
+            <a:srcRect l="7236" t="8712" r="7864"/>
+            <a:stretch/>
+          </p:blipFill>
+          <p:spPr bwMode="auto">
+            <a:xfrm>
+              <a:off x="5427785" y="3876431"/>
+              <a:ext cx="3493476" cy="2504221"/>
+            </a:xfrm>
+            <a:prstGeom prst="rect">
+              <a:avLst/>
+            </a:prstGeom>
+            <a:noFill/>
+            <a:extLst>
+              <a:ext uri="{909E8E84-426E-40DD-AFC4-6F175D3DCCD1}">
+                <a14:hiddenFill xmlns:a14="http://schemas.microsoft.com/office/drawing/2010/main">
+                  <a:solidFill>
+                    <a:srgbClr val="FFFFFF"/>
+                  </a:solidFill>
+                </a14:hiddenFill>
+              </a:ext>
+            </a:extLst>
+          </p:spPr>
+        </p:pic>
+        <p:sp>
+          <p:nvSpPr>
+            <p:cNvPr id="10" name="橢圓 9"/>
+            <p:cNvSpPr/>
+            <p:nvPr/>
+          </p:nvSpPr>
+          <p:spPr>
+            <a:xfrm rot="20912779">
+              <a:off x="5801510" y="4347770"/>
+              <a:ext cx="1209392" cy="1141345"/>
+            </a:xfrm>
+            <a:prstGeom prst="ellipse">
+              <a:avLst/>
+            </a:prstGeom>
+            <a:noFill/>
+            <a:ln w="28575">
+              <a:solidFill>
+                <a:srgbClr val="0070C0"/>
+              </a:solidFill>
+              <a:prstDash val="dash"/>
+            </a:ln>
+          </p:spPr>
+          <p:style>
+            <a:lnRef idx="2">
+              <a:schemeClr val="accent1">
+                <a:shade val="50000"/>
+              </a:schemeClr>
+            </a:lnRef>
+            <a:fillRef idx="1">
+              <a:schemeClr val="accent1"/>
+            </a:fillRef>
+            <a:effectRef idx="0">
+              <a:schemeClr val="accent1"/>
+            </a:effectRef>
+            <a:fontRef idx="minor">
+              <a:schemeClr val="lt1"/>
+            </a:fontRef>
+          </p:style>
+          <p:txBody>
+            <a:bodyPr rtlCol="0" anchor="ctr"/>
+            <a:lstStyle/>
+            <a:p>
+              <a:pPr algn="ctr"/>
+              <a:endParaRPr lang="zh-TW" altLang="en-US"/>
+            </a:p>
+          </p:txBody>
+        </p:sp>
+        <p:sp>
+          <p:nvSpPr>
+            <p:cNvPr id="11" name="橢圓 10"/>
+            <p:cNvSpPr/>
+            <p:nvPr/>
+          </p:nvSpPr>
+          <p:spPr>
+            <a:xfrm rot="20912779">
+              <a:off x="7351728" y="4967892"/>
+              <a:ext cx="1207780" cy="1135281"/>
+            </a:xfrm>
+            <a:prstGeom prst="ellipse">
+              <a:avLst/>
+            </a:prstGeom>
+            <a:noFill/>
+            <a:ln w="28575">
+              <a:solidFill>
+                <a:srgbClr val="FF0000"/>
+              </a:solidFill>
+              <a:prstDash val="dash"/>
+            </a:ln>
+          </p:spPr>
+          <p:style>
+            <a:lnRef idx="2">
+              <a:schemeClr val="accent1">
+                <a:shade val="50000"/>
+              </a:schemeClr>
+            </a:lnRef>
+            <a:fillRef idx="1">
+              <a:schemeClr val="accent1"/>
+            </a:fillRef>
+            <a:effectRef idx="0">
+              <a:schemeClr val="accent1"/>
+            </a:effectRef>
+            <a:fontRef idx="minor">
+              <a:schemeClr val="lt1"/>
+            </a:fontRef>
+          </p:style>
+          <p:txBody>
+            <a:bodyPr rtlCol="0" anchor="ctr"/>
+            <a:lstStyle/>
+            <a:p>
+              <a:pPr algn="ctr"/>
+              <a:endParaRPr lang="zh-TW" altLang="en-US"/>
+            </a:p>
+          </p:txBody>
+        </p:sp>
+        <p:sp>
+          <p:nvSpPr>
+            <p:cNvPr id="12" name="橢圓 11"/>
+            <p:cNvSpPr/>
+            <p:nvPr/>
+          </p:nvSpPr>
+          <p:spPr>
+            <a:xfrm rot="20912779">
+              <a:off x="6974943" y="3905711"/>
+              <a:ext cx="1243649" cy="1207825"/>
+            </a:xfrm>
+            <a:prstGeom prst="ellipse">
+              <a:avLst/>
+            </a:prstGeom>
+            <a:noFill/>
+            <a:ln w="28575">
+              <a:solidFill>
+                <a:srgbClr val="00B050"/>
+              </a:solidFill>
+              <a:prstDash val="dash"/>
+            </a:ln>
+          </p:spPr>
+          <p:style>
+            <a:lnRef idx="2">
+              <a:schemeClr val="accent1">
+                <a:shade val="50000"/>
+              </a:schemeClr>
+            </a:lnRef>
+            <a:fillRef idx="1">
+              <a:schemeClr val="accent1"/>
+            </a:fillRef>
+            <a:effectRef idx="0">
+              <a:schemeClr val="accent1"/>
+            </a:effectRef>
+            <a:fontRef idx="minor">
+              <a:schemeClr val="lt1"/>
+            </a:fontRef>
+          </p:style>
+          <p:txBody>
+            <a:bodyPr rtlCol="0" anchor="ctr"/>
+            <a:lstStyle/>
+            <a:p>
+              <a:pPr algn="ctr"/>
+              <a:endParaRPr lang="zh-TW" altLang="en-US"/>
+            </a:p>
+          </p:txBody>
+        </p:sp>
+      </p:grpSp>
+      <p:sp>
+        <p:nvSpPr>
+          <p:cNvPr id="7" name="矩形 6"/>
+          <p:cNvSpPr/>
+          <p:nvPr/>
+        </p:nvSpPr>
+        <p:spPr>
+          <a:xfrm>
+            <a:off x="4595168" y="3425064"/>
+            <a:ext cx="617477" cy="523220"/>
+          </a:xfrm>
+          <a:prstGeom prst="rect">
+            <a:avLst/>
+          </a:prstGeom>
+        </p:spPr>
+        <p:txBody>
+          <a:bodyPr wrap="none">
+            <a:spAutoFit/>
+          </a:bodyPr>
+          <a:lstStyle/>
+          <a:p>
+            <a:r>
+              <a:rPr lang="en-US" altLang="zh-TW" sz="2800" dirty="0" smtClean="0"/>
+              <a:t>OR</a:t>
+            </a:r>
+            <a:endParaRPr lang="zh-TW" altLang="en-US" sz="2800" dirty="0"/>
+          </a:p>
+        </p:txBody>
+      </p:sp>
+      <p:pic>
+        <p:nvPicPr>
+          <p:cNvPr id="1028" name="Picture 4" descr="WHY meme&quot; Greeting Card by debracornell97 | Redbubble"/>
+          <p:cNvPicPr>
+            <a:picLocks noChangeAspect="1" noChangeArrowheads="1"/>
+          </p:cNvPicPr>
+          <p:nvPr/>
+        </p:nvPicPr>
+        <p:blipFill rotWithShape="1">
+          <a:blip r:embed="rId4" cstate="print">
+            <a:extLst>
+              <a:ext uri="{28A0092B-C50C-407E-A947-70E740481C1C}">
+                <a14:useLocalDpi xmlns:a14="http://schemas.microsoft.com/office/drawing/2010/main" val="0"/>
+              </a:ext>
+            </a:extLst>
+          </a:blip>
+          <a:srcRect t="9826" r="7756" b="9877"/>
+          <a:stretch/>
+        </p:blipFill>
+        <p:spPr bwMode="auto">
+          <a:xfrm>
+            <a:off x="9549135" y="3903768"/>
+            <a:ext cx="2154334" cy="2500411"/>
+          </a:xfrm>
+          <a:prstGeom prst="rect">
+            <a:avLst/>
+          </a:prstGeom>
+          <a:noFill/>
+          <a:extLst>
+            <a:ext uri="{909E8E84-426E-40DD-AFC4-6F175D3DCCD1}">
+              <a14:hiddenFill xmlns:a14="http://schemas.microsoft.com/office/drawing/2010/main">
+                <a:solidFill>
+                  <a:srgbClr val="FFFFFF"/>
+                </a:solidFill>
+              </a14:hiddenFill>
+            </a:ext>
+          </a:extLst>
+        </p:spPr>
+      </p:pic>
+    </p:spTree>
+    <p:extLst>
+      <p:ext uri="{BB962C8B-B14F-4D97-AF65-F5344CB8AC3E}">
+        <p14:creationId xmlns:p14="http://schemas.microsoft.com/office/powerpoint/2010/main" val="2976747184"/>
+      </p:ext>
+    </p:extLst>
+  </p:cSld>
+  <p:clrMapOvr>
+    <a:masterClrMapping/>
+  </p:clrMapOvr>
+</p:sld>
+</file>
+
+<file path=ppt/slides/slide4.xml><?xml version="1.0" encoding="utf-8"?>
+<p:sld xmlns:a="http://schemas.openxmlformats.org/drawingml/2006/main" xmlns:r="http://schemas.openxmlformats.org/officeDocument/2006/relationships" xmlns:p="http://schemas.openxmlformats.org/presentationml/2006/main">
+  <p:cSld>
+    <p:spTree>
+      <p:nvGrpSpPr>
+        <p:cNvPr id="1" name=""/>
+        <p:cNvGrpSpPr/>
+        <p:nvPr/>
+      </p:nvGrpSpPr>
+      <p:grpSpPr>
+        <a:xfrm>
+          <a:off x="0" y="0"/>
+          <a:ext cx="0" cy="0"/>
+          <a:chOff x="0" y="0"/>
+          <a:chExt cx="0" cy="0"/>
+        </a:xfrm>
+      </p:grpSpPr>
+      <p:sp>
+        <p:nvSpPr>
+          <p:cNvPr id="4" name="標題 3"/>
+          <p:cNvSpPr>
+            <a:spLocks noGrp="1"/>
+          </p:cNvSpPr>
+          <p:nvPr>
+            <p:ph type="title"/>
+          </p:nvPr>
+        </p:nvSpPr>
+        <p:spPr>
+          <a:xfrm>
+            <a:off x="580715" y="137775"/>
+            <a:ext cx="10515600" cy="1325563"/>
+          </a:xfrm>
+        </p:spPr>
+        <p:txBody>
+          <a:bodyPr/>
+          <a:lstStyle/>
+          <a:p>
+            <a:r>
+              <a:rPr lang="en-US" altLang="zh-TW" dirty="0" smtClean="0"/>
+              <a:t>Before </a:t>
+            </a:r>
+            <a:r>
+              <a:rPr lang="en-US" altLang="zh-TW" dirty="0"/>
+              <a:t>w</a:t>
+            </a:r>
+            <a:r>
+              <a:rPr lang="en-US" altLang="zh-TW" dirty="0" smtClean="0"/>
+              <a:t>e dive into the topic …</a:t>
+            </a:r>
+            <a:endParaRPr lang="zh-TW" altLang="en-US" dirty="0"/>
+          </a:p>
+        </p:txBody>
+      </p:sp>
+      <p:sp>
+        <p:nvSpPr>
+          <p:cNvPr id="2" name="內容版面配置區 1"/>
+          <p:cNvSpPr>
+            <a:spLocks noGrp="1"/>
+          </p:cNvSpPr>
+          <p:nvPr>
+            <p:ph idx="1"/>
+          </p:nvPr>
+        </p:nvSpPr>
+        <p:spPr>
+          <a:xfrm>
+            <a:off x="885092" y="1661503"/>
+            <a:ext cx="3577492" cy="714375"/>
+          </a:xfrm>
+        </p:spPr>
+        <p:txBody>
+          <a:bodyPr/>
+          <a:lstStyle/>
+          <a:p>
+            <a:pPr marL="0" indent="0">
+              <a:buNone/>
+            </a:pPr>
+            <a:r>
+              <a:rPr lang="en-US" altLang="zh-TW" b="1" dirty="0" smtClean="0">
+                <a:solidFill>
+                  <a:srgbClr val="FFC000"/>
+                </a:solidFill>
+              </a:rPr>
+              <a:t>Compactness!</a:t>
+            </a:r>
+            <a:endParaRPr lang="zh-TW" altLang="en-US" b="1" dirty="0">
+              <a:solidFill>
+                <a:srgbClr val="FFC000"/>
+              </a:solidFill>
+            </a:endParaRPr>
+          </a:p>
+        </p:txBody>
+      </p:sp>
+      <p:sp>
+        <p:nvSpPr>
+          <p:cNvPr id="3" name="矩形 2"/>
+          <p:cNvSpPr/>
+          <p:nvPr/>
+        </p:nvSpPr>
+        <p:spPr>
+          <a:xfrm>
+            <a:off x="885092" y="2287776"/>
+            <a:ext cx="8209170" cy="461665"/>
+          </a:xfrm>
+          <a:prstGeom prst="rect">
+            <a:avLst/>
+          </a:prstGeom>
+        </p:spPr>
+        <p:txBody>
+          <a:bodyPr wrap="none">
+            <a:spAutoFit/>
+          </a:bodyPr>
+          <a:lstStyle/>
+          <a:p>
+            <a:r>
+              <a:rPr lang="en-US" altLang="zh-TW" sz="2400" dirty="0"/>
+              <a:t>D</a:t>
+            </a:r>
+            <a:r>
+              <a:rPr lang="en-US" altLang="zh-TW" sz="2400" dirty="0" smtClean="0"/>
+              <a:t>ata </a:t>
+            </a:r>
+            <a:r>
+              <a:rPr lang="en-US" altLang="zh-TW" sz="2400" dirty="0"/>
+              <a:t>points in a cluster </a:t>
+            </a:r>
+            <a:r>
+              <a:rPr lang="en-US" altLang="zh-TW" sz="2400" dirty="0" smtClean="0"/>
+              <a:t>should be close to each other as possible.</a:t>
+            </a:r>
+            <a:endParaRPr lang="zh-TW" altLang="en-US" sz="2400" dirty="0"/>
+          </a:p>
+        </p:txBody>
+      </p:sp>
+      <p:grpSp>
+        <p:nvGrpSpPr>
+          <p:cNvPr id="5" name="群組 4"/>
+          <p:cNvGrpSpPr/>
+          <p:nvPr/>
+        </p:nvGrpSpPr>
+        <p:grpSpPr>
+          <a:xfrm>
+            <a:off x="1328139" y="3002151"/>
+            <a:ext cx="3493476" cy="2504221"/>
+            <a:chOff x="914400" y="3876431"/>
+            <a:chExt cx="3493476" cy="2504221"/>
+          </a:xfrm>
+        </p:grpSpPr>
+        <p:pic>
+          <p:nvPicPr>
+            <p:cNvPr id="6" name="Picture 2" descr="Implementing K-means clustering in Python from Scratch - Python and R Tips"/>
+            <p:cNvPicPr>
+              <a:picLocks noChangeAspect="1" noChangeArrowheads="1"/>
+            </p:cNvPicPr>
+            <p:nvPr/>
+          </p:nvPicPr>
+          <p:blipFill rotWithShape="1">
+            <a:blip r:embed="rId2">
+              <a:extLst>
+                <a:ext uri="{BEBA8EAE-BF5A-486C-A8C5-ECC9F3942E4B}">
+                  <a14:imgProps xmlns:a14="http://schemas.microsoft.com/office/drawing/2010/main">
+                    <a14:imgLayer r:embed="rId3">
+                      <a14:imgEffect>
+                        <a14:saturation sat="0"/>
+                      </a14:imgEffect>
+                    </a14:imgLayer>
+                  </a14:imgProps>
+                </a:ext>
+                <a:ext uri="{28A0092B-C50C-407E-A947-70E740481C1C}">
+                  <a14:useLocalDpi xmlns:a14="http://schemas.microsoft.com/office/drawing/2010/main" val="0"/>
+                </a:ext>
+              </a:extLst>
+            </a:blip>
+            <a:srcRect l="7236" t="8712" r="7864"/>
+            <a:stretch/>
+          </p:blipFill>
+          <p:spPr bwMode="auto">
+            <a:xfrm>
+              <a:off x="914400" y="3876431"/>
+              <a:ext cx="3493476" cy="2504221"/>
+            </a:xfrm>
+            <a:prstGeom prst="rect">
+              <a:avLst/>
+            </a:prstGeom>
+            <a:noFill/>
+            <a:extLst>
+              <a:ext uri="{909E8E84-426E-40DD-AFC4-6F175D3DCCD1}">
+                <a14:hiddenFill xmlns:a14="http://schemas.microsoft.com/office/drawing/2010/main">
+                  <a:solidFill>
+                    <a:srgbClr val="FFFFFF"/>
+                  </a:solidFill>
+                </a14:hiddenFill>
+              </a:ext>
+            </a:extLst>
+          </p:spPr>
+        </p:pic>
+        <p:sp>
+          <p:nvSpPr>
+            <p:cNvPr id="7" name="橢圓 6"/>
+            <p:cNvSpPr/>
+            <p:nvPr/>
+          </p:nvSpPr>
+          <p:spPr>
+            <a:xfrm rot="20912779">
+              <a:off x="1012414" y="3980148"/>
+              <a:ext cx="2844800" cy="1272461"/>
+            </a:xfrm>
+            <a:prstGeom prst="ellipse">
+              <a:avLst/>
+            </a:prstGeom>
+            <a:noFill/>
+            <a:ln w="28575">
+              <a:solidFill>
+                <a:srgbClr val="00B050"/>
+              </a:solidFill>
+              <a:prstDash val="dash"/>
+            </a:ln>
+          </p:spPr>
+          <p:style>
+            <a:lnRef idx="2">
+              <a:schemeClr val="accent1">
+                <a:shade val="50000"/>
+              </a:schemeClr>
+            </a:lnRef>
+            <a:fillRef idx="1">
+              <a:schemeClr val="accent1"/>
+            </a:fillRef>
+            <a:effectRef idx="0">
+              <a:schemeClr val="accent1"/>
+            </a:effectRef>
+            <a:fontRef idx="minor">
+              <a:schemeClr val="lt1"/>
+            </a:fontRef>
+          </p:style>
+          <p:txBody>
+            <a:bodyPr rtlCol="0" anchor="ctr"/>
+            <a:lstStyle/>
+            <a:p>
+              <a:pPr algn="ctr"/>
+              <a:endParaRPr lang="zh-TW" altLang="en-US"/>
+            </a:p>
+          </p:txBody>
+        </p:sp>
+        <p:sp>
+          <p:nvSpPr>
+            <p:cNvPr id="8" name="橢圓 7"/>
+            <p:cNvSpPr/>
+            <p:nvPr/>
+          </p:nvSpPr>
+          <p:spPr>
+            <a:xfrm rot="20912779">
+              <a:off x="2760515" y="4954752"/>
+              <a:ext cx="1340117" cy="1135281"/>
+            </a:xfrm>
+            <a:prstGeom prst="ellipse">
+              <a:avLst/>
+            </a:prstGeom>
+            <a:noFill/>
+            <a:ln w="28575">
+              <a:solidFill>
+                <a:srgbClr val="FF0000"/>
+              </a:solidFill>
+              <a:prstDash val="dash"/>
+            </a:ln>
+          </p:spPr>
+          <p:style>
+            <a:lnRef idx="2">
+              <a:schemeClr val="accent1">
+                <a:shade val="50000"/>
+              </a:schemeClr>
+            </a:lnRef>
+            <a:fillRef idx="1">
+              <a:schemeClr val="accent1"/>
+            </a:fillRef>
+            <a:effectRef idx="0">
+              <a:schemeClr val="accent1"/>
+            </a:effectRef>
+            <a:fontRef idx="minor">
+              <a:schemeClr val="lt1"/>
+            </a:fontRef>
+          </p:style>
+          <p:txBody>
+            <a:bodyPr rtlCol="0" anchor="ctr"/>
+            <a:lstStyle/>
+            <a:p>
+              <a:pPr algn="ctr"/>
+              <a:endParaRPr lang="zh-TW" altLang="en-US"/>
+            </a:p>
+          </p:txBody>
+        </p:sp>
+      </p:grpSp>
+      <p:cxnSp>
+        <p:nvCxnSpPr>
+          <p:cNvPr id="10" name="直線單箭頭接點 9"/>
+          <p:cNvCxnSpPr/>
+          <p:nvPr/>
+        </p:nvCxnSpPr>
+        <p:spPr>
+          <a:xfrm flipV="1">
+            <a:off x="1780787" y="3429495"/>
+            <a:ext cx="2228503" cy="717500"/>
+          </a:xfrm>
+          <a:prstGeom prst="straightConnector1">
+            <a:avLst/>
+          </a:prstGeom>
+          <a:ln w="28575">
+            <a:solidFill>
+              <a:srgbClr val="FF0000"/>
+            </a:solidFill>
+            <a:headEnd type="triangle"/>
+            <a:tailEnd type="triangle"/>
+          </a:ln>
+        </p:spPr>
+        <p:style>
+          <a:lnRef idx="1">
+            <a:schemeClr val="accent1"/>
+          </a:lnRef>
+          <a:fillRef idx="0">
+            <a:schemeClr val="accent1"/>
+          </a:fillRef>
+          <a:effectRef idx="0">
+            <a:schemeClr val="accent1"/>
+          </a:effectRef>
+          <a:fontRef idx="minor">
+            <a:schemeClr val="tx1"/>
+          </a:fontRef>
+        </p:style>
+      </p:cxnSp>
+      <p:grpSp>
+        <p:nvGrpSpPr>
+          <p:cNvPr id="11" name="群組 10"/>
+          <p:cNvGrpSpPr/>
+          <p:nvPr/>
+        </p:nvGrpSpPr>
+        <p:grpSpPr>
+          <a:xfrm>
+            <a:off x="6115706" y="3002151"/>
+            <a:ext cx="3493476" cy="2504221"/>
+            <a:chOff x="5427785" y="3876431"/>
+            <a:chExt cx="3493476" cy="2504221"/>
+          </a:xfrm>
+        </p:grpSpPr>
+        <p:pic>
+          <p:nvPicPr>
+            <p:cNvPr id="12" name="Picture 2" descr="Implementing K-means clustering in Python from Scratch - Python and R Tips"/>
+            <p:cNvPicPr>
+              <a:picLocks noChangeAspect="1" noChangeArrowheads="1"/>
+            </p:cNvPicPr>
+            <p:nvPr/>
+          </p:nvPicPr>
+          <p:blipFill rotWithShape="1">
+            <a:blip r:embed="rId2">
+              <a:extLst>
+                <a:ext uri="{BEBA8EAE-BF5A-486C-A8C5-ECC9F3942E4B}">
+                  <a14:imgProps xmlns:a14="http://schemas.microsoft.com/office/drawing/2010/main">
+                    <a14:imgLayer r:embed="rId3">
+                      <a14:imgEffect>
+                        <a14:saturation sat="0"/>
+                      </a14:imgEffect>
+                    </a14:imgLayer>
+                  </a14:imgProps>
+                </a:ext>
+                <a:ext uri="{28A0092B-C50C-407E-A947-70E740481C1C}">
+                  <a14:useLocalDpi xmlns:a14="http://schemas.microsoft.com/office/drawing/2010/main" val="0"/>
+                </a:ext>
+              </a:extLst>
+            </a:blip>
+            <a:srcRect l="7236" t="8712" r="7864"/>
+            <a:stretch/>
+          </p:blipFill>
+          <p:spPr bwMode="auto">
+            <a:xfrm>
+              <a:off x="5427785" y="3876431"/>
+              <a:ext cx="3493476" cy="2504221"/>
+            </a:xfrm>
+            <a:prstGeom prst="rect">
+              <a:avLst/>
+            </a:prstGeom>
+            <a:noFill/>
+            <a:extLst>
+              <a:ext uri="{909E8E84-426E-40DD-AFC4-6F175D3DCCD1}">
+                <a14:hiddenFill xmlns:a14="http://schemas.microsoft.com/office/drawing/2010/main">
+                  <a:solidFill>
+                    <a:srgbClr val="FFFFFF"/>
+                  </a:solidFill>
+                </a14:hiddenFill>
+              </a:ext>
+            </a:extLst>
+          </p:spPr>
+        </p:pic>
+        <p:sp>
+          <p:nvSpPr>
+            <p:cNvPr id="13" name="橢圓 12"/>
+            <p:cNvSpPr/>
+            <p:nvPr/>
+          </p:nvSpPr>
+          <p:spPr>
+            <a:xfrm rot="20912779">
+              <a:off x="5801510" y="4347770"/>
+              <a:ext cx="1209392" cy="1141345"/>
+            </a:xfrm>
+            <a:prstGeom prst="ellipse">
+              <a:avLst/>
+            </a:prstGeom>
+            <a:noFill/>
+            <a:ln w="28575">
+              <a:solidFill>
+                <a:srgbClr val="0070C0"/>
+              </a:solidFill>
+              <a:prstDash val="dash"/>
+            </a:ln>
+          </p:spPr>
+          <p:style>
+            <a:lnRef idx="2">
+              <a:schemeClr val="accent1">
+                <a:shade val="50000"/>
+              </a:schemeClr>
+            </a:lnRef>
+            <a:fillRef idx="1">
+              <a:schemeClr val="accent1"/>
+            </a:fillRef>
+            <a:effectRef idx="0">
+              <a:schemeClr val="accent1"/>
+            </a:effectRef>
+            <a:fontRef idx="minor">
+              <a:schemeClr val="lt1"/>
+            </a:fontRef>
+          </p:style>
+          <p:txBody>
+            <a:bodyPr rtlCol="0" anchor="ctr"/>
+            <a:lstStyle/>
+            <a:p>
+              <a:pPr algn="ctr"/>
+              <a:endParaRPr lang="zh-TW" altLang="en-US"/>
+            </a:p>
+          </p:txBody>
+        </p:sp>
+        <p:sp>
+          <p:nvSpPr>
+            <p:cNvPr id="14" name="橢圓 13"/>
+            <p:cNvSpPr/>
+            <p:nvPr/>
+          </p:nvSpPr>
+          <p:spPr>
+            <a:xfrm rot="20912779">
+              <a:off x="7351728" y="4967892"/>
+              <a:ext cx="1207780" cy="1135281"/>
+            </a:xfrm>
+            <a:prstGeom prst="ellipse">
+              <a:avLst/>
+            </a:prstGeom>
+            <a:noFill/>
+            <a:ln w="28575">
+              <a:solidFill>
+                <a:srgbClr val="FF0000"/>
+              </a:solidFill>
+              <a:prstDash val="dash"/>
+            </a:ln>
+          </p:spPr>
+          <p:style>
+            <a:lnRef idx="2">
+              <a:schemeClr val="accent1">
+                <a:shade val="50000"/>
+              </a:schemeClr>
+            </a:lnRef>
+            <a:fillRef idx="1">
+              <a:schemeClr val="accent1"/>
+            </a:fillRef>
+            <a:effectRef idx="0">
+              <a:schemeClr val="accent1"/>
+            </a:effectRef>
+            <a:fontRef idx="minor">
+              <a:schemeClr val="lt1"/>
+            </a:fontRef>
+          </p:style>
+          <p:txBody>
+            <a:bodyPr rtlCol="0" anchor="ctr"/>
+            <a:lstStyle/>
+            <a:p>
+              <a:pPr algn="ctr"/>
+              <a:endParaRPr lang="zh-TW" altLang="en-US"/>
+            </a:p>
+          </p:txBody>
+        </p:sp>
+        <p:sp>
+          <p:nvSpPr>
+            <p:cNvPr id="15" name="橢圓 14"/>
+            <p:cNvSpPr/>
+            <p:nvPr/>
+          </p:nvSpPr>
+          <p:spPr>
+            <a:xfrm rot="20912779">
+              <a:off x="6974943" y="3905711"/>
+              <a:ext cx="1243649" cy="1207825"/>
+            </a:xfrm>
+            <a:prstGeom prst="ellipse">
+              <a:avLst/>
+            </a:prstGeom>
+            <a:noFill/>
+            <a:ln w="28575">
+              <a:solidFill>
+                <a:srgbClr val="00B050"/>
+              </a:solidFill>
+              <a:prstDash val="dash"/>
+            </a:ln>
+          </p:spPr>
+          <p:style>
+            <a:lnRef idx="2">
+              <a:schemeClr val="accent1">
+                <a:shade val="50000"/>
+              </a:schemeClr>
+            </a:lnRef>
+            <a:fillRef idx="1">
+              <a:schemeClr val="accent1"/>
+            </a:fillRef>
+            <a:effectRef idx="0">
+              <a:schemeClr val="accent1"/>
+            </a:effectRef>
+            <a:fontRef idx="minor">
+              <a:schemeClr val="lt1"/>
+            </a:fontRef>
+          </p:style>
+          <p:txBody>
+            <a:bodyPr rtlCol="0" anchor="ctr"/>
+            <a:lstStyle/>
+            <a:p>
+              <a:pPr algn="ctr"/>
+              <a:endParaRPr lang="zh-TW" altLang="en-US"/>
+            </a:p>
+          </p:txBody>
+        </p:sp>
+      </p:grpSp>
+      <p:cxnSp>
+        <p:nvCxnSpPr>
+          <p:cNvPr id="16" name="直線單箭頭接點 15"/>
+          <p:cNvCxnSpPr/>
+          <p:nvPr/>
+        </p:nvCxnSpPr>
+        <p:spPr>
+          <a:xfrm flipV="1">
+            <a:off x="7938955" y="3452124"/>
+            <a:ext cx="861517" cy="592038"/>
+          </a:xfrm>
+          <a:prstGeom prst="straightConnector1">
+            <a:avLst/>
+          </a:prstGeom>
+          <a:ln w="28575">
+            <a:solidFill>
+              <a:srgbClr val="FF0000"/>
+            </a:solidFill>
+            <a:headEnd type="triangle"/>
+            <a:tailEnd type="triangle"/>
+          </a:ln>
+        </p:spPr>
+        <p:style>
+          <a:lnRef idx="1">
+            <a:schemeClr val="accent1"/>
+          </a:lnRef>
+          <a:fillRef idx="0">
+            <a:schemeClr val="accent1"/>
+          </a:fillRef>
+          <a:effectRef idx="0">
+            <a:schemeClr val="accent1"/>
+          </a:effectRef>
+          <a:fontRef idx="minor">
+            <a:schemeClr val="tx1"/>
+          </a:fontRef>
+        </p:style>
+      </p:cxnSp>
+      <p:sp>
+        <p:nvSpPr>
+          <p:cNvPr id="20" name="矩形 19"/>
+          <p:cNvSpPr/>
+          <p:nvPr/>
+        </p:nvSpPr>
+        <p:spPr>
+          <a:xfrm>
+            <a:off x="1205779" y="5652903"/>
+            <a:ext cx="3854068" cy="369332"/>
+          </a:xfrm>
+          <a:prstGeom prst="rect">
+            <a:avLst/>
+          </a:prstGeom>
+        </p:spPr>
+        <p:txBody>
+          <a:bodyPr wrap="none">
+            <a:spAutoFit/>
+          </a:bodyPr>
+          <a:lstStyle/>
+          <a:p>
+            <a:r>
+              <a:rPr lang="en-US" altLang="zh-TW" dirty="0" smtClean="0"/>
+              <a:t>diameter of </a:t>
+            </a:r>
+            <a:r>
+              <a:rPr lang="en-US" altLang="zh-TW" dirty="0" smtClean="0">
+                <a:solidFill>
+                  <a:srgbClr val="00B050"/>
+                </a:solidFill>
+              </a:rPr>
+              <a:t>green cluster</a:t>
+            </a:r>
+            <a:r>
+              <a:rPr lang="en-US" altLang="zh-TW" dirty="0" smtClean="0"/>
+              <a:t> is large, </a:t>
+            </a:r>
+            <a:r>
+              <a:rPr lang="en-US" altLang="zh-TW" dirty="0" smtClean="0">
+                <a:solidFill>
+                  <a:srgbClr val="FF0000"/>
+                </a:solidFill>
+              </a:rPr>
+              <a:t>BAD!</a:t>
+            </a:r>
+            <a:endParaRPr lang="zh-TW" altLang="en-US" dirty="0">
+              <a:solidFill>
+                <a:srgbClr val="FF0000"/>
+              </a:solidFill>
+            </a:endParaRPr>
+          </a:p>
+        </p:txBody>
+      </p:sp>
+      <p:sp>
+        <p:nvSpPr>
+          <p:cNvPr id="21" name="矩形 20"/>
+          <p:cNvSpPr/>
+          <p:nvPr/>
+        </p:nvSpPr>
+        <p:spPr>
+          <a:xfrm>
+            <a:off x="6011921" y="5658880"/>
+            <a:ext cx="3297121" cy="369332"/>
+          </a:xfrm>
+          <a:prstGeom prst="rect">
+            <a:avLst/>
+          </a:prstGeom>
+        </p:spPr>
+        <p:txBody>
+          <a:bodyPr wrap="none">
+            <a:spAutoFit/>
+          </a:bodyPr>
+          <a:lstStyle/>
+          <a:p>
+            <a:r>
+              <a:rPr lang="en-US" altLang="zh-TW" dirty="0" smtClean="0"/>
+              <a:t>diameter of </a:t>
+            </a:r>
+            <a:r>
+              <a:rPr lang="en-US" altLang="zh-TW" dirty="0" smtClean="0">
+                <a:solidFill>
+                  <a:srgbClr val="00B050"/>
+                </a:solidFill>
+              </a:rPr>
+              <a:t>green cluster</a:t>
+            </a:r>
+            <a:r>
+              <a:rPr lang="en-US" altLang="zh-TW" dirty="0" smtClean="0"/>
+              <a:t> is small</a:t>
+            </a:r>
+            <a:endParaRPr lang="zh-TW" altLang="en-US" dirty="0">
+              <a:solidFill>
+                <a:srgbClr val="FF0000"/>
+              </a:solidFill>
+            </a:endParaRPr>
+          </a:p>
+        </p:txBody>
+      </p:sp>
+      <p:pic>
+        <p:nvPicPr>
+          <p:cNvPr id="2050" name="Picture 2" descr="Noice - Meme by sheeepzjud :) Memedroid">
+            <a:hlinkClick r:id="rId4"/>
+          </p:cNvPr>
+          <p:cNvPicPr>
+            <a:picLocks noChangeAspect="1" noChangeArrowheads="1"/>
+          </p:cNvPicPr>
+          <p:nvPr/>
+        </p:nvPicPr>
+        <p:blipFill rotWithShape="1">
+          <a:blip r:embed="rId5" cstate="print">
+            <a:extLst>
+              <a:ext uri="{28A0092B-C50C-407E-A947-70E740481C1C}">
+                <a14:useLocalDpi xmlns:a14="http://schemas.microsoft.com/office/drawing/2010/main" val="0"/>
+              </a:ext>
+            </a:extLst>
+          </a:blip>
+          <a:srcRect t="23718" b="1014"/>
+          <a:stretch/>
+        </p:blipFill>
+        <p:spPr bwMode="auto">
+          <a:xfrm>
+            <a:off x="9309042" y="5558789"/>
+            <a:ext cx="501348" cy="610100"/>
+          </a:xfrm>
+          <a:prstGeom prst="rect">
+            <a:avLst/>
+          </a:prstGeom>
+          <a:noFill/>
+          <a:ln>
+            <a:solidFill>
+              <a:schemeClr val="bg1">
+                <a:lumMod val="50000"/>
+                <a:lumOff val="50000"/>
+              </a:schemeClr>
+            </a:solidFill>
+          </a:ln>
+          <a:extLst>
+            <a:ext uri="{909E8E84-426E-40DD-AFC4-6F175D3DCCD1}">
+              <a14:hiddenFill xmlns:a14="http://schemas.microsoft.com/office/drawing/2010/main">
+                <a:solidFill>
+                  <a:srgbClr val="FFFFFF"/>
+                </a:solidFill>
+              </a14:hiddenFill>
+            </a:ext>
+          </a:extLst>
+        </p:spPr>
+      </p:pic>
+    </p:spTree>
+    <p:extLst>
+      <p:ext uri="{BB962C8B-B14F-4D97-AF65-F5344CB8AC3E}">
+        <p14:creationId xmlns:p14="http://schemas.microsoft.com/office/powerpoint/2010/main" val="2725872556"/>
+      </p:ext>
+    </p:extLst>
+  </p:cSld>
+  <p:clrMapOvr>
+    <a:masterClrMapping/>
+  </p:clrMapOvr>
+  <p:timing>
+    <p:tnLst>
+      <p:par>
+        <p:cTn id="1" dur="indefinite" restart="never" nodeType="tmRoot"/>
+      </p:par>
+    </p:tnLst>
+  </p:timing>
+</p:sld>
+</file>
+
+<file path=ppt/slides/slide5.xml><?xml version="1.0" encoding="utf-8"?>
+<p:sld xmlns:a="http://schemas.openxmlformats.org/drawingml/2006/main" xmlns:r="http://schemas.openxmlformats.org/officeDocument/2006/relationships" xmlns:p="http://schemas.openxmlformats.org/presentationml/2006/main">
+  <p:cSld>
+    <p:spTree>
+      <p:nvGrpSpPr>
+        <p:cNvPr id="1" name=""/>
+        <p:cNvGrpSpPr/>
+        <p:nvPr/>
+      </p:nvGrpSpPr>
+      <p:grpSpPr>
+        <a:xfrm>
+          <a:off x="0" y="0"/>
+          <a:ext cx="0" cy="0"/>
+          <a:chOff x="0" y="0"/>
+          <a:chExt cx="0" cy="0"/>
+        </a:xfrm>
+      </p:grpSpPr>
+      <p:sp>
+        <p:nvSpPr>
+          <p:cNvPr id="4" name="標題 3"/>
+          <p:cNvSpPr>
+            <a:spLocks noGrp="1"/>
+          </p:cNvSpPr>
+          <p:nvPr>
+            <p:ph type="title"/>
+          </p:nvPr>
+        </p:nvSpPr>
+        <p:spPr>
+          <a:xfrm>
+            <a:off x="580715" y="137775"/>
+            <a:ext cx="10515600" cy="1325563"/>
+          </a:xfrm>
+        </p:spPr>
+        <p:txBody>
+          <a:bodyPr/>
+          <a:lstStyle/>
+          <a:p>
+            <a:r>
+              <a:rPr lang="en-US" altLang="zh-TW" dirty="0" smtClean="0"/>
+              <a:t>K-means</a:t>
+            </a:r>
+            <a:r>
+              <a:rPr lang="zh-TW" altLang="en-US" dirty="0" smtClean="0"/>
+              <a:t> </a:t>
+            </a:r>
+            <a:r>
+              <a:rPr lang="en-US" altLang="zh-TW" dirty="0" smtClean="0"/>
+              <a:t>Clustering</a:t>
+            </a:r>
+            <a:endParaRPr lang="zh-TW" altLang="en-US" dirty="0"/>
+          </a:p>
+        </p:txBody>
+      </p:sp>
+      <p:sp>
+        <p:nvSpPr>
+          <p:cNvPr id="2" name="內容版面配置區 1"/>
+          <p:cNvSpPr>
+            <a:spLocks noGrp="1"/>
+          </p:cNvSpPr>
+          <p:nvPr>
+            <p:ph idx="1"/>
+          </p:nvPr>
+        </p:nvSpPr>
+        <p:spPr>
+          <a:xfrm>
+            <a:off x="580715" y="1422090"/>
+            <a:ext cx="10515600" cy="812067"/>
+          </a:xfrm>
+        </p:spPr>
         <p:txBody>
           <a:bodyPr>
             <a:normAutofit/>
           </a:bodyPr>
           <a:lstStyle/>
           <a:p>
-            <a:r>
-              <a:rPr lang="en-US" altLang="zh-TW" dirty="0" smtClean="0"/>
-              <a:t>Programming flow</a:t>
-            </a:r>
-          </a:p>
-          <a:p>
-            <a:pPr lvl="1"/>
-            <a:r>
-              <a:rPr lang="en-US" altLang="zh-TW" dirty="0" smtClean="0"/>
-              <a:t>required packages</a:t>
-            </a:r>
-          </a:p>
-          <a:p>
-            <a:pPr lvl="1"/>
-            <a:r>
-              <a:rPr lang="en-US" altLang="zh-TW" dirty="0" smtClean="0"/>
-              <a:t>download and read dataset</a:t>
-            </a:r>
-          </a:p>
-          <a:p>
-            <a:pPr lvl="1"/>
-            <a:r>
-              <a:rPr lang="en-US" altLang="zh-TW" smtClean="0"/>
-              <a:t>data </a:t>
-            </a:r>
-            <a:r>
-              <a:rPr lang="en-US" altLang="zh-TW" smtClean="0"/>
-              <a:t>preprocessing</a:t>
-            </a:r>
-          </a:p>
-          <a:p>
-            <a:pPr lvl="2"/>
-            <a:r>
-              <a:rPr lang="en-US" altLang="zh-TW" smtClean="0"/>
-              <a:t>tm_map</a:t>
-            </a:r>
-            <a:r>
-              <a:rPr lang="en-US" altLang="zh-TW" dirty="0" smtClean="0"/>
-              <a:t>() usage</a:t>
-            </a:r>
-          </a:p>
-          <a:p>
-            <a:pPr lvl="2"/>
-            <a:r>
-              <a:rPr lang="en-US" altLang="zh-TW" dirty="0" smtClean="0"/>
-              <a:t>remove </a:t>
-            </a:r>
-            <a:r>
-              <a:rPr lang="en-US" altLang="zh-TW" dirty="0" err="1" smtClean="0"/>
-              <a:t>stopwords</a:t>
-            </a:r>
-            <a:endParaRPr lang="en-US" altLang="zh-TW" dirty="0" smtClean="0"/>
-          </a:p>
-          <a:p>
-            <a:pPr lvl="2"/>
-            <a:r>
-              <a:rPr lang="en-US" altLang="zh-TW" dirty="0" smtClean="0"/>
-              <a:t>do word stemming</a:t>
-            </a:r>
-          </a:p>
-          <a:p>
-            <a:pPr lvl="2"/>
-            <a:r>
-              <a:rPr lang="en-US" altLang="zh-TW" dirty="0" smtClean="0"/>
-              <a:t>trim whitespace</a:t>
-            </a:r>
-          </a:p>
-          <a:p>
-            <a:pPr lvl="1"/>
-            <a:r>
-              <a:rPr lang="en-US" altLang="zh-TW" dirty="0" smtClean="0"/>
-              <a:t>create document-term matrix</a:t>
-            </a:r>
-          </a:p>
-          <a:p>
-            <a:pPr lvl="1"/>
-            <a:r>
-              <a:rPr lang="en-US" altLang="zh-TW" dirty="0" smtClean="0"/>
-              <a:t>execute clustering algorithm</a:t>
-            </a:r>
-          </a:p>
-          <a:p>
-            <a:pPr lvl="1"/>
-            <a:r>
-              <a:rPr lang="en-US" altLang="zh-TW" dirty="0" smtClean="0"/>
-              <a:t>visualize clusters</a:t>
-            </a:r>
+            <a:pPr marL="0" indent="0">
+              <a:buNone/>
+            </a:pPr>
+            <a:r>
+              <a:rPr lang="zh-TW" altLang="en-US" sz="2000" dirty="0" smtClean="0">
+                <a:latin typeface="微軟正黑體" panose="020B0604030504040204" pitchFamily="34" charset="-120"/>
+                <a:ea typeface="微軟正黑體" panose="020B0604030504040204" pitchFamily="34" charset="-120"/>
+              </a:rPr>
+              <a:t>屬於一種分割</a:t>
+            </a:r>
+            <a:r>
+              <a:rPr lang="zh-TW" altLang="en-US" sz="2000" dirty="0">
+                <a:latin typeface="微軟正黑體" panose="020B0604030504040204" pitchFamily="34" charset="-120"/>
+                <a:ea typeface="微軟正黑體" panose="020B0604030504040204" pitchFamily="34" charset="-120"/>
+              </a:rPr>
+              <a:t>式分群</a:t>
+            </a:r>
+            <a:r>
+              <a:rPr lang="en-US" altLang="zh-TW" sz="2000" dirty="0">
+                <a:latin typeface="微軟正黑體" panose="020B0604030504040204" pitchFamily="34" charset="-120"/>
+                <a:ea typeface="微軟正黑體" panose="020B0604030504040204" pitchFamily="34" charset="-120"/>
+              </a:rPr>
+              <a:t>(</a:t>
+            </a:r>
+            <a:r>
+              <a:rPr lang="en-US" altLang="zh-TW" sz="2000" dirty="0" err="1">
+                <a:latin typeface="微軟正黑體" panose="020B0604030504040204" pitchFamily="34" charset="-120"/>
+                <a:ea typeface="微軟正黑體" panose="020B0604030504040204" pitchFamily="34" charset="-120"/>
+              </a:rPr>
+              <a:t>Partitional</a:t>
+            </a:r>
+            <a:r>
+              <a:rPr lang="en-US" altLang="zh-TW" sz="2000" dirty="0">
+                <a:latin typeface="微軟正黑體" panose="020B0604030504040204" pitchFamily="34" charset="-120"/>
+                <a:ea typeface="微軟正黑體" panose="020B0604030504040204" pitchFamily="34" charset="-120"/>
+              </a:rPr>
+              <a:t> Clustering)</a:t>
+            </a:r>
+            <a:r>
+              <a:rPr lang="zh-TW" altLang="en-US" sz="2000" dirty="0">
+                <a:latin typeface="微軟正黑體" panose="020B0604030504040204" pitchFamily="34" charset="-120"/>
+                <a:ea typeface="微軟正黑體" panose="020B0604030504040204" pitchFamily="34" charset="-120"/>
+              </a:rPr>
+              <a:t>：需事先指定分群數目，經過不斷的迭代，直到群內的變異</a:t>
+            </a:r>
+            <a:r>
+              <a:rPr lang="zh-TW" altLang="en-US" sz="2000" dirty="0" smtClean="0">
+                <a:latin typeface="微軟正黑體" panose="020B0604030504040204" pitchFamily="34" charset="-120"/>
+                <a:ea typeface="微軟正黑體" panose="020B0604030504040204" pitchFamily="34" charset="-120"/>
+              </a:rPr>
+              <a:t>最小。</a:t>
+            </a:r>
+            <a:endParaRPr lang="zh-TW" altLang="en-US" sz="2000" dirty="0">
+              <a:latin typeface="微軟正黑體" panose="020B0604030504040204" pitchFamily="34" charset="-120"/>
+              <a:ea typeface="微軟正黑體" panose="020B0604030504040204" pitchFamily="34" charset="-120"/>
+            </a:endParaRPr>
+          </a:p>
+        </p:txBody>
+      </p:sp>
+      <p:pic>
+        <p:nvPicPr>
+          <p:cNvPr id="3" name="圖片 2"/>
+          <p:cNvPicPr>
+            <a:picLocks noChangeAspect="1"/>
+          </p:cNvPicPr>
+          <p:nvPr/>
+        </p:nvPicPr>
+        <p:blipFill>
+          <a:blip r:embed="rId2"/>
+          <a:stretch>
+            <a:fillRect/>
+          </a:stretch>
+        </p:blipFill>
+        <p:spPr>
+          <a:xfrm>
+            <a:off x="888201" y="2321170"/>
+            <a:ext cx="1784661" cy="1627006"/>
+          </a:xfrm>
+          <a:prstGeom prst="rect">
+            <a:avLst/>
+          </a:prstGeom>
+        </p:spPr>
+      </p:pic>
+      <p:pic>
+        <p:nvPicPr>
+          <p:cNvPr id="15" name="圖片 14"/>
+          <p:cNvPicPr>
+            <a:picLocks noChangeAspect="1"/>
+          </p:cNvPicPr>
+          <p:nvPr/>
+        </p:nvPicPr>
+        <p:blipFill>
+          <a:blip r:embed="rId3"/>
+          <a:stretch>
+            <a:fillRect/>
+          </a:stretch>
+        </p:blipFill>
+        <p:spPr>
+          <a:xfrm>
+            <a:off x="2980037" y="2321169"/>
+            <a:ext cx="1769836" cy="1627007"/>
+          </a:xfrm>
+          <a:prstGeom prst="rect">
+            <a:avLst/>
+          </a:prstGeom>
+        </p:spPr>
+      </p:pic>
+      <p:pic>
+        <p:nvPicPr>
+          <p:cNvPr id="16" name="圖片 15"/>
+          <p:cNvPicPr>
+            <a:picLocks noChangeAspect="1"/>
+          </p:cNvPicPr>
+          <p:nvPr/>
+        </p:nvPicPr>
+        <p:blipFill>
+          <a:blip r:embed="rId4"/>
+          <a:stretch>
+            <a:fillRect/>
+          </a:stretch>
+        </p:blipFill>
+        <p:spPr>
+          <a:xfrm>
+            <a:off x="4964169" y="2321169"/>
+            <a:ext cx="1726777" cy="1629150"/>
+          </a:xfrm>
+          <a:prstGeom prst="rect">
+            <a:avLst/>
+          </a:prstGeom>
+        </p:spPr>
+      </p:pic>
+      <p:sp>
+        <p:nvSpPr>
+          <p:cNvPr id="17" name="矩形 16"/>
+          <p:cNvSpPr/>
+          <p:nvPr/>
+        </p:nvSpPr>
+        <p:spPr>
+          <a:xfrm>
+            <a:off x="5023490" y="3948176"/>
+            <a:ext cx="1795684" cy="307777"/>
+          </a:xfrm>
+          <a:prstGeom prst="rect">
+            <a:avLst/>
+          </a:prstGeom>
+        </p:spPr>
+        <p:txBody>
+          <a:bodyPr wrap="none">
+            <a:spAutoFit/>
+          </a:bodyPr>
+          <a:lstStyle/>
+          <a:p>
+            <a:r>
+              <a:rPr lang="en-US" altLang="zh-TW" sz="1400" dirty="0" smtClean="0">
+                <a:latin typeface="微軟正黑體" panose="020B0604030504040204" pitchFamily="34" charset="-120"/>
+                <a:ea typeface="微軟正黑體" panose="020B0604030504040204" pitchFamily="34" charset="-120"/>
+              </a:rPr>
+              <a:t>d1 &lt; d2, x1 </a:t>
+            </a:r>
+            <a:r>
+              <a:rPr lang="zh-TW" altLang="en-US" sz="1400" dirty="0" smtClean="0">
+                <a:latin typeface="微軟正黑體" panose="020B0604030504040204" pitchFamily="34" charset="-120"/>
+                <a:ea typeface="微軟正黑體" panose="020B0604030504040204" pitchFamily="34" charset="-120"/>
+              </a:rPr>
+              <a:t>判給 </a:t>
+            </a:r>
+            <a:r>
+              <a:rPr lang="en-US" altLang="zh-TW" sz="1400" dirty="0" smtClean="0">
+                <a:latin typeface="微軟正黑體" panose="020B0604030504040204" pitchFamily="34" charset="-120"/>
+                <a:ea typeface="微軟正黑體" panose="020B0604030504040204" pitchFamily="34" charset="-120"/>
+              </a:rPr>
+              <a:t>C1</a:t>
+            </a:r>
+            <a:endParaRPr lang="zh-TW" altLang="en-US" sz="1400" dirty="0">
+              <a:latin typeface="微軟正黑體" panose="020B0604030504040204" pitchFamily="34" charset="-120"/>
+              <a:ea typeface="微軟正黑體" panose="020B0604030504040204" pitchFamily="34" charset="-120"/>
+            </a:endParaRPr>
+          </a:p>
+        </p:txBody>
+      </p:sp>
+      <p:pic>
+        <p:nvPicPr>
+          <p:cNvPr id="18" name="圖片 17"/>
+          <p:cNvPicPr>
+            <a:picLocks noChangeAspect="1"/>
+          </p:cNvPicPr>
+          <p:nvPr/>
+        </p:nvPicPr>
+        <p:blipFill>
+          <a:blip r:embed="rId5"/>
+          <a:stretch>
+            <a:fillRect/>
+          </a:stretch>
+        </p:blipFill>
+        <p:spPr>
+          <a:xfrm>
+            <a:off x="6957993" y="2321170"/>
+            <a:ext cx="1790350" cy="1635476"/>
+          </a:xfrm>
+          <a:prstGeom prst="rect">
+            <a:avLst/>
+          </a:prstGeom>
+        </p:spPr>
+      </p:pic>
+      <p:sp>
+        <p:nvSpPr>
+          <p:cNvPr id="21" name="矩形 20"/>
+          <p:cNvSpPr/>
+          <p:nvPr/>
+        </p:nvSpPr>
+        <p:spPr>
+          <a:xfrm>
+            <a:off x="6905242" y="3956646"/>
+            <a:ext cx="2339102" cy="307777"/>
+          </a:xfrm>
+          <a:prstGeom prst="rect">
+            <a:avLst/>
+          </a:prstGeom>
+        </p:spPr>
+        <p:txBody>
+          <a:bodyPr wrap="none">
+            <a:spAutoFit/>
+          </a:bodyPr>
+          <a:lstStyle/>
+          <a:p>
+            <a:r>
+              <a:rPr lang="zh-TW" altLang="en-US" sz="1400" dirty="0" smtClean="0">
+                <a:latin typeface="微軟正黑體" panose="020B0604030504040204" pitchFamily="34" charset="-120"/>
+                <a:ea typeface="微軟正黑體" panose="020B0604030504040204" pitchFamily="34" charset="-120"/>
+              </a:rPr>
+              <a:t>分出兩個群，更新群的中心</a:t>
+            </a:r>
+            <a:endParaRPr lang="zh-TW" altLang="en-US" sz="1400" dirty="0">
+              <a:latin typeface="微軟正黑體" panose="020B0604030504040204" pitchFamily="34" charset="-120"/>
+              <a:ea typeface="微軟正黑體" panose="020B0604030504040204" pitchFamily="34" charset="-120"/>
+            </a:endParaRPr>
+          </a:p>
+        </p:txBody>
+      </p:sp>
+      <p:pic>
+        <p:nvPicPr>
+          <p:cNvPr id="19" name="圖片 18"/>
+          <p:cNvPicPr>
+            <a:picLocks noChangeAspect="1"/>
+          </p:cNvPicPr>
+          <p:nvPr/>
+        </p:nvPicPr>
+        <p:blipFill>
+          <a:blip r:embed="rId6"/>
+          <a:stretch>
+            <a:fillRect/>
+          </a:stretch>
+        </p:blipFill>
+        <p:spPr>
+          <a:xfrm>
+            <a:off x="1959077" y="4339610"/>
+            <a:ext cx="2041919" cy="1876552"/>
+          </a:xfrm>
+          <a:prstGeom prst="rect">
+            <a:avLst/>
+          </a:prstGeom>
+        </p:spPr>
+      </p:pic>
+      <p:sp>
+        <p:nvSpPr>
+          <p:cNvPr id="20" name="矩形 19"/>
+          <p:cNvSpPr/>
+          <p:nvPr/>
+        </p:nvSpPr>
+        <p:spPr>
+          <a:xfrm>
+            <a:off x="1630948" y="6216162"/>
+            <a:ext cx="2698175" cy="307777"/>
+          </a:xfrm>
+          <a:prstGeom prst="rect">
+            <a:avLst/>
+          </a:prstGeom>
+        </p:spPr>
+        <p:txBody>
+          <a:bodyPr wrap="none">
+            <a:spAutoFit/>
+          </a:bodyPr>
+          <a:lstStyle/>
+          <a:p>
+            <a:r>
+              <a:rPr lang="zh-TW" altLang="en-US" sz="1400" dirty="0" smtClean="0">
+                <a:latin typeface="微軟正黑體" panose="020B0604030504040204" pitchFamily="34" charset="-120"/>
+                <a:ea typeface="微軟正黑體" panose="020B0604030504040204" pitchFamily="34" charset="-120"/>
+              </a:rPr>
+              <a:t>新的群中心再產生新的分群方式</a:t>
+            </a:r>
+            <a:endParaRPr lang="zh-TW" altLang="en-US" sz="1400" dirty="0">
+              <a:latin typeface="微軟正黑體" panose="020B0604030504040204" pitchFamily="34" charset="-120"/>
+              <a:ea typeface="微軟正黑體" panose="020B0604030504040204" pitchFamily="34" charset="-120"/>
+            </a:endParaRPr>
+          </a:p>
+        </p:txBody>
+      </p:sp>
+      <p:pic>
+        <p:nvPicPr>
+          <p:cNvPr id="22" name="圖片 21"/>
+          <p:cNvPicPr>
+            <a:picLocks noChangeAspect="1"/>
+          </p:cNvPicPr>
+          <p:nvPr/>
+        </p:nvPicPr>
+        <p:blipFill>
+          <a:blip r:embed="rId7"/>
+          <a:stretch>
+            <a:fillRect/>
+          </a:stretch>
+        </p:blipFill>
+        <p:spPr>
+          <a:xfrm>
+            <a:off x="4964169" y="4315105"/>
+            <a:ext cx="1999829" cy="1876552"/>
+          </a:xfrm>
+          <a:prstGeom prst="rect">
+            <a:avLst/>
+          </a:prstGeom>
+        </p:spPr>
+      </p:pic>
+      <p:sp>
+        <p:nvSpPr>
+          <p:cNvPr id="25" name="矩形 24"/>
+          <p:cNvSpPr/>
+          <p:nvPr/>
+        </p:nvSpPr>
+        <p:spPr>
+          <a:xfrm>
+            <a:off x="4749873" y="6242339"/>
+            <a:ext cx="3416320" cy="307777"/>
+          </a:xfrm>
+          <a:prstGeom prst="rect">
+            <a:avLst/>
+          </a:prstGeom>
+        </p:spPr>
+        <p:txBody>
+          <a:bodyPr wrap="none">
+            <a:spAutoFit/>
+          </a:bodyPr>
+          <a:lstStyle/>
+          <a:p>
+            <a:r>
+              <a:rPr lang="zh-TW" altLang="en-US" sz="1400" dirty="0" smtClean="0">
+                <a:latin typeface="微軟正黑體" panose="020B0604030504040204" pitchFamily="34" charset="-120"/>
+                <a:ea typeface="微軟正黑體" panose="020B0604030504040204" pitchFamily="34" charset="-120"/>
+              </a:rPr>
+              <a:t>不斷執行，直到群的中心不再變動，完成</a:t>
+            </a:r>
+            <a:endParaRPr lang="zh-TW" altLang="en-US" sz="1400" dirty="0">
+              <a:latin typeface="微軟正黑體" panose="020B0604030504040204" pitchFamily="34" charset="-120"/>
+              <a:ea typeface="微軟正黑體" panose="020B0604030504040204" pitchFamily="34" charset="-120"/>
+            </a:endParaRPr>
           </a:p>
         </p:txBody>
       </p:sp>
     </p:spTree>
     <p:extLst>
       <p:ext uri="{BB962C8B-B14F-4D97-AF65-F5344CB8AC3E}">
-        <p14:creationId xmlns:p14="http://schemas.microsoft.com/office/powerpoint/2010/main" val="4219652209"/>
+        <p14:creationId xmlns:p14="http://schemas.microsoft.com/office/powerpoint/2010/main" val="496137993"/>
+      </p:ext>
+    </p:extLst>
+  </p:cSld>
+  <p:clrMapOvr>
+    <a:masterClrMapping/>
+  </p:clrMapOvr>
+  <p:timing>
+    <p:tnLst>
+      <p:par>
+        <p:cTn id="1" dur="indefinite" restart="never" nodeType="tmRoot"/>
+      </p:par>
+    </p:tnLst>
+  </p:timing>
+</p:sld>
+</file>
+
+<file path=ppt/slides/slide6.xml><?xml version="1.0" encoding="utf-8"?>
+<p:sld xmlns:a="http://schemas.openxmlformats.org/drawingml/2006/main" xmlns:r="http://schemas.openxmlformats.org/officeDocument/2006/relationships" xmlns:p="http://schemas.openxmlformats.org/presentationml/2006/main">
+  <p:cSld>
+    <p:spTree>
+      <p:nvGrpSpPr>
+        <p:cNvPr id="1" name=""/>
+        <p:cNvGrpSpPr/>
+        <p:nvPr/>
+      </p:nvGrpSpPr>
+      <p:grpSpPr>
+        <a:xfrm>
+          <a:off x="0" y="0"/>
+          <a:ext cx="0" cy="0"/>
+          <a:chOff x="0" y="0"/>
+          <a:chExt cx="0" cy="0"/>
+        </a:xfrm>
+      </p:grpSpPr>
+      <p:sp>
+        <p:nvSpPr>
+          <p:cNvPr id="4" name="標題 3"/>
+          <p:cNvSpPr>
+            <a:spLocks noGrp="1"/>
+          </p:cNvSpPr>
+          <p:nvPr>
+            <p:ph type="title"/>
+          </p:nvPr>
+        </p:nvSpPr>
+        <p:spPr>
+          <a:xfrm>
+            <a:off x="580715" y="137775"/>
+            <a:ext cx="10515600" cy="1325563"/>
+          </a:xfrm>
+        </p:spPr>
+        <p:txBody>
+          <a:bodyPr/>
+          <a:lstStyle/>
+          <a:p>
+            <a:r>
+              <a:rPr lang="en-US" altLang="zh-TW" dirty="0" smtClean="0"/>
+              <a:t>K-means Clustering</a:t>
+            </a:r>
+            <a:endParaRPr lang="zh-TW" altLang="en-US" dirty="0"/>
+          </a:p>
+        </p:txBody>
+      </p:sp>
+      <p:sp>
+        <p:nvSpPr>
+          <p:cNvPr id="2" name="內容版面配置區 1"/>
+          <p:cNvSpPr>
+            <a:spLocks noGrp="1"/>
+          </p:cNvSpPr>
+          <p:nvPr>
+            <p:ph idx="1"/>
+          </p:nvPr>
+        </p:nvSpPr>
+        <p:spPr>
+          <a:xfrm>
+            <a:off x="846993" y="1588232"/>
+            <a:ext cx="9580684" cy="3792660"/>
+          </a:xfrm>
+        </p:spPr>
+        <p:txBody>
+          <a:bodyPr>
+            <a:normAutofit fontScale="92500"/>
+          </a:bodyPr>
+          <a:lstStyle/>
+          <a:p>
+            <a:pPr marL="514350" indent="-514350">
+              <a:lnSpc>
+                <a:spcPct val="150000"/>
+              </a:lnSpc>
+              <a:buFont typeface="+mj-lt"/>
+              <a:buAutoNum type="arabicPeriod"/>
+            </a:pPr>
+            <a:r>
+              <a:rPr lang="zh-TW" altLang="en-US" sz="2400" dirty="0" smtClean="0">
+                <a:latin typeface="微軟正黑體" panose="020B0604030504040204" pitchFamily="34" charset="-120"/>
+                <a:ea typeface="微軟正黑體" panose="020B0604030504040204" pitchFamily="34" charset="-120"/>
+              </a:rPr>
+              <a:t>先</a:t>
+            </a:r>
+            <a:r>
+              <a:rPr lang="zh-TW" altLang="en-US" sz="2400" dirty="0">
+                <a:latin typeface="微軟正黑體" panose="020B0604030504040204" pitchFamily="34" charset="-120"/>
+                <a:ea typeface="微軟正黑體" panose="020B0604030504040204" pitchFamily="34" charset="-120"/>
+              </a:rPr>
+              <a:t>設定好要分成多少</a:t>
+            </a:r>
+            <a:r>
+              <a:rPr lang="en-US" altLang="zh-TW" sz="2400" dirty="0" smtClean="0">
+                <a:latin typeface="微軟正黑體" panose="020B0604030504040204" pitchFamily="34" charset="-120"/>
+                <a:ea typeface="微軟正黑體" panose="020B0604030504040204" pitchFamily="34" charset="-120"/>
+              </a:rPr>
+              <a:t>(K)</a:t>
+            </a:r>
+            <a:r>
+              <a:rPr lang="zh-TW" altLang="en-US" sz="2400" dirty="0" smtClean="0">
+                <a:latin typeface="微軟正黑體" panose="020B0604030504040204" pitchFamily="34" charset="-120"/>
+                <a:ea typeface="微軟正黑體" panose="020B0604030504040204" pitchFamily="34" charset="-120"/>
+              </a:rPr>
+              <a:t>群</a:t>
+            </a:r>
+            <a:endParaRPr lang="zh-TW" altLang="en-US" sz="2400" dirty="0">
+              <a:latin typeface="微軟正黑體" panose="020B0604030504040204" pitchFamily="34" charset="-120"/>
+              <a:ea typeface="微軟正黑體" panose="020B0604030504040204" pitchFamily="34" charset="-120"/>
+            </a:endParaRPr>
+          </a:p>
+          <a:p>
+            <a:pPr marL="514350" indent="-514350">
+              <a:lnSpc>
+                <a:spcPct val="150000"/>
+              </a:lnSpc>
+              <a:buFont typeface="+mj-lt"/>
+              <a:buAutoNum type="arabicPeriod"/>
+            </a:pPr>
+            <a:r>
+              <a:rPr lang="zh-TW" altLang="en-US" sz="2400" dirty="0" smtClean="0">
+                <a:latin typeface="微軟正黑體" panose="020B0604030504040204" pitchFamily="34" charset="-120"/>
+                <a:ea typeface="微軟正黑體" panose="020B0604030504040204" pitchFamily="34" charset="-120"/>
+              </a:rPr>
+              <a:t>然後在空間中隨機設</a:t>
+            </a:r>
+            <a:r>
+              <a:rPr lang="zh-TW" altLang="en-US" sz="2400" dirty="0">
+                <a:latin typeface="微軟正黑體" panose="020B0604030504040204" pitchFamily="34" charset="-120"/>
+                <a:ea typeface="微軟正黑體" panose="020B0604030504040204" pitchFamily="34" charset="-120"/>
+              </a:rPr>
+              <a:t>定</a:t>
+            </a:r>
+            <a:r>
+              <a:rPr lang="zh-TW" altLang="en-US" sz="2400" dirty="0" smtClean="0">
+                <a:latin typeface="微軟正黑體" panose="020B0604030504040204" pitchFamily="34" charset="-120"/>
+                <a:ea typeface="微軟正黑體" panose="020B0604030504040204" pitchFamily="34" charset="-120"/>
+              </a:rPr>
+              <a:t> </a:t>
+            </a:r>
+            <a:r>
+              <a:rPr lang="en-US" altLang="zh-TW" sz="2400" dirty="0" smtClean="0">
+                <a:latin typeface="微軟正黑體" panose="020B0604030504040204" pitchFamily="34" charset="-120"/>
+                <a:ea typeface="微軟正黑體" panose="020B0604030504040204" pitchFamily="34" charset="-120"/>
+              </a:rPr>
+              <a:t>K </a:t>
+            </a:r>
+            <a:r>
+              <a:rPr lang="zh-TW" altLang="en-US" sz="2400" dirty="0" smtClean="0">
+                <a:latin typeface="微軟正黑體" panose="020B0604030504040204" pitchFamily="34" charset="-120"/>
+                <a:ea typeface="微軟正黑體" panose="020B0604030504040204" pitchFamily="34" charset="-120"/>
+              </a:rPr>
+              <a:t>個群中心</a:t>
+            </a:r>
+            <a:endParaRPr lang="zh-TW" altLang="en-US" sz="2400" dirty="0">
+              <a:latin typeface="微軟正黑體" panose="020B0604030504040204" pitchFamily="34" charset="-120"/>
+              <a:ea typeface="微軟正黑體" panose="020B0604030504040204" pitchFamily="34" charset="-120"/>
+            </a:endParaRPr>
+          </a:p>
+          <a:p>
+            <a:pPr marL="514350" indent="-514350">
+              <a:lnSpc>
+                <a:spcPct val="150000"/>
+              </a:lnSpc>
+              <a:buFont typeface="+mj-lt"/>
+              <a:buAutoNum type="arabicPeriod"/>
+            </a:pPr>
+            <a:r>
+              <a:rPr lang="zh-TW" altLang="en-US" sz="2400" dirty="0" smtClean="0">
+                <a:latin typeface="微軟正黑體" panose="020B0604030504040204" pitchFamily="34" charset="-120"/>
+                <a:ea typeface="微軟正黑體" panose="020B0604030504040204" pitchFamily="34" charset="-120"/>
+              </a:rPr>
+              <a:t>每個資料點</a:t>
+            </a:r>
+            <a:r>
+              <a:rPr lang="zh-TW" altLang="en-US" sz="2400" dirty="0">
+                <a:latin typeface="微軟正黑體" panose="020B0604030504040204" pitchFamily="34" charset="-120"/>
+                <a:ea typeface="微軟正黑體" panose="020B0604030504040204" pitchFamily="34" charset="-120"/>
+              </a:rPr>
+              <a:t>向</a:t>
+            </a:r>
+            <a:r>
+              <a:rPr lang="zh-TW" altLang="en-US" sz="2400" dirty="0" smtClean="0">
+                <a:latin typeface="微軟正黑體" panose="020B0604030504040204" pitchFamily="34" charset="-120"/>
+                <a:ea typeface="微軟正黑體" panose="020B0604030504040204" pitchFamily="34" charset="-120"/>
+              </a:rPr>
+              <a:t>所有群</a:t>
+            </a:r>
+            <a:r>
+              <a:rPr lang="zh-TW" altLang="en-US" sz="2400" dirty="0">
+                <a:latin typeface="微軟正黑體" panose="020B0604030504040204" pitchFamily="34" charset="-120"/>
+                <a:ea typeface="微軟正黑體" panose="020B0604030504040204" pitchFamily="34" charset="-120"/>
+              </a:rPr>
+              <a:t>中</a:t>
+            </a:r>
+            <a:r>
+              <a:rPr lang="zh-TW" altLang="en-US" sz="2400" dirty="0" smtClean="0">
+                <a:latin typeface="微軟正黑體" panose="020B0604030504040204" pitchFamily="34" charset="-120"/>
+                <a:ea typeface="微軟正黑體" panose="020B0604030504040204" pitchFamily="34" charset="-120"/>
+              </a:rPr>
+              <a:t>心算距離 </a:t>
+            </a:r>
+            <a:r>
+              <a:rPr lang="en-US" altLang="zh-TW" sz="2400" dirty="0" smtClean="0">
+                <a:latin typeface="微軟正黑體" panose="020B0604030504040204" pitchFamily="34" charset="-120"/>
+                <a:ea typeface="微軟正黑體" panose="020B0604030504040204" pitchFamily="34" charset="-120"/>
+              </a:rPr>
+              <a:t>(e.g. Euclidean, cosine, </a:t>
+            </a:r>
+            <a:r>
+              <a:rPr lang="en-US" altLang="zh-TW" sz="2400" dirty="0" err="1" smtClean="0">
+                <a:latin typeface="微軟正黑體" panose="020B0604030504040204" pitchFamily="34" charset="-120"/>
+                <a:ea typeface="微軟正黑體" panose="020B0604030504040204" pitchFamily="34" charset="-120"/>
+              </a:rPr>
+              <a:t>jaccard</a:t>
+            </a:r>
+            <a:r>
+              <a:rPr lang="en-US" altLang="zh-TW" sz="2400" dirty="0" smtClean="0">
+                <a:latin typeface="微軟正黑體" panose="020B0604030504040204" pitchFamily="34" charset="-120"/>
+                <a:ea typeface="微軟正黑體" panose="020B0604030504040204" pitchFamily="34" charset="-120"/>
+              </a:rPr>
+              <a:t>, etc.)</a:t>
+            </a:r>
+            <a:endParaRPr lang="zh-TW" altLang="en-US" sz="2400" dirty="0">
+              <a:latin typeface="微軟正黑體" panose="020B0604030504040204" pitchFamily="34" charset="-120"/>
+              <a:ea typeface="微軟正黑體" panose="020B0604030504040204" pitchFamily="34" charset="-120"/>
+            </a:endParaRPr>
+          </a:p>
+          <a:p>
+            <a:pPr marL="514350" indent="-514350">
+              <a:lnSpc>
+                <a:spcPct val="150000"/>
+              </a:lnSpc>
+              <a:buFont typeface="+mj-lt"/>
+              <a:buAutoNum type="arabicPeriod"/>
+            </a:pPr>
+            <a:r>
+              <a:rPr lang="zh-TW" altLang="en-US" sz="2400" dirty="0" smtClean="0">
+                <a:latin typeface="微軟正黑體" panose="020B0604030504040204" pitchFamily="34" charset="-120"/>
+                <a:ea typeface="微軟正黑體" panose="020B0604030504040204" pitchFamily="34" charset="-120"/>
+              </a:rPr>
+              <a:t>將每個資料點分發，判</a:t>
+            </a:r>
+            <a:r>
+              <a:rPr lang="zh-TW" altLang="en-US" sz="2400" dirty="0">
+                <a:latin typeface="微軟正黑體" panose="020B0604030504040204" pitchFamily="34" charset="-120"/>
+                <a:ea typeface="微軟正黑體" panose="020B0604030504040204" pitchFamily="34" charset="-120"/>
+              </a:rPr>
+              <a:t>給距離最近的那個</a:t>
+            </a:r>
+            <a:r>
+              <a:rPr lang="zh-TW" altLang="en-US" sz="2400" dirty="0" smtClean="0">
+                <a:latin typeface="微軟正黑體" panose="020B0604030504040204" pitchFamily="34" charset="-120"/>
+                <a:ea typeface="微軟正黑體" panose="020B0604030504040204" pitchFamily="34" charset="-120"/>
+              </a:rPr>
+              <a:t>群中心</a:t>
+            </a:r>
+            <a:endParaRPr lang="zh-TW" altLang="en-US" sz="2400" dirty="0">
+              <a:latin typeface="微軟正黑體" panose="020B0604030504040204" pitchFamily="34" charset="-120"/>
+              <a:ea typeface="微軟正黑體" panose="020B0604030504040204" pitchFamily="34" charset="-120"/>
+            </a:endParaRPr>
+          </a:p>
+          <a:p>
+            <a:pPr marL="514350" indent="-514350">
+              <a:lnSpc>
+                <a:spcPct val="150000"/>
+              </a:lnSpc>
+              <a:buFont typeface="+mj-lt"/>
+              <a:buAutoNum type="arabicPeriod"/>
+            </a:pPr>
+            <a:r>
+              <a:rPr lang="zh-TW" altLang="en-US" sz="2400" dirty="0" smtClean="0">
+                <a:latin typeface="微軟正黑體" panose="020B0604030504040204" pitchFamily="34" charset="-120"/>
+                <a:ea typeface="微軟正黑體" panose="020B0604030504040204" pitchFamily="34" charset="-120"/>
+              </a:rPr>
+              <a:t>每</a:t>
+            </a:r>
+            <a:r>
+              <a:rPr lang="zh-TW" altLang="en-US" sz="2400" dirty="0">
+                <a:latin typeface="微軟正黑體" panose="020B0604030504040204" pitchFamily="34" charset="-120"/>
+                <a:ea typeface="微軟正黑體" panose="020B0604030504040204" pitchFamily="34" charset="-120"/>
+              </a:rPr>
+              <a:t>個</a:t>
+            </a:r>
+            <a:r>
+              <a:rPr lang="zh-TW" altLang="en-US" sz="2400" dirty="0" smtClean="0">
+                <a:latin typeface="微軟正黑體" panose="020B0604030504040204" pitchFamily="34" charset="-120"/>
+                <a:ea typeface="微軟正黑體" panose="020B0604030504040204" pitchFamily="34" charset="-120"/>
+              </a:rPr>
+              <a:t>群中心利用被分發過來</a:t>
+            </a:r>
+            <a:r>
+              <a:rPr lang="zh-TW" altLang="en-US" sz="2400" dirty="0">
+                <a:latin typeface="微軟正黑體" panose="020B0604030504040204" pitchFamily="34" charset="-120"/>
+                <a:ea typeface="微軟正黑體" panose="020B0604030504040204" pitchFamily="34" charset="-120"/>
+              </a:rPr>
+              <a:t>的</a:t>
+            </a:r>
+            <a:r>
+              <a:rPr lang="zh-TW" altLang="en-US" sz="2400" dirty="0" smtClean="0">
+                <a:latin typeface="微軟正黑體" panose="020B0604030504040204" pitchFamily="34" charset="-120"/>
+                <a:ea typeface="微軟正黑體" panose="020B0604030504040204" pitchFamily="34" charset="-120"/>
+              </a:rPr>
+              <a:t>資料點，計算出新的群中心</a:t>
+            </a:r>
+            <a:endParaRPr lang="zh-TW" altLang="en-US" sz="2400" dirty="0">
+              <a:latin typeface="微軟正黑體" panose="020B0604030504040204" pitchFamily="34" charset="-120"/>
+              <a:ea typeface="微軟正黑體" panose="020B0604030504040204" pitchFamily="34" charset="-120"/>
+            </a:endParaRPr>
+          </a:p>
+          <a:p>
+            <a:pPr marL="514350" indent="-514350">
+              <a:lnSpc>
+                <a:spcPct val="150000"/>
+              </a:lnSpc>
+              <a:buFont typeface="+mj-lt"/>
+              <a:buAutoNum type="arabicPeriod"/>
+            </a:pPr>
+            <a:r>
+              <a:rPr lang="zh-TW" altLang="en-US" sz="2400" dirty="0" smtClean="0">
+                <a:latin typeface="微軟正黑體" panose="020B0604030504040204" pitchFamily="34" charset="-120"/>
+                <a:ea typeface="微軟正黑體" panose="020B0604030504040204" pitchFamily="34" charset="-120"/>
+              </a:rPr>
+              <a:t>一直</a:t>
+            </a:r>
+            <a:r>
+              <a:rPr lang="zh-TW" altLang="en-US" sz="2400" dirty="0">
+                <a:latin typeface="微軟正黑體" panose="020B0604030504040204" pitchFamily="34" charset="-120"/>
+                <a:ea typeface="微軟正黑體" panose="020B0604030504040204" pitchFamily="34" charset="-120"/>
+              </a:rPr>
+              <a:t>重複</a:t>
+            </a:r>
+            <a:r>
+              <a:rPr lang="en-US" altLang="zh-TW" sz="2400" dirty="0">
+                <a:latin typeface="微軟正黑體" panose="020B0604030504040204" pitchFamily="34" charset="-120"/>
+                <a:ea typeface="微軟正黑體" panose="020B0604030504040204" pitchFamily="34" charset="-120"/>
+              </a:rPr>
+              <a:t>3–5</a:t>
+            </a:r>
+            <a:r>
+              <a:rPr lang="zh-TW" altLang="en-US" sz="2400" dirty="0">
+                <a:latin typeface="微軟正黑體" panose="020B0604030504040204" pitchFamily="34" charset="-120"/>
+                <a:ea typeface="微軟正黑體" panose="020B0604030504040204" pitchFamily="34" charset="-120"/>
+              </a:rPr>
+              <a:t>，直到所有</a:t>
+            </a:r>
+            <a:r>
+              <a:rPr lang="zh-TW" altLang="en-US" sz="2400" dirty="0" smtClean="0">
+                <a:latin typeface="微軟正黑體" panose="020B0604030504040204" pitchFamily="34" charset="-120"/>
+                <a:ea typeface="微軟正黑體" panose="020B0604030504040204" pitchFamily="34" charset="-120"/>
+              </a:rPr>
+              <a:t>群中心</a:t>
+            </a:r>
+            <a:r>
+              <a:rPr lang="zh-TW" altLang="en-US" sz="2400" dirty="0">
+                <a:latin typeface="微軟正黑體" panose="020B0604030504040204" pitchFamily="34" charset="-120"/>
+                <a:ea typeface="微軟正黑體" panose="020B0604030504040204" pitchFamily="34" charset="-120"/>
+              </a:rPr>
+              <a:t>不在有太大的變動</a:t>
+            </a:r>
+            <a:r>
+              <a:rPr lang="en-US" altLang="zh-TW" sz="2400" dirty="0">
+                <a:latin typeface="微軟正黑體" panose="020B0604030504040204" pitchFamily="34" charset="-120"/>
+                <a:ea typeface="微軟正黑體" panose="020B0604030504040204" pitchFamily="34" charset="-120"/>
+              </a:rPr>
+              <a:t>(</a:t>
+            </a:r>
+            <a:r>
+              <a:rPr lang="zh-TW" altLang="en-US" sz="2400" dirty="0">
+                <a:latin typeface="微軟正黑體" panose="020B0604030504040204" pitchFamily="34" charset="-120"/>
+                <a:ea typeface="微軟正黑體" panose="020B0604030504040204" pitchFamily="34" charset="-120"/>
+              </a:rPr>
+              <a:t>收斂</a:t>
+            </a:r>
+            <a:r>
+              <a:rPr lang="en-US" altLang="zh-TW" sz="2400" dirty="0">
+                <a:latin typeface="微軟正黑體" panose="020B0604030504040204" pitchFamily="34" charset="-120"/>
+                <a:ea typeface="微軟正黑體" panose="020B0604030504040204" pitchFamily="34" charset="-120"/>
+              </a:rPr>
+              <a:t>)</a:t>
+            </a:r>
+            <a:r>
+              <a:rPr lang="zh-TW" altLang="en-US" sz="2400" dirty="0">
+                <a:latin typeface="微軟正黑體" panose="020B0604030504040204" pitchFamily="34" charset="-120"/>
+                <a:ea typeface="微軟正黑體" panose="020B0604030504040204" pitchFamily="34" charset="-120"/>
+              </a:rPr>
+              <a:t>，</a:t>
+            </a:r>
+            <a:r>
+              <a:rPr lang="zh-TW" altLang="en-US" sz="2400" dirty="0" smtClean="0">
+                <a:latin typeface="微軟正黑體" panose="020B0604030504040204" pitchFamily="34" charset="-120"/>
+                <a:ea typeface="微軟正黑體" panose="020B0604030504040204" pitchFamily="34" charset="-120"/>
+              </a:rPr>
+              <a:t>結束</a:t>
+            </a:r>
+            <a:endParaRPr lang="zh-TW" altLang="en-US" sz="2400" dirty="0">
+              <a:latin typeface="微軟正黑體" panose="020B0604030504040204" pitchFamily="34" charset="-120"/>
+              <a:ea typeface="微軟正黑體" panose="020B0604030504040204" pitchFamily="34" charset="-120"/>
+            </a:endParaRPr>
+          </a:p>
+        </p:txBody>
+      </p:sp>
+      <p:sp>
+        <p:nvSpPr>
+          <p:cNvPr id="3" name="右大括弧 2"/>
+          <p:cNvSpPr/>
+          <p:nvPr/>
+        </p:nvSpPr>
+        <p:spPr>
+          <a:xfrm>
+            <a:off x="10427677" y="3068515"/>
+            <a:ext cx="175846" cy="1415562"/>
+          </a:xfrm>
+          <a:prstGeom prst="rightBrace">
+            <a:avLst/>
+          </a:prstGeom>
+          <a:ln w="19050"/>
+        </p:spPr>
+        <p:style>
+          <a:lnRef idx="1">
+            <a:schemeClr val="accent4"/>
+          </a:lnRef>
+          <a:fillRef idx="0">
+            <a:schemeClr val="accent4"/>
+          </a:fillRef>
+          <a:effectRef idx="0">
+            <a:schemeClr val="accent4"/>
+          </a:effectRef>
+          <a:fontRef idx="minor">
+            <a:schemeClr val="tx1"/>
+          </a:fontRef>
+        </p:style>
+        <p:txBody>
+          <a:bodyPr rtlCol="0" anchor="ctr"/>
+          <a:lstStyle/>
+          <a:p>
+            <a:pPr algn="ctr"/>
+            <a:endParaRPr lang="zh-TW" altLang="en-US"/>
+          </a:p>
+        </p:txBody>
+      </p:sp>
+      <p:sp>
+        <p:nvSpPr>
+          <p:cNvPr id="5" name="矩形 4"/>
+          <p:cNvSpPr/>
+          <p:nvPr/>
+        </p:nvSpPr>
+        <p:spPr>
+          <a:xfrm>
+            <a:off x="10708798" y="3591630"/>
+            <a:ext cx="647934" cy="369332"/>
+          </a:xfrm>
+          <a:prstGeom prst="rect">
+            <a:avLst/>
+          </a:prstGeom>
+        </p:spPr>
+        <p:txBody>
+          <a:bodyPr wrap="none">
+            <a:spAutoFit/>
+          </a:bodyPr>
+          <a:lstStyle/>
+          <a:p>
+            <a:r>
+              <a:rPr lang="en-US" altLang="zh-TW" dirty="0" smtClean="0">
+                <a:solidFill>
+                  <a:srgbClr val="FFC000"/>
+                </a:solidFill>
+              </a:rPr>
+              <a:t>Loop</a:t>
+            </a:r>
+            <a:endParaRPr lang="zh-TW" altLang="en-US" dirty="0">
+              <a:solidFill>
+                <a:srgbClr val="FFC000"/>
+              </a:solidFill>
+            </a:endParaRPr>
+          </a:p>
+        </p:txBody>
+      </p:sp>
+      <p:sp>
+        <p:nvSpPr>
+          <p:cNvPr id="6" name="矩形 5"/>
+          <p:cNvSpPr/>
+          <p:nvPr/>
+        </p:nvSpPr>
+        <p:spPr>
+          <a:xfrm>
+            <a:off x="1079837" y="5758935"/>
+            <a:ext cx="7822141" cy="369332"/>
+          </a:xfrm>
+          <a:prstGeom prst="rect">
+            <a:avLst/>
+          </a:prstGeom>
+        </p:spPr>
+        <p:txBody>
+          <a:bodyPr wrap="none">
+            <a:spAutoFit/>
+          </a:bodyPr>
+          <a:lstStyle/>
+          <a:p>
+            <a:r>
+              <a:rPr lang="en-US" altLang="zh-TW" dirty="0">
+                <a:latin typeface="微軟正黑體" panose="020B0604030504040204" pitchFamily="34" charset="-120"/>
+                <a:ea typeface="微軟正黑體" panose="020B0604030504040204" pitchFamily="34" charset="-120"/>
+              </a:rPr>
+              <a:t>Video visualization: </a:t>
+            </a:r>
+            <a:r>
+              <a:rPr lang="en-US" altLang="zh-TW" dirty="0">
+                <a:latin typeface="微軟正黑體" panose="020B0604030504040204" pitchFamily="34" charset="-120"/>
+                <a:ea typeface="微軟正黑體" panose="020B0604030504040204" pitchFamily="34" charset="-120"/>
+                <a:hlinkClick r:id="rId2"/>
+              </a:rPr>
+              <a:t>https://www.youtube.com/watch?v=nXY6PxAaOk0</a:t>
+            </a:r>
+            <a:endParaRPr lang="zh-TW" altLang="en-US" dirty="0"/>
+          </a:p>
+        </p:txBody>
+      </p:sp>
+    </p:spTree>
+    <p:extLst>
+      <p:ext uri="{BB962C8B-B14F-4D97-AF65-F5344CB8AC3E}">
+        <p14:creationId xmlns:p14="http://schemas.microsoft.com/office/powerpoint/2010/main" val="4180901055"/>
+      </p:ext>
+    </p:extLst>
+  </p:cSld>
+  <p:clrMapOvr>
+    <a:masterClrMapping/>
+  </p:clrMapOvr>
+  <p:timing>
+    <p:tnLst>
+      <p:par>
+        <p:cTn id="1" dur="indefinite" restart="never" nodeType="tmRoot"/>
+      </p:par>
+    </p:tnLst>
+  </p:timing>
+</p:sld>
+</file>
+
+<file path=ppt/slides/slide7.xml><?xml version="1.0" encoding="utf-8"?>
+<p:sld xmlns:a="http://schemas.openxmlformats.org/drawingml/2006/main" xmlns:r="http://schemas.openxmlformats.org/officeDocument/2006/relationships" xmlns:p="http://schemas.openxmlformats.org/presentationml/2006/main">
+  <p:cSld>
+    <p:spTree>
+      <p:nvGrpSpPr>
+        <p:cNvPr id="1" name=""/>
+        <p:cNvGrpSpPr/>
+        <p:nvPr/>
+      </p:nvGrpSpPr>
+      <p:grpSpPr>
+        <a:xfrm>
+          <a:off x="0" y="0"/>
+          <a:ext cx="0" cy="0"/>
+          <a:chOff x="0" y="0"/>
+          <a:chExt cx="0" cy="0"/>
+        </a:xfrm>
+      </p:grpSpPr>
+      <p:sp>
+        <p:nvSpPr>
+          <p:cNvPr id="4" name="標題 3"/>
+          <p:cNvSpPr>
+            <a:spLocks noGrp="1"/>
+          </p:cNvSpPr>
+          <p:nvPr>
+            <p:ph type="title"/>
+          </p:nvPr>
+        </p:nvSpPr>
+        <p:spPr>
+          <a:xfrm>
+            <a:off x="580715" y="137775"/>
+            <a:ext cx="10515600" cy="1325563"/>
+          </a:xfrm>
+        </p:spPr>
+        <p:txBody>
+          <a:bodyPr/>
+          <a:lstStyle/>
+          <a:p>
+            <a:r>
+              <a:rPr lang="en-US" altLang="zh-TW" dirty="0" smtClean="0"/>
+              <a:t>Hierarchical Clustering</a:t>
+            </a:r>
+            <a:endParaRPr lang="zh-TW" altLang="en-US" dirty="0"/>
+          </a:p>
+        </p:txBody>
+      </p:sp>
+      <p:sp>
+        <p:nvSpPr>
+          <p:cNvPr id="2" name="內容版面配置區 1"/>
+          <p:cNvSpPr>
+            <a:spLocks noGrp="1"/>
+          </p:cNvSpPr>
+          <p:nvPr>
+            <p:ph idx="1"/>
+          </p:nvPr>
+        </p:nvSpPr>
+        <p:spPr>
+          <a:xfrm>
+            <a:off x="644770" y="1550786"/>
+            <a:ext cx="10515600" cy="776898"/>
+          </a:xfrm>
+        </p:spPr>
+        <p:txBody>
+          <a:bodyPr>
+            <a:normAutofit/>
+          </a:bodyPr>
+          <a:lstStyle/>
+          <a:p>
+            <a:pPr marL="0" indent="0">
+              <a:buNone/>
+            </a:pPr>
+            <a:r>
+              <a:rPr lang="zh-TW" altLang="en-US" sz="2400" dirty="0">
+                <a:latin typeface="微軟正黑體" panose="020B0604030504040204" pitchFamily="34" charset="-120"/>
+                <a:ea typeface="微軟正黑體" panose="020B0604030504040204" pitchFamily="34" charset="-120"/>
+              </a:rPr>
+              <a:t>不需指定分群數目，讓資料自動</a:t>
+            </a:r>
+            <a:r>
+              <a:rPr lang="zh-TW" altLang="en-US" sz="2400" dirty="0">
+                <a:solidFill>
+                  <a:srgbClr val="FFC000"/>
+                </a:solidFill>
+                <a:latin typeface="微軟正黑體" panose="020B0604030504040204" pitchFamily="34" charset="-120"/>
+                <a:ea typeface="微軟正黑體" panose="020B0604030504040204" pitchFamily="34" charset="-120"/>
+              </a:rPr>
+              <a:t>由上往下</a:t>
+            </a:r>
+            <a:r>
+              <a:rPr lang="en-US" altLang="zh-TW" sz="2400" dirty="0">
+                <a:latin typeface="微軟正黑體" panose="020B0604030504040204" pitchFamily="34" charset="-120"/>
+                <a:ea typeface="微軟正黑體" panose="020B0604030504040204" pitchFamily="34" charset="-120"/>
+              </a:rPr>
+              <a:t>/</a:t>
+            </a:r>
+            <a:r>
+              <a:rPr lang="zh-TW" altLang="en-US" sz="2400" dirty="0">
+                <a:solidFill>
+                  <a:srgbClr val="FFC000"/>
+                </a:solidFill>
+                <a:latin typeface="微軟正黑體" panose="020B0604030504040204" pitchFamily="34" charset="-120"/>
+                <a:ea typeface="微軟正黑體" panose="020B0604030504040204" pitchFamily="34" charset="-120"/>
+              </a:rPr>
+              <a:t>由下往上</a:t>
+            </a:r>
+            <a:r>
+              <a:rPr lang="zh-TW" altLang="en-US" sz="2400" dirty="0">
+                <a:latin typeface="微軟正黑體" panose="020B0604030504040204" pitchFamily="34" charset="-120"/>
+                <a:ea typeface="微軟正黑體" panose="020B0604030504040204" pitchFamily="34" charset="-120"/>
+              </a:rPr>
+              <a:t>結合</a:t>
+            </a:r>
+            <a:r>
+              <a:rPr lang="zh-TW" altLang="en-US" sz="2400" dirty="0" smtClean="0">
+                <a:latin typeface="微軟正黑體" panose="020B0604030504040204" pitchFamily="34" charset="-120"/>
+                <a:ea typeface="微軟正黑體" panose="020B0604030504040204" pitchFamily="34" charset="-120"/>
+              </a:rPr>
+              <a:t>起來</a:t>
+            </a:r>
+            <a:r>
+              <a:rPr lang="en-US" altLang="zh-TW" sz="2400" dirty="0" smtClean="0">
+                <a:latin typeface="微軟正黑體" panose="020B0604030504040204" pitchFamily="34" charset="-120"/>
+                <a:ea typeface="微軟正黑體" panose="020B0604030504040204" pitchFamily="34" charset="-120"/>
+              </a:rPr>
+              <a:t>:</a:t>
+            </a:r>
+          </a:p>
+          <a:p>
+            <a:pPr marL="0" indent="0">
+              <a:buNone/>
+            </a:pPr>
+            <a:endParaRPr lang="zh-TW" altLang="en-US" sz="2400" dirty="0">
+              <a:latin typeface="微軟正黑體" panose="020B0604030504040204" pitchFamily="34" charset="-120"/>
+              <a:ea typeface="微軟正黑體" panose="020B0604030504040204" pitchFamily="34" charset="-120"/>
+            </a:endParaRPr>
+          </a:p>
+        </p:txBody>
+      </p:sp>
+      <p:pic>
+        <p:nvPicPr>
+          <p:cNvPr id="5122" name="Picture 2" descr="Examples of Dendrograms Visualization - Datanovia"/>
+          <p:cNvPicPr>
+            <a:picLocks noChangeAspect="1" noChangeArrowheads="1"/>
+          </p:cNvPicPr>
+          <p:nvPr/>
+        </p:nvPicPr>
+        <p:blipFill rotWithShape="1">
+          <a:blip r:embed="rId2">
+            <a:extLst>
+              <a:ext uri="{28A0092B-C50C-407E-A947-70E740481C1C}">
+                <a14:useLocalDpi xmlns:a14="http://schemas.microsoft.com/office/drawing/2010/main" val="0"/>
+              </a:ext>
+            </a:extLst>
+          </a:blip>
+          <a:srcRect l="11600" t="11649" r="4772" b="1556"/>
+          <a:stretch/>
+        </p:blipFill>
+        <p:spPr bwMode="auto">
+          <a:xfrm>
+            <a:off x="6101862" y="2461845"/>
+            <a:ext cx="5776546" cy="4108800"/>
+          </a:xfrm>
+          <a:prstGeom prst="rect">
+            <a:avLst/>
+          </a:prstGeom>
+          <a:noFill/>
+          <a:extLst>
+            <a:ext uri="{909E8E84-426E-40DD-AFC4-6F175D3DCCD1}">
+              <a14:hiddenFill xmlns:a14="http://schemas.microsoft.com/office/drawing/2010/main">
+                <a:solidFill>
+                  <a:srgbClr val="FFFFFF"/>
+                </a:solidFill>
+              </a14:hiddenFill>
+            </a:ext>
+          </a:extLst>
+        </p:spPr>
+      </p:pic>
+      <p:sp>
+        <p:nvSpPr>
+          <p:cNvPr id="3" name="矩形 2"/>
+          <p:cNvSpPr/>
+          <p:nvPr/>
+        </p:nvSpPr>
+        <p:spPr>
+          <a:xfrm>
+            <a:off x="644770" y="2788901"/>
+            <a:ext cx="2449645" cy="369332"/>
+          </a:xfrm>
+          <a:prstGeom prst="rect">
+            <a:avLst/>
+          </a:prstGeom>
+        </p:spPr>
+        <p:txBody>
+          <a:bodyPr wrap="none">
+            <a:spAutoFit/>
+          </a:bodyPr>
+          <a:lstStyle/>
+          <a:p>
+            <a:r>
+              <a:rPr lang="zh-TW" altLang="en-US" dirty="0">
+                <a:solidFill>
+                  <a:srgbClr val="FFC000"/>
+                </a:solidFill>
+                <a:latin typeface="微軟正黑體" panose="020B0604030504040204" pitchFamily="34" charset="-120"/>
+                <a:ea typeface="微軟正黑體" panose="020B0604030504040204" pitchFamily="34" charset="-120"/>
+              </a:rPr>
+              <a:t>由上往</a:t>
+            </a:r>
+            <a:r>
+              <a:rPr lang="zh-TW" altLang="en-US" dirty="0" smtClean="0">
+                <a:solidFill>
+                  <a:srgbClr val="FFC000"/>
+                </a:solidFill>
+                <a:latin typeface="微軟正黑體" panose="020B0604030504040204" pitchFamily="34" charset="-120"/>
+                <a:ea typeface="微軟正黑體" panose="020B0604030504040204" pitchFamily="34" charset="-120"/>
+              </a:rPr>
+              <a:t>下 </a:t>
+            </a:r>
+            <a:r>
+              <a:rPr lang="en-US" altLang="zh-TW" dirty="0" smtClean="0">
+                <a:solidFill>
+                  <a:srgbClr val="FFC000"/>
+                </a:solidFill>
+                <a:latin typeface="微軟正黑體" panose="020B0604030504040204" pitchFamily="34" charset="-120"/>
+                <a:ea typeface="微軟正黑體" panose="020B0604030504040204" pitchFamily="34" charset="-120"/>
+              </a:rPr>
+              <a:t>(Top-Down)</a:t>
+            </a:r>
+            <a:endParaRPr lang="zh-TW" altLang="en-US" dirty="0">
+              <a:solidFill>
+                <a:srgbClr val="FFC000"/>
+              </a:solidFill>
+            </a:endParaRPr>
+          </a:p>
+        </p:txBody>
+      </p:sp>
+      <p:sp>
+        <p:nvSpPr>
+          <p:cNvPr id="7" name="矩形 6"/>
+          <p:cNvSpPr/>
+          <p:nvPr/>
+        </p:nvSpPr>
+        <p:spPr>
+          <a:xfrm>
+            <a:off x="583224" y="3303770"/>
+            <a:ext cx="4339650" cy="369332"/>
+          </a:xfrm>
+          <a:prstGeom prst="rect">
+            <a:avLst/>
+          </a:prstGeom>
+        </p:spPr>
+        <p:txBody>
+          <a:bodyPr wrap="none">
+            <a:spAutoFit/>
+          </a:bodyPr>
+          <a:lstStyle/>
+          <a:p>
+            <a:r>
+              <a:rPr lang="zh-TW" altLang="en-US" dirty="0" smtClean="0">
+                <a:latin typeface="微軟正黑體" panose="020B0604030504040204" pitchFamily="34" charset="-120"/>
+                <a:ea typeface="微軟正黑體" panose="020B0604030504040204" pitchFamily="34" charset="-120"/>
+              </a:rPr>
+              <a:t>由</a:t>
+            </a:r>
+            <a:r>
+              <a:rPr lang="zh-TW" altLang="en-US" dirty="0">
+                <a:latin typeface="微軟正黑體" panose="020B0604030504040204" pitchFamily="34" charset="-120"/>
+                <a:ea typeface="微軟正黑體" panose="020B0604030504040204" pitchFamily="34" charset="-120"/>
+              </a:rPr>
+              <a:t>樹狀結構的頂端開始，將群聚逐次分裂</a:t>
+            </a:r>
+          </a:p>
+        </p:txBody>
+      </p:sp>
+      <p:sp>
+        <p:nvSpPr>
+          <p:cNvPr id="9" name="矩形 8"/>
+          <p:cNvSpPr/>
+          <p:nvPr/>
+        </p:nvSpPr>
+        <p:spPr>
+          <a:xfrm>
+            <a:off x="644770" y="4114464"/>
+            <a:ext cx="4321824" cy="369332"/>
+          </a:xfrm>
+          <a:prstGeom prst="rect">
+            <a:avLst/>
+          </a:prstGeom>
+        </p:spPr>
+        <p:txBody>
+          <a:bodyPr wrap="none">
+            <a:spAutoFit/>
+          </a:bodyPr>
+          <a:lstStyle/>
+          <a:p>
+            <a:r>
+              <a:rPr lang="zh-TW" altLang="en-US" dirty="0" smtClean="0">
+                <a:solidFill>
+                  <a:srgbClr val="FFC000"/>
+                </a:solidFill>
+                <a:latin typeface="微軟正黑體" panose="020B0604030504040204" pitchFamily="34" charset="-120"/>
+                <a:ea typeface="微軟正黑體" panose="020B0604030504040204" pitchFamily="34" charset="-120"/>
+              </a:rPr>
+              <a:t>由</a:t>
+            </a:r>
+            <a:r>
+              <a:rPr lang="zh-TW" altLang="en-US" dirty="0">
+                <a:solidFill>
+                  <a:srgbClr val="FFC000"/>
+                </a:solidFill>
+                <a:latin typeface="微軟正黑體" panose="020B0604030504040204" pitchFamily="34" charset="-120"/>
+                <a:ea typeface="微軟正黑體" panose="020B0604030504040204" pitchFamily="34" charset="-120"/>
+              </a:rPr>
+              <a:t>下</a:t>
+            </a:r>
+            <a:r>
+              <a:rPr lang="zh-TW" altLang="en-US" dirty="0" smtClean="0">
+                <a:solidFill>
+                  <a:srgbClr val="FFC000"/>
+                </a:solidFill>
+                <a:latin typeface="微軟正黑體" panose="020B0604030504040204" pitchFamily="34" charset="-120"/>
+                <a:ea typeface="微軟正黑體" panose="020B0604030504040204" pitchFamily="34" charset="-120"/>
+              </a:rPr>
+              <a:t>往</a:t>
+            </a:r>
+            <a:r>
+              <a:rPr lang="zh-TW" altLang="en-US" dirty="0">
+                <a:solidFill>
+                  <a:srgbClr val="FFC000"/>
+                </a:solidFill>
+                <a:latin typeface="微軟正黑體" panose="020B0604030504040204" pitchFamily="34" charset="-120"/>
+                <a:ea typeface="微軟正黑體" panose="020B0604030504040204" pitchFamily="34" charset="-120"/>
+              </a:rPr>
+              <a:t>上</a:t>
+            </a:r>
+            <a:r>
+              <a:rPr lang="zh-TW" altLang="en-US" dirty="0" smtClean="0">
+                <a:solidFill>
+                  <a:srgbClr val="FFC000"/>
+                </a:solidFill>
+                <a:latin typeface="微軟正黑體" panose="020B0604030504040204" pitchFamily="34" charset="-120"/>
+                <a:ea typeface="微軟正黑體" panose="020B0604030504040204" pitchFamily="34" charset="-120"/>
+              </a:rPr>
+              <a:t> </a:t>
+            </a:r>
+            <a:r>
+              <a:rPr lang="en-US" altLang="zh-TW" dirty="0" smtClean="0">
+                <a:solidFill>
+                  <a:srgbClr val="FFC000"/>
+                </a:solidFill>
+                <a:latin typeface="微軟正黑體" panose="020B0604030504040204" pitchFamily="34" charset="-120"/>
+                <a:ea typeface="微軟正黑體" panose="020B0604030504040204" pitchFamily="34" charset="-120"/>
+              </a:rPr>
+              <a:t>(</a:t>
+            </a:r>
+            <a:r>
+              <a:rPr lang="en-US" altLang="zh-TW" dirty="0">
+                <a:solidFill>
+                  <a:srgbClr val="FFC000"/>
+                </a:solidFill>
+                <a:latin typeface="微軟正黑體" panose="020B0604030504040204" pitchFamily="34" charset="-120"/>
+                <a:ea typeface="微軟正黑體" panose="020B0604030504040204" pitchFamily="34" charset="-120"/>
+              </a:rPr>
+              <a:t>Bottom-Up </a:t>
+            </a:r>
+            <a:r>
+              <a:rPr lang="en-US" altLang="zh-TW" dirty="0" smtClean="0">
+                <a:solidFill>
+                  <a:srgbClr val="FFC000"/>
+                </a:solidFill>
+                <a:latin typeface="微軟正黑體" panose="020B0604030504040204" pitchFamily="34" charset="-120"/>
+                <a:ea typeface="微軟正黑體" panose="020B0604030504040204" pitchFamily="34" charset="-120"/>
+              </a:rPr>
+              <a:t>/ Agglomerative</a:t>
+            </a:r>
+            <a:r>
+              <a:rPr lang="en-US" altLang="zh-TW" dirty="0">
+                <a:solidFill>
+                  <a:srgbClr val="FFC000"/>
+                </a:solidFill>
+                <a:latin typeface="微軟正黑體" panose="020B0604030504040204" pitchFamily="34" charset="-120"/>
+                <a:ea typeface="微軟正黑體" panose="020B0604030504040204" pitchFamily="34" charset="-120"/>
+              </a:rPr>
+              <a:t>)</a:t>
+            </a:r>
+            <a:endParaRPr lang="zh-TW" altLang="en-US" dirty="0">
+              <a:solidFill>
+                <a:srgbClr val="FFC000"/>
+              </a:solidFill>
+            </a:endParaRPr>
+          </a:p>
+        </p:txBody>
+      </p:sp>
+      <p:sp>
+        <p:nvSpPr>
+          <p:cNvPr id="8" name="矩形 7"/>
+          <p:cNvSpPr/>
+          <p:nvPr/>
+        </p:nvSpPr>
+        <p:spPr>
+          <a:xfrm>
+            <a:off x="583224" y="4629333"/>
+            <a:ext cx="5032147" cy="369332"/>
+          </a:xfrm>
+          <a:prstGeom prst="rect">
+            <a:avLst/>
+          </a:prstGeom>
+        </p:spPr>
+        <p:txBody>
+          <a:bodyPr wrap="none">
+            <a:spAutoFit/>
+          </a:bodyPr>
+          <a:lstStyle/>
+          <a:p>
+            <a:r>
+              <a:rPr lang="zh-TW" altLang="en-US" dirty="0" smtClean="0">
+                <a:latin typeface="微軟正黑體" panose="020B0604030504040204" pitchFamily="34" charset="-120"/>
+                <a:ea typeface="微軟正黑體" panose="020B0604030504040204" pitchFamily="34" charset="-120"/>
+              </a:rPr>
+              <a:t>從樹狀</a:t>
+            </a:r>
+            <a:r>
+              <a:rPr lang="zh-TW" altLang="en-US" dirty="0">
+                <a:latin typeface="微軟正黑體" panose="020B0604030504040204" pitchFamily="34" charset="-120"/>
+                <a:ea typeface="微軟正黑體" panose="020B0604030504040204" pitchFamily="34" charset="-120"/>
+              </a:rPr>
+              <a:t>結構的底部開始，將資料或群聚逐次合併</a:t>
+            </a:r>
+          </a:p>
+        </p:txBody>
+      </p:sp>
+      <p:sp>
+        <p:nvSpPr>
+          <p:cNvPr id="10" name="矩形 9"/>
+          <p:cNvSpPr/>
+          <p:nvPr/>
+        </p:nvSpPr>
+        <p:spPr>
+          <a:xfrm>
+            <a:off x="8814851" y="2045800"/>
+            <a:ext cx="3143425" cy="369332"/>
+          </a:xfrm>
+          <a:prstGeom prst="rect">
+            <a:avLst/>
+          </a:prstGeom>
+        </p:spPr>
+        <p:txBody>
+          <a:bodyPr wrap="none">
+            <a:spAutoFit/>
+          </a:bodyPr>
+          <a:lstStyle/>
+          <a:p>
+            <a:r>
+              <a:rPr lang="zh-TW" altLang="en-US" dirty="0" smtClean="0">
+                <a:latin typeface="微軟正黑體" panose="020B0604030504040204" pitchFamily="34" charset="-120"/>
+                <a:ea typeface="微軟正黑體" panose="020B0604030504040204" pitchFamily="34" charset="-120"/>
+              </a:rPr>
+              <a:t>群聚樹 </a:t>
+            </a:r>
+            <a:r>
+              <a:rPr lang="en-US" altLang="zh-TW" dirty="0" smtClean="0">
+                <a:latin typeface="微軟正黑體" panose="020B0604030504040204" pitchFamily="34" charset="-120"/>
+                <a:ea typeface="微軟正黑體" panose="020B0604030504040204" pitchFamily="34" charset="-120"/>
+              </a:rPr>
+              <a:t>Cluster </a:t>
+            </a:r>
+            <a:r>
+              <a:rPr lang="en-US" altLang="zh-TW" dirty="0" err="1" smtClean="0">
+                <a:latin typeface="微軟正黑體" panose="020B0604030504040204" pitchFamily="34" charset="-120"/>
+                <a:ea typeface="微軟正黑體" panose="020B0604030504040204" pitchFamily="34" charset="-120"/>
+              </a:rPr>
+              <a:t>Dendrogram</a:t>
+            </a:r>
+            <a:endParaRPr lang="zh-TW" altLang="en-US" dirty="0"/>
+          </a:p>
+        </p:txBody>
+      </p:sp>
+    </p:spTree>
+    <p:extLst>
+      <p:ext uri="{BB962C8B-B14F-4D97-AF65-F5344CB8AC3E}">
+        <p14:creationId xmlns:p14="http://schemas.microsoft.com/office/powerpoint/2010/main" val="3665750476"/>
+      </p:ext>
+    </p:extLst>
+  </p:cSld>
+  <p:clrMapOvr>
+    <a:masterClrMapping/>
+  </p:clrMapOvr>
+  <p:timing>
+    <p:tnLst>
+      <p:par>
+        <p:cTn id="1" dur="indefinite" restart="never" nodeType="tmRoot"/>
+      </p:par>
+    </p:tnLst>
+  </p:timing>
+</p:sld>
+</file>
+
+<file path=ppt/slides/slide8.xml><?xml version="1.0" encoding="utf-8"?>
+<p:sld xmlns:a="http://schemas.openxmlformats.org/drawingml/2006/main" xmlns:r="http://schemas.openxmlformats.org/officeDocument/2006/relationships" xmlns:p="http://schemas.openxmlformats.org/presentationml/2006/main">
+  <p:cSld>
+    <p:spTree>
+      <p:nvGrpSpPr>
+        <p:cNvPr id="1" name=""/>
+        <p:cNvGrpSpPr/>
+        <p:nvPr/>
+      </p:nvGrpSpPr>
+      <p:grpSpPr>
+        <a:xfrm>
+          <a:off x="0" y="0"/>
+          <a:ext cx="0" cy="0"/>
+          <a:chOff x="0" y="0"/>
+          <a:chExt cx="0" cy="0"/>
+        </a:xfrm>
+      </p:grpSpPr>
+      <p:sp>
+        <p:nvSpPr>
+          <p:cNvPr id="2" name="標題 1"/>
+          <p:cNvSpPr>
+            <a:spLocks noGrp="1"/>
+          </p:cNvSpPr>
+          <p:nvPr>
+            <p:ph type="title"/>
+          </p:nvPr>
+        </p:nvSpPr>
+        <p:spPr>
+          <a:xfrm>
+            <a:off x="452804" y="164070"/>
+            <a:ext cx="10515600" cy="1325563"/>
+          </a:xfrm>
+        </p:spPr>
+        <p:txBody>
+          <a:bodyPr/>
+          <a:lstStyle/>
+          <a:p>
+            <a:r>
+              <a:rPr lang="en-US" altLang="zh-TW" dirty="0" smtClean="0"/>
+              <a:t>Hierarchical Clustering</a:t>
+            </a:r>
+            <a:r>
+              <a:rPr lang="zh-TW" altLang="en-US" dirty="0" smtClean="0"/>
+              <a:t> </a:t>
+            </a:r>
+            <a:r>
+              <a:rPr lang="en-US" altLang="zh-TW" dirty="0" smtClean="0"/>
+              <a:t>(Agglomerative)</a:t>
+            </a:r>
+            <a:endParaRPr lang="zh-TW" altLang="en-US" dirty="0"/>
+          </a:p>
+        </p:txBody>
+      </p:sp>
+      <p:sp>
+        <p:nvSpPr>
+          <p:cNvPr id="5" name="矩形 4"/>
+          <p:cNvSpPr/>
+          <p:nvPr/>
+        </p:nvSpPr>
+        <p:spPr>
+          <a:xfrm>
+            <a:off x="838200" y="1923228"/>
+            <a:ext cx="9211408" cy="646331"/>
+          </a:xfrm>
+          <a:prstGeom prst="rect">
+            <a:avLst/>
+          </a:prstGeom>
+        </p:spPr>
+        <p:txBody>
+          <a:bodyPr wrap="square">
+            <a:spAutoFit/>
+          </a:bodyPr>
+          <a:lstStyle/>
+          <a:p>
+            <a:r>
+              <a:rPr lang="zh-TW" altLang="en-US" dirty="0" smtClean="0">
+                <a:latin typeface="微軟正黑體" panose="020B0604030504040204" pitchFamily="34" charset="-120"/>
+                <a:ea typeface="微軟正黑體" panose="020B0604030504040204" pitchFamily="34" charset="-120"/>
+              </a:rPr>
+              <a:t>一</a:t>
+            </a:r>
+            <a:r>
+              <a:rPr lang="zh-TW" altLang="en-US" dirty="0">
+                <a:latin typeface="微軟正黑體" panose="020B0604030504040204" pitchFamily="34" charset="-120"/>
+                <a:ea typeface="微軟正黑體" panose="020B0604030504040204" pitchFamily="34" charset="-120"/>
+              </a:rPr>
+              <a:t>開始我們將每一筆資料視為</a:t>
+            </a:r>
+            <a:r>
+              <a:rPr lang="zh-TW" altLang="en-US" dirty="0" smtClean="0">
+                <a:latin typeface="微軟正黑體" panose="020B0604030504040204" pitchFamily="34" charset="-120"/>
+                <a:ea typeface="微軟正黑體" panose="020B0604030504040204" pitchFamily="34" charset="-120"/>
+              </a:rPr>
+              <a:t>一個 </a:t>
+            </a:r>
+            <a:r>
+              <a:rPr lang="en-US" altLang="zh-TW" dirty="0" smtClean="0">
+                <a:latin typeface="微軟正黑體" panose="020B0604030504040204" pitchFamily="34" charset="-120"/>
+                <a:ea typeface="微軟正黑體" panose="020B0604030504040204" pitchFamily="34" charset="-120"/>
+              </a:rPr>
+              <a:t>cluster</a:t>
+            </a:r>
+            <a:r>
+              <a:rPr lang="zh-TW" altLang="en-US" dirty="0" smtClean="0">
+                <a:latin typeface="微軟正黑體" panose="020B0604030504040204" pitchFamily="34" charset="-120"/>
+                <a:ea typeface="微軟正黑體" panose="020B0604030504040204" pitchFamily="34" charset="-120"/>
+              </a:rPr>
+              <a:t>，</a:t>
+            </a:r>
+            <a:r>
+              <a:rPr lang="zh-TW" altLang="en-US" dirty="0">
+                <a:latin typeface="微軟正黑體" panose="020B0604030504040204" pitchFamily="34" charset="-120"/>
+                <a:ea typeface="微軟正黑體" panose="020B0604030504040204" pitchFamily="34" charset="-120"/>
+              </a:rPr>
+              <a:t>假設我們現在</a:t>
+            </a:r>
+            <a:r>
+              <a:rPr lang="zh-TW" altLang="en-US" dirty="0" smtClean="0">
+                <a:latin typeface="微軟正黑體" panose="020B0604030504040204" pitchFamily="34" charset="-120"/>
+                <a:ea typeface="微軟正黑體" panose="020B0604030504040204" pitchFamily="34" charset="-120"/>
+              </a:rPr>
+              <a:t>擁有 </a:t>
+            </a:r>
+            <a:r>
+              <a:rPr lang="en-US" altLang="zh-TW" dirty="0" smtClean="0">
+                <a:latin typeface="微軟正黑體" panose="020B0604030504040204" pitchFamily="34" charset="-120"/>
+                <a:ea typeface="微軟正黑體" panose="020B0604030504040204" pitchFamily="34" charset="-120"/>
+              </a:rPr>
+              <a:t>n </a:t>
+            </a:r>
+            <a:r>
+              <a:rPr lang="zh-TW" altLang="en-US" dirty="0" smtClean="0">
+                <a:latin typeface="微軟正黑體" panose="020B0604030504040204" pitchFamily="34" charset="-120"/>
+                <a:ea typeface="微軟正黑體" panose="020B0604030504040204" pitchFamily="34" charset="-120"/>
+              </a:rPr>
+              <a:t>筆</a:t>
+            </a:r>
+            <a:r>
+              <a:rPr lang="zh-TW" altLang="en-US" dirty="0">
+                <a:latin typeface="微軟正黑體" panose="020B0604030504040204" pitchFamily="34" charset="-120"/>
+                <a:ea typeface="微軟正黑體" panose="020B0604030504040204" pitchFamily="34" charset="-120"/>
+              </a:rPr>
+              <a:t>資料，則將</a:t>
+            </a:r>
+            <a:r>
+              <a:rPr lang="zh-TW" altLang="en-US" dirty="0" smtClean="0">
+                <a:latin typeface="微軟正黑體" panose="020B0604030504040204" pitchFamily="34" charset="-120"/>
+                <a:ea typeface="微軟正黑體" panose="020B0604030504040204" pitchFamily="34" charset="-120"/>
+              </a:rPr>
+              <a:t>這 </a:t>
+            </a:r>
+            <a:r>
+              <a:rPr lang="en-US" altLang="zh-TW" dirty="0" smtClean="0">
+                <a:latin typeface="微軟正黑體" panose="020B0604030504040204" pitchFamily="34" charset="-120"/>
+                <a:ea typeface="微軟正黑體" panose="020B0604030504040204" pitchFamily="34" charset="-120"/>
+              </a:rPr>
+              <a:t>n </a:t>
+            </a:r>
+            <a:r>
+              <a:rPr lang="zh-TW" altLang="en-US" dirty="0" smtClean="0">
+                <a:latin typeface="微軟正黑體" panose="020B0604030504040204" pitchFamily="34" charset="-120"/>
+                <a:ea typeface="微軟正黑體" panose="020B0604030504040204" pitchFamily="34" charset="-120"/>
+              </a:rPr>
+              <a:t>筆</a:t>
+            </a:r>
+            <a:r>
+              <a:rPr lang="zh-TW" altLang="en-US" dirty="0">
+                <a:latin typeface="微軟正黑體" panose="020B0604030504040204" pitchFamily="34" charset="-120"/>
+                <a:ea typeface="微軟正黑體" panose="020B0604030504040204" pitchFamily="34" charset="-120"/>
+              </a:rPr>
+              <a:t>資料</a:t>
+            </a:r>
+            <a:r>
+              <a:rPr lang="zh-TW" altLang="en-US" dirty="0" smtClean="0">
+                <a:latin typeface="微軟正黑體" panose="020B0604030504040204" pitchFamily="34" charset="-120"/>
+                <a:ea typeface="微軟正黑體" panose="020B0604030504040204" pitchFamily="34" charset="-120"/>
+              </a:rPr>
+              <a:t>視為 </a:t>
+            </a:r>
+            <a:r>
+              <a:rPr lang="en-US" altLang="zh-TW" dirty="0" smtClean="0">
+                <a:latin typeface="微軟正黑體" panose="020B0604030504040204" pitchFamily="34" charset="-120"/>
+                <a:ea typeface="微軟正黑體" panose="020B0604030504040204" pitchFamily="34" charset="-120"/>
+              </a:rPr>
+              <a:t>n </a:t>
+            </a:r>
+            <a:r>
+              <a:rPr lang="zh-TW" altLang="en-US" dirty="0" smtClean="0">
+                <a:latin typeface="微軟正黑體" panose="020B0604030504040204" pitchFamily="34" charset="-120"/>
+                <a:ea typeface="微軟正黑體" panose="020B0604030504040204" pitchFamily="34" charset="-120"/>
+              </a:rPr>
+              <a:t>個 </a:t>
+            </a:r>
+            <a:r>
+              <a:rPr lang="en-US" altLang="zh-TW" dirty="0" smtClean="0">
+                <a:latin typeface="微軟正黑體" panose="020B0604030504040204" pitchFamily="34" charset="-120"/>
+                <a:ea typeface="微軟正黑體" panose="020B0604030504040204" pitchFamily="34" charset="-120"/>
+              </a:rPr>
+              <a:t>cluster</a:t>
+            </a:r>
+            <a:r>
+              <a:rPr lang="zh-TW" altLang="en-US" dirty="0" smtClean="0">
+                <a:latin typeface="微軟正黑體" panose="020B0604030504040204" pitchFamily="34" charset="-120"/>
+                <a:ea typeface="微軟正黑體" panose="020B0604030504040204" pitchFamily="34" charset="-120"/>
+              </a:rPr>
+              <a:t>：</a:t>
+            </a:r>
+            <a:endParaRPr lang="zh-TW" altLang="en-US" dirty="0">
+              <a:latin typeface="微軟正黑體" panose="020B0604030504040204" pitchFamily="34" charset="-120"/>
+              <a:ea typeface="微軟正黑體" panose="020B0604030504040204" pitchFamily="34" charset="-120"/>
+            </a:endParaRPr>
+          </a:p>
+        </p:txBody>
+      </p:sp>
+      <p:sp>
+        <p:nvSpPr>
+          <p:cNvPr id="7" name="矩形 6"/>
+          <p:cNvSpPr/>
+          <p:nvPr/>
+        </p:nvSpPr>
+        <p:spPr>
+          <a:xfrm>
+            <a:off x="838200" y="2901352"/>
+            <a:ext cx="9744808" cy="2400657"/>
+          </a:xfrm>
+          <a:prstGeom prst="rect">
+            <a:avLst/>
+          </a:prstGeom>
+        </p:spPr>
+        <p:txBody>
+          <a:bodyPr wrap="square">
+            <a:spAutoFit/>
+          </a:bodyPr>
+          <a:lstStyle/>
+          <a:p>
+            <a:pPr marL="342900" indent="-342900">
+              <a:lnSpc>
+                <a:spcPct val="150000"/>
+              </a:lnSpc>
+              <a:buFont typeface="+mj-lt"/>
+              <a:buAutoNum type="arabicPeriod"/>
+            </a:pPr>
+            <a:r>
+              <a:rPr lang="zh-TW" altLang="en-US" sz="2000" dirty="0">
+                <a:latin typeface="微軟正黑體" panose="020B0604030504040204" pitchFamily="34" charset="-120"/>
+                <a:ea typeface="微軟正黑體" panose="020B0604030504040204" pitchFamily="34" charset="-120"/>
+              </a:rPr>
+              <a:t>將每筆資料視為</a:t>
+            </a:r>
+            <a:r>
+              <a:rPr lang="zh-TW" altLang="en-US" sz="2000" dirty="0" smtClean="0">
+                <a:latin typeface="微軟正黑體" panose="020B0604030504040204" pitchFamily="34" charset="-120"/>
+                <a:ea typeface="微軟正黑體" panose="020B0604030504040204" pitchFamily="34" charset="-120"/>
+              </a:rPr>
+              <a:t>一個 </a:t>
+            </a:r>
+            <a:r>
+              <a:rPr lang="en-US" altLang="zh-TW" sz="2000" dirty="0" smtClean="0">
+                <a:latin typeface="微軟正黑體" panose="020B0604030504040204" pitchFamily="34" charset="-120"/>
+                <a:ea typeface="微軟正黑體" panose="020B0604030504040204" pitchFamily="34" charset="-120"/>
+              </a:rPr>
+              <a:t>cluster</a:t>
+            </a:r>
+            <a:r>
+              <a:rPr lang="zh-TW" altLang="en-US" sz="2000" dirty="0" smtClean="0">
+                <a:latin typeface="微軟正黑體" panose="020B0604030504040204" pitchFamily="34" charset="-120"/>
+                <a:ea typeface="微軟正黑體" panose="020B0604030504040204" pitchFamily="34" charset="-120"/>
+              </a:rPr>
+              <a:t> </a:t>
+            </a:r>
+            <a:r>
+              <a:rPr lang="en-US" altLang="zh-TW" sz="2000" dirty="0">
+                <a:solidFill>
+                  <a:srgbClr val="FFC000"/>
+                </a:solidFill>
+                <a:latin typeface="微軟正黑體" panose="020B0604030504040204" pitchFamily="34" charset="-120"/>
+                <a:ea typeface="微軟正黑體" panose="020B0604030504040204" pitchFamily="34" charset="-120"/>
+              </a:rPr>
+              <a:t>Ci</a:t>
+            </a:r>
+            <a:r>
+              <a:rPr lang="en-US" altLang="zh-TW" sz="2000" dirty="0">
+                <a:latin typeface="微軟正黑體" panose="020B0604030504040204" pitchFamily="34" charset="-120"/>
+                <a:ea typeface="微軟正黑體" panose="020B0604030504040204" pitchFamily="34" charset="-120"/>
+              </a:rPr>
+              <a:t>, </a:t>
+            </a:r>
+            <a:r>
+              <a:rPr lang="en-US" altLang="zh-TW" sz="2000" dirty="0" err="1" smtClean="0">
+                <a:latin typeface="微軟正黑體" panose="020B0604030504040204" pitchFamily="34" charset="-120"/>
+                <a:ea typeface="微軟正黑體" panose="020B0604030504040204" pitchFamily="34" charset="-120"/>
+              </a:rPr>
+              <a:t>i</a:t>
+            </a:r>
+            <a:r>
+              <a:rPr lang="en-US" altLang="zh-TW" sz="2000" dirty="0" smtClean="0">
+                <a:latin typeface="微軟正黑體" panose="020B0604030504040204" pitchFamily="34" charset="-120"/>
+                <a:ea typeface="微軟正黑體" panose="020B0604030504040204" pitchFamily="34" charset="-120"/>
+              </a:rPr>
+              <a:t>=1 </a:t>
+            </a:r>
+            <a:r>
+              <a:rPr lang="en-US" altLang="zh-TW" sz="2000" dirty="0">
+                <a:latin typeface="微軟正黑體" panose="020B0604030504040204" pitchFamily="34" charset="-120"/>
+                <a:ea typeface="微軟正黑體" panose="020B0604030504040204" pitchFamily="34" charset="-120"/>
+              </a:rPr>
+              <a:t>to n.</a:t>
+            </a:r>
+          </a:p>
+          <a:p>
+            <a:pPr marL="342900" indent="-342900">
+              <a:lnSpc>
+                <a:spcPct val="150000"/>
+              </a:lnSpc>
+              <a:buFont typeface="+mj-lt"/>
+              <a:buAutoNum type="arabicPeriod"/>
+            </a:pPr>
+            <a:r>
+              <a:rPr lang="zh-TW" altLang="en-US" sz="2000" dirty="0">
+                <a:latin typeface="微軟正黑體" panose="020B0604030504040204" pitchFamily="34" charset="-120"/>
+                <a:ea typeface="微軟正黑體" panose="020B0604030504040204" pitchFamily="34" charset="-120"/>
+              </a:rPr>
+              <a:t>找出</a:t>
+            </a:r>
+            <a:r>
+              <a:rPr lang="zh-TW" altLang="en-US" sz="2000" dirty="0" smtClean="0">
+                <a:latin typeface="微軟正黑體" panose="020B0604030504040204" pitchFamily="34" charset="-120"/>
+                <a:ea typeface="微軟正黑體" panose="020B0604030504040204" pitchFamily="34" charset="-120"/>
+              </a:rPr>
+              <a:t>所有 </a:t>
+            </a:r>
+            <a:r>
+              <a:rPr lang="en-US" altLang="zh-TW" sz="2000" dirty="0" smtClean="0">
+                <a:latin typeface="微軟正黑體" panose="020B0604030504040204" pitchFamily="34" charset="-120"/>
+                <a:ea typeface="微軟正黑體" panose="020B0604030504040204" pitchFamily="34" charset="-120"/>
+              </a:rPr>
+              <a:t>cluster</a:t>
+            </a:r>
+            <a:r>
+              <a:rPr lang="zh-TW" altLang="en-US" sz="2000" dirty="0" smtClean="0">
+                <a:latin typeface="微軟正黑體" panose="020B0604030504040204" pitchFamily="34" charset="-120"/>
+                <a:ea typeface="微軟正黑體" panose="020B0604030504040204" pitchFamily="34" charset="-120"/>
+              </a:rPr>
+              <a:t> 間</a:t>
+            </a:r>
+            <a:r>
+              <a:rPr lang="zh-TW" altLang="en-US" sz="2000" dirty="0">
+                <a:latin typeface="微軟正黑體" panose="020B0604030504040204" pitchFamily="34" charset="-120"/>
+                <a:ea typeface="微軟正黑體" panose="020B0604030504040204" pitchFamily="34" charset="-120"/>
+              </a:rPr>
+              <a:t>，距離最接近的兩</a:t>
+            </a:r>
+            <a:r>
+              <a:rPr lang="zh-TW" altLang="en-US" sz="2000" dirty="0" smtClean="0">
+                <a:latin typeface="微軟正黑體" panose="020B0604030504040204" pitchFamily="34" charset="-120"/>
+                <a:ea typeface="微軟正黑體" panose="020B0604030504040204" pitchFamily="34" charset="-120"/>
+              </a:rPr>
+              <a:t>個 </a:t>
+            </a:r>
+            <a:r>
+              <a:rPr lang="en-US" altLang="zh-TW" sz="2000" dirty="0" smtClean="0">
+                <a:latin typeface="微軟正黑體" panose="020B0604030504040204" pitchFamily="34" charset="-120"/>
+                <a:ea typeface="微軟正黑體" panose="020B0604030504040204" pitchFamily="34" charset="-120"/>
+              </a:rPr>
+              <a:t>cluster</a:t>
+            </a:r>
+            <a:r>
+              <a:rPr lang="zh-TW" altLang="en-US" sz="2000" dirty="0" smtClean="0">
+                <a:latin typeface="微軟正黑體" panose="020B0604030504040204" pitchFamily="34" charset="-120"/>
+                <a:ea typeface="微軟正黑體" panose="020B0604030504040204" pitchFamily="34" charset="-120"/>
+              </a:rPr>
+              <a:t> </a:t>
+            </a:r>
+            <a:r>
+              <a:rPr lang="en-US" altLang="zh-TW" sz="2000" dirty="0" smtClean="0">
+                <a:latin typeface="微軟正黑體" panose="020B0604030504040204" pitchFamily="34" charset="-120"/>
+                <a:ea typeface="微軟正黑體" panose="020B0604030504040204" pitchFamily="34" charset="-120"/>
+                <a:sym typeface="Wingdings" panose="05000000000000000000" pitchFamily="2" charset="2"/>
+              </a:rPr>
+              <a:t></a:t>
+            </a:r>
+            <a:r>
+              <a:rPr lang="zh-TW" altLang="en-US" sz="2000" dirty="0" smtClean="0">
+                <a:latin typeface="微軟正黑體" panose="020B0604030504040204" pitchFamily="34" charset="-120"/>
+                <a:ea typeface="微軟正黑體" panose="020B0604030504040204" pitchFamily="34" charset="-120"/>
+              </a:rPr>
+              <a:t> </a:t>
+            </a:r>
+            <a:r>
+              <a:rPr lang="en-US" altLang="zh-TW" sz="2000" dirty="0">
+                <a:solidFill>
+                  <a:srgbClr val="FFC000"/>
+                </a:solidFill>
+                <a:latin typeface="微軟正黑體" panose="020B0604030504040204" pitchFamily="34" charset="-120"/>
+                <a:ea typeface="微軟正黑體" panose="020B0604030504040204" pitchFamily="34" charset="-120"/>
+              </a:rPr>
+              <a:t>Ci</a:t>
+            </a:r>
+            <a:r>
+              <a:rPr lang="zh-TW" altLang="en-US" sz="2000" dirty="0">
+                <a:latin typeface="微軟正黑體" panose="020B0604030504040204" pitchFamily="34" charset="-120"/>
+                <a:ea typeface="微軟正黑體" panose="020B0604030504040204" pitchFamily="34" charset="-120"/>
+              </a:rPr>
+              <a:t>、</a:t>
+            </a:r>
+            <a:r>
+              <a:rPr lang="en-US" altLang="zh-TW" sz="2000" dirty="0" err="1">
+                <a:solidFill>
+                  <a:srgbClr val="FFC000"/>
+                </a:solidFill>
+                <a:latin typeface="微軟正黑體" panose="020B0604030504040204" pitchFamily="34" charset="-120"/>
+                <a:ea typeface="微軟正黑體" panose="020B0604030504040204" pitchFamily="34" charset="-120"/>
+              </a:rPr>
+              <a:t>Cj</a:t>
+            </a:r>
+            <a:endParaRPr lang="en-US" altLang="zh-TW" sz="2000" dirty="0">
+              <a:solidFill>
+                <a:srgbClr val="FFC000"/>
+              </a:solidFill>
+              <a:latin typeface="微軟正黑體" panose="020B0604030504040204" pitchFamily="34" charset="-120"/>
+              <a:ea typeface="微軟正黑體" panose="020B0604030504040204" pitchFamily="34" charset="-120"/>
+            </a:endParaRPr>
+          </a:p>
+          <a:p>
+            <a:pPr marL="342900" indent="-342900">
+              <a:lnSpc>
+                <a:spcPct val="150000"/>
+              </a:lnSpc>
+              <a:buFont typeface="+mj-lt"/>
+              <a:buAutoNum type="arabicPeriod"/>
+            </a:pPr>
+            <a:r>
+              <a:rPr lang="zh-TW" altLang="en-US" sz="2000" dirty="0">
+                <a:latin typeface="微軟正黑體" panose="020B0604030504040204" pitchFamily="34" charset="-120"/>
+                <a:ea typeface="微軟正黑體" panose="020B0604030504040204" pitchFamily="34" charset="-120"/>
+              </a:rPr>
+              <a:t>合併 </a:t>
+            </a:r>
+            <a:r>
+              <a:rPr lang="en-US" altLang="zh-TW" sz="2000" dirty="0">
+                <a:solidFill>
+                  <a:srgbClr val="FFC000"/>
+                </a:solidFill>
+                <a:latin typeface="微軟正黑體" panose="020B0604030504040204" pitchFamily="34" charset="-120"/>
+                <a:ea typeface="微軟正黑體" panose="020B0604030504040204" pitchFamily="34" charset="-120"/>
+              </a:rPr>
+              <a:t>Ci</a:t>
+            </a:r>
+            <a:r>
+              <a:rPr lang="zh-TW" altLang="en-US" sz="2000" dirty="0">
+                <a:latin typeface="微軟正黑體" panose="020B0604030504040204" pitchFamily="34" charset="-120"/>
+                <a:ea typeface="微軟正黑體" panose="020B0604030504040204" pitchFamily="34" charset="-120"/>
+              </a:rPr>
+              <a:t>、 </a:t>
+            </a:r>
+            <a:r>
+              <a:rPr lang="en-US" altLang="zh-TW" sz="2000" dirty="0" err="1">
+                <a:solidFill>
+                  <a:srgbClr val="FFC000"/>
+                </a:solidFill>
+                <a:latin typeface="微軟正黑體" panose="020B0604030504040204" pitchFamily="34" charset="-120"/>
+                <a:ea typeface="微軟正黑體" panose="020B0604030504040204" pitchFamily="34" charset="-120"/>
+              </a:rPr>
+              <a:t>Cj</a:t>
+            </a:r>
+            <a:r>
+              <a:rPr lang="en-US" altLang="zh-TW" sz="2000" dirty="0">
+                <a:latin typeface="微軟正黑體" panose="020B0604030504040204" pitchFamily="34" charset="-120"/>
+                <a:ea typeface="微軟正黑體" panose="020B0604030504040204" pitchFamily="34" charset="-120"/>
+              </a:rPr>
+              <a:t> </a:t>
+            </a:r>
+            <a:r>
+              <a:rPr lang="zh-TW" altLang="en-US" sz="2000" dirty="0">
+                <a:latin typeface="微軟正黑體" panose="020B0604030504040204" pitchFamily="34" charset="-120"/>
+                <a:ea typeface="微軟正黑體" panose="020B0604030504040204" pitchFamily="34" charset="-120"/>
+              </a:rPr>
+              <a:t>成為一個新</a:t>
+            </a:r>
+            <a:r>
+              <a:rPr lang="zh-TW" altLang="en-US" sz="2000" dirty="0" smtClean="0">
+                <a:latin typeface="微軟正黑體" panose="020B0604030504040204" pitchFamily="34" charset="-120"/>
+                <a:ea typeface="微軟正黑體" panose="020B0604030504040204" pitchFamily="34" charset="-120"/>
+              </a:rPr>
+              <a:t>的 </a:t>
+            </a:r>
+            <a:r>
+              <a:rPr lang="en-US" altLang="zh-TW" sz="2000" dirty="0" smtClean="0">
+                <a:latin typeface="微軟正黑體" panose="020B0604030504040204" pitchFamily="34" charset="-120"/>
+                <a:ea typeface="微軟正黑體" panose="020B0604030504040204" pitchFamily="34" charset="-120"/>
+              </a:rPr>
+              <a:t>cluster</a:t>
+            </a:r>
+            <a:endParaRPr lang="zh-TW" altLang="en-US" sz="2000" dirty="0" smtClean="0">
+              <a:latin typeface="微軟正黑體" panose="020B0604030504040204" pitchFamily="34" charset="-120"/>
+              <a:ea typeface="微軟正黑體" panose="020B0604030504040204" pitchFamily="34" charset="-120"/>
+            </a:endParaRPr>
+          </a:p>
+          <a:p>
+            <a:pPr marL="342900" indent="-342900">
+              <a:lnSpc>
+                <a:spcPct val="150000"/>
+              </a:lnSpc>
+              <a:buFont typeface="+mj-lt"/>
+              <a:buAutoNum type="arabicPeriod"/>
+            </a:pPr>
+            <a:r>
+              <a:rPr lang="zh-TW" altLang="en-US" sz="2000" dirty="0" smtClean="0">
+                <a:latin typeface="微軟正黑體" panose="020B0604030504040204" pitchFamily="34" charset="-120"/>
+                <a:ea typeface="微軟正黑體" panose="020B0604030504040204" pitchFamily="34" charset="-120"/>
+              </a:rPr>
+              <a:t>假如目前的 </a:t>
+            </a:r>
+            <a:r>
+              <a:rPr lang="en-US" altLang="zh-TW" sz="2000" dirty="0" smtClean="0">
+                <a:latin typeface="微軟正黑體" panose="020B0604030504040204" pitchFamily="34" charset="-120"/>
+                <a:ea typeface="微軟正黑體" panose="020B0604030504040204" pitchFamily="34" charset="-120"/>
+              </a:rPr>
+              <a:t>cluster</a:t>
+            </a:r>
+            <a:r>
+              <a:rPr lang="zh-TW" altLang="en-US" sz="2000" dirty="0" smtClean="0">
+                <a:latin typeface="微軟正黑體" panose="020B0604030504040204" pitchFamily="34" charset="-120"/>
+                <a:ea typeface="微軟正黑體" panose="020B0604030504040204" pitchFamily="34" charset="-120"/>
+              </a:rPr>
+              <a:t> 數目多於我們預期的 </a:t>
+            </a:r>
+            <a:r>
+              <a:rPr lang="en-US" altLang="zh-TW" sz="2000" dirty="0">
+                <a:latin typeface="微軟正黑體" panose="020B0604030504040204" pitchFamily="34" charset="-120"/>
+                <a:ea typeface="微軟正黑體" panose="020B0604030504040204" pitchFamily="34" charset="-120"/>
+              </a:rPr>
+              <a:t>cluster</a:t>
+            </a:r>
+            <a:r>
+              <a:rPr lang="zh-TW" altLang="en-US" sz="2000" dirty="0" smtClean="0">
+                <a:latin typeface="微軟正黑體" panose="020B0604030504040204" pitchFamily="34" charset="-120"/>
+                <a:ea typeface="微軟正黑體" panose="020B0604030504040204" pitchFamily="34" charset="-120"/>
+              </a:rPr>
+              <a:t> 數目，則反覆重複步驟二至三，直到 </a:t>
+            </a:r>
+            <a:r>
+              <a:rPr lang="en-US" altLang="zh-TW" sz="2000" dirty="0" smtClean="0">
+                <a:latin typeface="微軟正黑體" panose="020B0604030504040204" pitchFamily="34" charset="-120"/>
+                <a:ea typeface="微軟正黑體" panose="020B0604030504040204" pitchFamily="34" charset="-120"/>
+              </a:rPr>
+              <a:t>cluster</a:t>
+            </a:r>
+            <a:r>
+              <a:rPr lang="zh-TW" altLang="en-US" sz="2000" dirty="0" smtClean="0">
+                <a:latin typeface="微軟正黑體" panose="020B0604030504040204" pitchFamily="34" charset="-120"/>
+                <a:ea typeface="微軟正黑體" panose="020B0604030504040204" pitchFamily="34" charset="-120"/>
+              </a:rPr>
+              <a:t> 數目已將降到我們所要求的數目。</a:t>
+            </a:r>
+            <a:endParaRPr lang="zh-TW" altLang="en-US" sz="2000" dirty="0">
+              <a:latin typeface="微軟正黑體" panose="020B0604030504040204" pitchFamily="34" charset="-120"/>
+              <a:ea typeface="微軟正黑體" panose="020B0604030504040204" pitchFamily="34" charset="-120"/>
+            </a:endParaRPr>
+          </a:p>
+        </p:txBody>
+      </p:sp>
+      <p:sp>
+        <p:nvSpPr>
+          <p:cNvPr id="8" name="右大括弧 7"/>
+          <p:cNvSpPr/>
+          <p:nvPr/>
+        </p:nvSpPr>
+        <p:spPr>
+          <a:xfrm>
+            <a:off x="8308731" y="3591630"/>
+            <a:ext cx="237392" cy="723154"/>
+          </a:xfrm>
+          <a:prstGeom prst="rightBrace">
+            <a:avLst/>
+          </a:prstGeom>
+          <a:ln w="19050"/>
+        </p:spPr>
+        <p:style>
+          <a:lnRef idx="1">
+            <a:schemeClr val="accent4"/>
+          </a:lnRef>
+          <a:fillRef idx="0">
+            <a:schemeClr val="accent4"/>
+          </a:fillRef>
+          <a:effectRef idx="0">
+            <a:schemeClr val="accent4"/>
+          </a:effectRef>
+          <a:fontRef idx="minor">
+            <a:schemeClr val="tx1"/>
+          </a:fontRef>
+        </p:style>
+        <p:txBody>
+          <a:bodyPr rtlCol="0" anchor="ctr"/>
+          <a:lstStyle/>
+          <a:p>
+            <a:pPr algn="ctr"/>
+            <a:endParaRPr lang="zh-TW" altLang="en-US"/>
+          </a:p>
+        </p:txBody>
+      </p:sp>
+      <p:sp>
+        <p:nvSpPr>
+          <p:cNvPr id="9" name="矩形 8"/>
+          <p:cNvSpPr/>
+          <p:nvPr/>
+        </p:nvSpPr>
+        <p:spPr>
+          <a:xfrm>
+            <a:off x="8668982" y="3768541"/>
+            <a:ext cx="647934" cy="369332"/>
+          </a:xfrm>
+          <a:prstGeom prst="rect">
+            <a:avLst/>
+          </a:prstGeom>
+        </p:spPr>
+        <p:txBody>
+          <a:bodyPr wrap="none">
+            <a:spAutoFit/>
+          </a:bodyPr>
+          <a:lstStyle/>
+          <a:p>
+            <a:r>
+              <a:rPr lang="en-US" altLang="zh-TW" dirty="0" smtClean="0">
+                <a:solidFill>
+                  <a:srgbClr val="FFC000"/>
+                </a:solidFill>
+              </a:rPr>
+              <a:t>Loop</a:t>
+            </a:r>
+            <a:endParaRPr lang="zh-TW" altLang="en-US" dirty="0">
+              <a:solidFill>
+                <a:srgbClr val="FFC000"/>
+              </a:solidFill>
+            </a:endParaRPr>
+          </a:p>
+        </p:txBody>
+      </p:sp>
+    </p:spTree>
+    <p:extLst>
+      <p:ext uri="{BB962C8B-B14F-4D97-AF65-F5344CB8AC3E}">
+        <p14:creationId xmlns:p14="http://schemas.microsoft.com/office/powerpoint/2010/main" val="1235668493"/>
+      </p:ext>
+    </p:extLst>
+  </p:cSld>
+  <p:clrMapOvr>
+    <a:masterClrMapping/>
+  </p:clrMapOvr>
+</p:sld>
+</file>
+
+<file path=ppt/slides/slide9.xml><?xml version="1.0" encoding="utf-8"?>
+<p:sld xmlns:a="http://schemas.openxmlformats.org/drawingml/2006/main" xmlns:r="http://schemas.openxmlformats.org/officeDocument/2006/relationships" xmlns:p="http://schemas.openxmlformats.org/presentationml/2006/main">
+  <p:cSld>
+    <p:spTree>
+      <p:nvGrpSpPr>
+        <p:cNvPr id="1" name=""/>
+        <p:cNvGrpSpPr/>
+        <p:nvPr/>
+      </p:nvGrpSpPr>
+      <p:grpSpPr>
+        <a:xfrm>
+          <a:off x="0" y="0"/>
+          <a:ext cx="0" cy="0"/>
+          <a:chOff x="0" y="0"/>
+          <a:chExt cx="0" cy="0"/>
+        </a:xfrm>
+      </p:grpSpPr>
+      <p:sp>
+        <p:nvSpPr>
+          <p:cNvPr id="2" name="標題 1"/>
+          <p:cNvSpPr>
+            <a:spLocks noGrp="1"/>
+          </p:cNvSpPr>
+          <p:nvPr>
+            <p:ph type="title"/>
+          </p:nvPr>
+        </p:nvSpPr>
+        <p:spPr>
+          <a:xfrm>
+            <a:off x="556846" y="145318"/>
+            <a:ext cx="10515600" cy="1325563"/>
+          </a:xfrm>
+        </p:spPr>
+        <p:txBody>
+          <a:bodyPr/>
+          <a:lstStyle/>
+          <a:p>
+            <a:r>
+              <a:rPr lang="en-US" altLang="zh-TW" dirty="0" smtClean="0"/>
+              <a:t>Hierarchical Clustering</a:t>
+            </a:r>
+            <a:r>
+              <a:rPr lang="zh-TW" altLang="en-US" dirty="0" smtClean="0"/>
+              <a:t> </a:t>
+            </a:r>
+            <a:r>
+              <a:rPr lang="en-US" altLang="zh-TW" dirty="0" smtClean="0"/>
+              <a:t>(Agglomerative)</a:t>
+            </a:r>
+            <a:endParaRPr lang="zh-TW" altLang="en-US" dirty="0"/>
+          </a:p>
+        </p:txBody>
+      </p:sp>
+      <p:sp>
+        <p:nvSpPr>
+          <p:cNvPr id="5" name="矩形 4"/>
+          <p:cNvSpPr/>
+          <p:nvPr/>
+        </p:nvSpPr>
+        <p:spPr>
+          <a:xfrm>
+            <a:off x="838200" y="1923228"/>
+            <a:ext cx="9211408" cy="369332"/>
+          </a:xfrm>
+          <a:prstGeom prst="rect">
+            <a:avLst/>
+          </a:prstGeom>
+        </p:spPr>
+        <p:txBody>
+          <a:bodyPr wrap="square">
+            <a:spAutoFit/>
+          </a:bodyPr>
+          <a:lstStyle/>
+          <a:p>
+            <a:r>
+              <a:rPr lang="zh-TW" altLang="en-US" dirty="0" smtClean="0">
+                <a:latin typeface="微軟正黑體" panose="020B0604030504040204" pitchFamily="34" charset="-120"/>
+                <a:ea typeface="微軟正黑體" panose="020B0604030504040204" pitchFamily="34" charset="-120"/>
+              </a:rPr>
+              <a:t>計算 </a:t>
+            </a:r>
+            <a:r>
+              <a:rPr lang="en-US" altLang="zh-TW" dirty="0">
+                <a:latin typeface="微軟正黑體" panose="020B0604030504040204" pitchFamily="34" charset="-120"/>
+                <a:ea typeface="微軟正黑體" panose="020B0604030504040204" pitchFamily="34" charset="-120"/>
+              </a:rPr>
+              <a:t>c</a:t>
+            </a:r>
+            <a:r>
+              <a:rPr lang="en-US" altLang="zh-TW" dirty="0" smtClean="0">
+                <a:latin typeface="微軟正黑體" panose="020B0604030504040204" pitchFamily="34" charset="-120"/>
+                <a:ea typeface="微軟正黑體" panose="020B0604030504040204" pitchFamily="34" charset="-120"/>
+              </a:rPr>
+              <a:t>luster </a:t>
+            </a:r>
+            <a:r>
+              <a:rPr lang="zh-TW" altLang="en-US" dirty="0" smtClean="0">
+                <a:latin typeface="微軟正黑體" panose="020B0604030504040204" pitchFamily="34" charset="-120"/>
+                <a:ea typeface="微軟正黑體" panose="020B0604030504040204" pitchFamily="34" charset="-120"/>
+              </a:rPr>
+              <a:t>間的距離的方法</a:t>
+            </a:r>
+            <a:r>
+              <a:rPr lang="en-US" altLang="zh-TW" dirty="0" smtClean="0">
+                <a:latin typeface="微軟正黑體" panose="020B0604030504040204" pitchFamily="34" charset="-120"/>
+                <a:ea typeface="微軟正黑體" panose="020B0604030504040204" pitchFamily="34" charset="-120"/>
+              </a:rPr>
+              <a:t>:</a:t>
+            </a:r>
+            <a:endParaRPr lang="zh-TW" altLang="en-US" dirty="0">
+              <a:latin typeface="微軟正黑體" panose="020B0604030504040204" pitchFamily="34" charset="-120"/>
+              <a:ea typeface="微軟正黑體" panose="020B0604030504040204" pitchFamily="34" charset="-120"/>
+            </a:endParaRPr>
+          </a:p>
+        </p:txBody>
+      </p:sp>
+      <p:sp>
+        <p:nvSpPr>
+          <p:cNvPr id="7" name="矩形 6"/>
+          <p:cNvSpPr/>
+          <p:nvPr/>
+        </p:nvSpPr>
+        <p:spPr>
+          <a:xfrm>
+            <a:off x="838200" y="2901352"/>
+            <a:ext cx="10515600" cy="1938992"/>
+          </a:xfrm>
+          <a:prstGeom prst="rect">
+            <a:avLst/>
+          </a:prstGeom>
+        </p:spPr>
+        <p:txBody>
+          <a:bodyPr wrap="square">
+            <a:spAutoFit/>
+          </a:bodyPr>
+          <a:lstStyle/>
+          <a:p>
+            <a:pPr marL="342900" indent="-342900">
+              <a:lnSpc>
+                <a:spcPct val="150000"/>
+              </a:lnSpc>
+              <a:buFont typeface="+mj-lt"/>
+              <a:buAutoNum type="arabicPeriod"/>
+            </a:pPr>
+            <a:r>
+              <a:rPr lang="en-US" altLang="zh-TW" sz="2000" dirty="0">
+                <a:latin typeface="微軟正黑體" panose="020B0604030504040204" pitchFamily="34" charset="-120"/>
+                <a:ea typeface="微軟正黑體" panose="020B0604030504040204" pitchFamily="34" charset="-120"/>
+              </a:rPr>
+              <a:t>S</a:t>
+            </a:r>
+            <a:r>
+              <a:rPr lang="en-US" altLang="zh-TW" sz="2000" dirty="0" smtClean="0">
+                <a:latin typeface="微軟正黑體" panose="020B0604030504040204" pitchFamily="34" charset="-120"/>
+                <a:ea typeface="微軟正黑體" panose="020B0604030504040204" pitchFamily="34" charset="-120"/>
+              </a:rPr>
+              <a:t>ingle-linkage --</a:t>
+            </a:r>
+            <a:r>
+              <a:rPr lang="zh-TW" altLang="en-US" sz="2000" dirty="0" smtClean="0">
+                <a:latin typeface="微軟正黑體" panose="020B0604030504040204" pitchFamily="34" charset="-120"/>
+                <a:ea typeface="微軟正黑體" panose="020B0604030504040204" pitchFamily="34" charset="-120"/>
+              </a:rPr>
+              <a:t> 兩個 </a:t>
+            </a:r>
+            <a:r>
+              <a:rPr lang="en-US" altLang="zh-TW" sz="2000" dirty="0" smtClean="0">
+                <a:latin typeface="微軟正黑體" panose="020B0604030504040204" pitchFamily="34" charset="-120"/>
+                <a:ea typeface="微軟正黑體" panose="020B0604030504040204" pitchFamily="34" charset="-120"/>
+              </a:rPr>
+              <a:t>cluster</a:t>
+            </a:r>
+            <a:r>
+              <a:rPr lang="zh-TW" altLang="en-US" sz="2000" dirty="0" smtClean="0">
+                <a:latin typeface="微軟正黑體" panose="020B0604030504040204" pitchFamily="34" charset="-120"/>
+                <a:ea typeface="微軟正黑體" panose="020B0604030504040204" pitchFamily="34" charset="-120"/>
+              </a:rPr>
+              <a:t> 中，</a:t>
+            </a:r>
+            <a:r>
+              <a:rPr lang="zh-TW" altLang="en-US" sz="2000" dirty="0" smtClean="0">
+                <a:solidFill>
+                  <a:srgbClr val="FFC000"/>
+                </a:solidFill>
+                <a:latin typeface="微軟正黑體" panose="020B0604030504040204" pitchFamily="34" charset="-120"/>
+                <a:ea typeface="微軟正黑體" panose="020B0604030504040204" pitchFamily="34" charset="-120"/>
+              </a:rPr>
+              <a:t>最接近的兩點</a:t>
+            </a:r>
+            <a:r>
+              <a:rPr lang="zh-TW" altLang="en-US" sz="2000" dirty="0">
+                <a:latin typeface="微軟正黑體" panose="020B0604030504040204" pitchFamily="34" charset="-120"/>
+                <a:ea typeface="微軟正黑體" panose="020B0604030504040204" pitchFamily="34" charset="-120"/>
+              </a:rPr>
+              <a:t>間的</a:t>
+            </a:r>
+            <a:r>
+              <a:rPr lang="zh-TW" altLang="en-US" sz="2000" dirty="0" smtClean="0">
+                <a:latin typeface="微軟正黑體" panose="020B0604030504040204" pitchFamily="34" charset="-120"/>
+                <a:ea typeface="微軟正黑體" panose="020B0604030504040204" pitchFamily="34" charset="-120"/>
+              </a:rPr>
+              <a:t>距離</a:t>
+            </a:r>
+            <a:endParaRPr lang="en-US" altLang="zh-TW" sz="2000" dirty="0" smtClean="0">
+              <a:latin typeface="微軟正黑體" panose="020B0604030504040204" pitchFamily="34" charset="-120"/>
+              <a:ea typeface="微軟正黑體" panose="020B0604030504040204" pitchFamily="34" charset="-120"/>
+            </a:endParaRPr>
+          </a:p>
+          <a:p>
+            <a:pPr marL="342900" indent="-342900">
+              <a:lnSpc>
+                <a:spcPct val="150000"/>
+              </a:lnSpc>
+              <a:buFont typeface="+mj-lt"/>
+              <a:buAutoNum type="arabicPeriod"/>
+            </a:pPr>
+            <a:r>
+              <a:rPr lang="en-US" altLang="zh-TW" sz="2000" dirty="0">
+                <a:latin typeface="微軟正黑體" panose="020B0604030504040204" pitchFamily="34" charset="-120"/>
+                <a:ea typeface="微軟正黑體" panose="020B0604030504040204" pitchFamily="34" charset="-120"/>
+              </a:rPr>
+              <a:t>C</a:t>
+            </a:r>
+            <a:r>
+              <a:rPr lang="en-US" altLang="zh-TW" sz="2000" dirty="0" smtClean="0">
+                <a:latin typeface="微軟正黑體" panose="020B0604030504040204" pitchFamily="34" charset="-120"/>
+                <a:ea typeface="微軟正黑體" panose="020B0604030504040204" pitchFamily="34" charset="-120"/>
+              </a:rPr>
+              <a:t>omplete-linkage --</a:t>
+            </a:r>
+            <a:r>
+              <a:rPr lang="zh-TW" altLang="en-US" sz="2000" dirty="0" smtClean="0">
+                <a:latin typeface="微軟正黑體" panose="020B0604030504040204" pitchFamily="34" charset="-120"/>
+                <a:ea typeface="微軟正黑體" panose="020B0604030504040204" pitchFamily="34" charset="-120"/>
+              </a:rPr>
+              <a:t> 兩</a:t>
+            </a:r>
+            <a:r>
+              <a:rPr lang="zh-TW" altLang="en-US" sz="2000" dirty="0">
+                <a:latin typeface="微軟正黑體" panose="020B0604030504040204" pitchFamily="34" charset="-120"/>
+                <a:ea typeface="微軟正黑體" panose="020B0604030504040204" pitchFamily="34" charset="-120"/>
+              </a:rPr>
+              <a:t>個 </a:t>
+            </a:r>
+            <a:r>
+              <a:rPr lang="en-US" altLang="zh-TW" sz="2000" dirty="0">
+                <a:latin typeface="微軟正黑體" panose="020B0604030504040204" pitchFamily="34" charset="-120"/>
+                <a:ea typeface="微軟正黑體" panose="020B0604030504040204" pitchFamily="34" charset="-120"/>
+              </a:rPr>
+              <a:t>cluster</a:t>
+            </a:r>
+            <a:r>
+              <a:rPr lang="zh-TW" altLang="en-US" sz="2000" dirty="0">
+                <a:latin typeface="微軟正黑體" panose="020B0604030504040204" pitchFamily="34" charset="-120"/>
+                <a:ea typeface="微軟正黑體" panose="020B0604030504040204" pitchFamily="34" charset="-120"/>
+              </a:rPr>
+              <a:t> 中</a:t>
+            </a:r>
+            <a:r>
+              <a:rPr lang="zh-TW" altLang="en-US" sz="2000" dirty="0" smtClean="0">
+                <a:latin typeface="微軟正黑體" panose="020B0604030504040204" pitchFamily="34" charset="-120"/>
+                <a:ea typeface="微軟正黑體" panose="020B0604030504040204" pitchFamily="34" charset="-120"/>
+              </a:rPr>
+              <a:t>，</a:t>
+            </a:r>
+            <a:r>
+              <a:rPr lang="zh-TW" altLang="en-US" sz="2000" dirty="0" smtClean="0">
+                <a:solidFill>
+                  <a:srgbClr val="FFC000"/>
+                </a:solidFill>
+                <a:latin typeface="微軟正黑體" panose="020B0604030504040204" pitchFamily="34" charset="-120"/>
+                <a:ea typeface="微軟正黑體" panose="020B0604030504040204" pitchFamily="34" charset="-120"/>
+              </a:rPr>
+              <a:t>最遠的兩點</a:t>
+            </a:r>
+            <a:r>
+              <a:rPr lang="zh-TW" altLang="en-US" sz="2000" dirty="0">
+                <a:latin typeface="微軟正黑體" panose="020B0604030504040204" pitchFamily="34" charset="-120"/>
+                <a:ea typeface="微軟正黑體" panose="020B0604030504040204" pitchFamily="34" charset="-120"/>
+              </a:rPr>
+              <a:t>間的</a:t>
+            </a:r>
+            <a:r>
+              <a:rPr lang="zh-TW" altLang="en-US" sz="2000" dirty="0" smtClean="0">
+                <a:latin typeface="微軟正黑體" panose="020B0604030504040204" pitchFamily="34" charset="-120"/>
+                <a:ea typeface="微軟正黑體" panose="020B0604030504040204" pitchFamily="34" charset="-120"/>
+              </a:rPr>
+              <a:t>距離</a:t>
+            </a:r>
+            <a:endParaRPr lang="en-US" altLang="zh-TW" sz="2000" dirty="0" smtClean="0">
+              <a:latin typeface="微軟正黑體" panose="020B0604030504040204" pitchFamily="34" charset="-120"/>
+              <a:ea typeface="微軟正黑體" panose="020B0604030504040204" pitchFamily="34" charset="-120"/>
+            </a:endParaRPr>
+          </a:p>
+          <a:p>
+            <a:pPr marL="342900" indent="-342900">
+              <a:lnSpc>
+                <a:spcPct val="150000"/>
+              </a:lnSpc>
+              <a:buFont typeface="+mj-lt"/>
+              <a:buAutoNum type="arabicPeriod"/>
+            </a:pPr>
+            <a:r>
+              <a:rPr lang="en-US" altLang="zh-TW" sz="2000" dirty="0">
+                <a:latin typeface="微軟正黑體" panose="020B0604030504040204" pitchFamily="34" charset="-120"/>
+                <a:ea typeface="微軟正黑體" panose="020B0604030504040204" pitchFamily="34" charset="-120"/>
+              </a:rPr>
+              <a:t>A</a:t>
+            </a:r>
+            <a:r>
+              <a:rPr lang="en-US" altLang="zh-TW" sz="2000" dirty="0" smtClean="0">
+                <a:latin typeface="微軟正黑體" panose="020B0604030504040204" pitchFamily="34" charset="-120"/>
+                <a:ea typeface="微軟正黑體" panose="020B0604030504040204" pitchFamily="34" charset="-120"/>
+              </a:rPr>
+              <a:t>verage-linkage --</a:t>
+            </a:r>
+            <a:r>
+              <a:rPr lang="zh-TW" altLang="en-US" sz="2000" dirty="0" smtClean="0">
+                <a:latin typeface="微軟正黑體" panose="020B0604030504040204" pitchFamily="34" charset="-120"/>
+                <a:ea typeface="微軟正黑體" panose="020B0604030504040204" pitchFamily="34" charset="-120"/>
+              </a:rPr>
+              <a:t> 兩</a:t>
+            </a:r>
+            <a:r>
+              <a:rPr lang="zh-TW" altLang="en-US" sz="2000" dirty="0">
+                <a:latin typeface="微軟正黑體" panose="020B0604030504040204" pitchFamily="34" charset="-120"/>
+                <a:ea typeface="微軟正黑體" panose="020B0604030504040204" pitchFamily="34" charset="-120"/>
+              </a:rPr>
+              <a:t>個 </a:t>
+            </a:r>
+            <a:r>
+              <a:rPr lang="en-US" altLang="zh-TW" sz="2000" dirty="0">
+                <a:latin typeface="微軟正黑體" panose="020B0604030504040204" pitchFamily="34" charset="-120"/>
+                <a:ea typeface="微軟正黑體" panose="020B0604030504040204" pitchFamily="34" charset="-120"/>
+              </a:rPr>
+              <a:t>cluster</a:t>
+            </a:r>
+            <a:r>
+              <a:rPr lang="zh-TW" altLang="en-US" sz="2000" dirty="0">
+                <a:latin typeface="微軟正黑體" panose="020B0604030504040204" pitchFamily="34" charset="-120"/>
+                <a:ea typeface="微軟正黑體" panose="020B0604030504040204" pitchFamily="34" charset="-120"/>
+              </a:rPr>
+              <a:t> </a:t>
+            </a:r>
+            <a:r>
+              <a:rPr lang="zh-TW" altLang="en-US" sz="2000" dirty="0" smtClean="0">
+                <a:latin typeface="微軟正黑體" panose="020B0604030504040204" pitchFamily="34" charset="-120"/>
+                <a:ea typeface="微軟正黑體" panose="020B0604030504040204" pitchFamily="34" charset="-120"/>
+              </a:rPr>
+              <a:t>之間，各</a:t>
+            </a:r>
+            <a:r>
+              <a:rPr lang="zh-TW" altLang="en-US" sz="2000" dirty="0">
+                <a:latin typeface="微軟正黑體" panose="020B0604030504040204" pitchFamily="34" charset="-120"/>
+                <a:ea typeface="微軟正黑體" panose="020B0604030504040204" pitchFamily="34" charset="-120"/>
+              </a:rPr>
+              <a:t>點與各點間距離總和的</a:t>
+            </a:r>
+            <a:r>
+              <a:rPr lang="zh-TW" altLang="en-US" sz="2000" dirty="0" smtClean="0">
+                <a:solidFill>
+                  <a:srgbClr val="FFC000"/>
+                </a:solidFill>
+                <a:latin typeface="微軟正黑體" panose="020B0604030504040204" pitchFamily="34" charset="-120"/>
+                <a:ea typeface="微軟正黑體" panose="020B0604030504040204" pitchFamily="34" charset="-120"/>
+              </a:rPr>
+              <a:t>平均</a:t>
+            </a:r>
+            <a:endParaRPr lang="en-US" altLang="zh-TW" sz="2000" dirty="0" smtClean="0">
+              <a:solidFill>
+                <a:srgbClr val="FFC000"/>
+              </a:solidFill>
+              <a:latin typeface="微軟正黑體" panose="020B0604030504040204" pitchFamily="34" charset="-120"/>
+              <a:ea typeface="微軟正黑體" panose="020B0604030504040204" pitchFamily="34" charset="-120"/>
+            </a:endParaRPr>
+          </a:p>
+          <a:p>
+            <a:pPr marL="342900" indent="-342900">
+              <a:lnSpc>
+                <a:spcPct val="150000"/>
+              </a:lnSpc>
+              <a:buFont typeface="+mj-lt"/>
+              <a:buAutoNum type="arabicPeriod"/>
+            </a:pPr>
+            <a:r>
+              <a:rPr lang="en-US" altLang="zh-TW" sz="2000" dirty="0" smtClean="0">
+                <a:latin typeface="微軟正黑體" panose="020B0604030504040204" pitchFamily="34" charset="-120"/>
+                <a:ea typeface="微軟正黑體" panose="020B0604030504040204" pitchFamily="34" charset="-120"/>
+              </a:rPr>
+              <a:t>Ward’s method --</a:t>
+            </a:r>
+            <a:r>
+              <a:rPr lang="zh-TW" altLang="en-US" sz="2000" dirty="0" smtClean="0">
+                <a:latin typeface="微軟正黑體" panose="020B0604030504040204" pitchFamily="34" charset="-120"/>
+                <a:ea typeface="微軟正黑體" panose="020B0604030504040204" pitchFamily="34" charset="-120"/>
+              </a:rPr>
+              <a:t> 在將</a:t>
+            </a:r>
+            <a:r>
+              <a:rPr lang="zh-TW" altLang="en-US" sz="2000" dirty="0">
+                <a:latin typeface="微軟正黑體" panose="020B0604030504040204" pitchFamily="34" charset="-120"/>
+                <a:ea typeface="微軟正黑體" panose="020B0604030504040204" pitchFamily="34" charset="-120"/>
+              </a:rPr>
+              <a:t>兩個 </a:t>
+            </a:r>
+            <a:r>
+              <a:rPr lang="en-US" altLang="zh-TW" sz="2000" dirty="0" smtClean="0">
+                <a:latin typeface="微軟正黑體" panose="020B0604030504040204" pitchFamily="34" charset="-120"/>
+                <a:ea typeface="微軟正黑體" panose="020B0604030504040204" pitchFamily="34" charset="-120"/>
+              </a:rPr>
+              <a:t>cluster</a:t>
+            </a:r>
+            <a:r>
+              <a:rPr lang="zh-TW" altLang="en-US" sz="2000" dirty="0" smtClean="0">
+                <a:latin typeface="微軟正黑體" panose="020B0604030504040204" pitchFamily="34" charset="-120"/>
+                <a:ea typeface="微軟正黑體" panose="020B0604030504040204" pitchFamily="34" charset="-120"/>
+              </a:rPr>
+              <a:t> </a:t>
+            </a:r>
+            <a:r>
+              <a:rPr lang="zh-TW" altLang="en-US" sz="2000" dirty="0" smtClean="0">
+                <a:solidFill>
+                  <a:srgbClr val="FFC000"/>
+                </a:solidFill>
+                <a:latin typeface="微軟正黑體" panose="020B0604030504040204" pitchFamily="34" charset="-120"/>
+                <a:ea typeface="微軟正黑體" panose="020B0604030504040204" pitchFamily="34" charset="-120"/>
+              </a:rPr>
+              <a:t>合併</a:t>
+            </a:r>
+            <a:r>
+              <a:rPr lang="zh-TW" altLang="en-US" sz="2000" dirty="0">
+                <a:latin typeface="微軟正黑體" panose="020B0604030504040204" pitchFamily="34" charset="-120"/>
+                <a:ea typeface="微軟正黑體" panose="020B0604030504040204" pitchFamily="34" charset="-120"/>
+              </a:rPr>
+              <a:t>後，</a:t>
+            </a:r>
+            <a:r>
+              <a:rPr lang="zh-TW" altLang="en-US" sz="2000" dirty="0">
+                <a:solidFill>
+                  <a:srgbClr val="FFC000"/>
+                </a:solidFill>
+                <a:latin typeface="微軟正黑體" panose="020B0604030504040204" pitchFamily="34" charset="-120"/>
+                <a:ea typeface="微軟正黑體" panose="020B0604030504040204" pitchFamily="34" charset="-120"/>
+              </a:rPr>
+              <a:t>各點到合併後的群中心的距離平方和</a:t>
+            </a:r>
+            <a:endParaRPr lang="zh-TW" altLang="en-US" sz="2000" dirty="0">
+              <a:solidFill>
+                <a:srgbClr val="FFC000"/>
+              </a:solidFill>
+              <a:latin typeface="微軟正黑體" panose="020B0604030504040204" pitchFamily="34" charset="-120"/>
+              <a:ea typeface="微軟正黑體" panose="020B0604030504040204" pitchFamily="34" charset="-120"/>
+            </a:endParaRPr>
+          </a:p>
+        </p:txBody>
+      </p:sp>
+    </p:spTree>
+    <p:extLst>
+      <p:ext uri="{BB962C8B-B14F-4D97-AF65-F5344CB8AC3E}">
+        <p14:creationId xmlns:p14="http://schemas.microsoft.com/office/powerpoint/2010/main" val="2982435068"/>
       </p:ext>
     </p:extLst>
   </p:cSld>
